--- a/dissertacao/ApresentacaoGustavo.pptx
+++ b/dissertacao/ApresentacaoGustavo.pptx
@@ -5,126 +5,340 @@
     <p:sldMasterId r:id="rId1"/>
   </p:sldMasterIdLst>
   <p:notesMasterIdLst>
-    <p:notesMasterId r:id="rId20"/>
+    <p:notesMasterId r:id="rId41"/>
   </p:notesMasterIdLst>
+  <p:handoutMasterIdLst>
+    <p:handoutMasterId r:id="rId42"/>
+  </p:handoutMasterIdLst>
   <p:sldIdLst>
     <p:sldId id="256" r:id="rId2"/>
-    <p:sldId id="257" r:id="rId3"/>
-    <p:sldId id="258" r:id="rId4"/>
-    <p:sldId id="259" r:id="rId5"/>
-    <p:sldId id="261" r:id="rId6"/>
-    <p:sldId id="262" r:id="rId7"/>
-    <p:sldId id="260" r:id="rId8"/>
-    <p:sldId id="263" r:id="rId9"/>
-    <p:sldId id="264" r:id="rId10"/>
-    <p:sldId id="265" r:id="rId11"/>
-    <p:sldId id="266" r:id="rId12"/>
-    <p:sldId id="267" r:id="rId13"/>
-    <p:sldId id="268" r:id="rId14"/>
-    <p:sldId id="269" r:id="rId15"/>
-    <p:sldId id="271" r:id="rId16"/>
-    <p:sldId id="270" r:id="rId17"/>
-    <p:sldId id="272" r:id="rId18"/>
-    <p:sldId id="273" r:id="rId19"/>
+    <p:sldId id="265" r:id="rId3"/>
+    <p:sldId id="257" r:id="rId4"/>
+    <p:sldId id="258" r:id="rId5"/>
+    <p:sldId id="259" r:id="rId6"/>
+    <p:sldId id="271" r:id="rId7"/>
+    <p:sldId id="272" r:id="rId8"/>
+    <p:sldId id="273" r:id="rId9"/>
+    <p:sldId id="274" r:id="rId10"/>
+    <p:sldId id="275" r:id="rId11"/>
+    <p:sldId id="276" r:id="rId12"/>
+    <p:sldId id="277" r:id="rId13"/>
+    <p:sldId id="278" r:id="rId14"/>
+    <p:sldId id="279" r:id="rId15"/>
+    <p:sldId id="260" r:id="rId16"/>
+    <p:sldId id="269" r:id="rId17"/>
+    <p:sldId id="261" r:id="rId18"/>
+    <p:sldId id="262" r:id="rId19"/>
+    <p:sldId id="263" r:id="rId20"/>
+    <p:sldId id="264" r:id="rId21"/>
+    <p:sldId id="266" r:id="rId22"/>
+    <p:sldId id="267" r:id="rId23"/>
+    <p:sldId id="268" r:id="rId24"/>
+    <p:sldId id="281" r:id="rId25"/>
+    <p:sldId id="288" r:id="rId26"/>
+    <p:sldId id="290" r:id="rId27"/>
+    <p:sldId id="289" r:id="rId28"/>
+    <p:sldId id="292" r:id="rId29"/>
+    <p:sldId id="291" r:id="rId30"/>
+    <p:sldId id="286" r:id="rId31"/>
+    <p:sldId id="298" r:id="rId32"/>
+    <p:sldId id="293" r:id="rId33"/>
+    <p:sldId id="295" r:id="rId34"/>
+    <p:sldId id="299" r:id="rId35"/>
+    <p:sldId id="296" r:id="rId36"/>
+    <p:sldId id="297" r:id="rId37"/>
+    <p:sldId id="285" r:id="rId38"/>
+    <p:sldId id="284" r:id="rId39"/>
+    <p:sldId id="283" r:id="rId40"/>
   </p:sldIdLst>
   <p:sldSz cx="9144000" cy="6858000" type="screen4x3"/>
   <p:notesSz cx="6858000" cy="9144000"/>
   <p:defaultTextStyle>
     <a:defPPr>
-      <a:defRPr lang="en-US"/>
+      <a:defRPr lang="pt-BR"/>
     </a:defPPr>
-    <a:lvl1pPr marL="0" algn="l" defTabSz="457200" rtl="0" eaLnBrk="1" latinLnBrk="0" hangingPunct="1">
-      <a:defRPr sz="1800" kern="1200">
+    <a:lvl1pPr algn="l" rtl="0" fontAlgn="base">
+      <a:spcBef>
+        <a:spcPct val="0"/>
+      </a:spcBef>
+      <a:spcAft>
+        <a:spcPct val="0"/>
+      </a:spcAft>
+      <a:defRPr kern="1200">
         <a:solidFill>
           <a:schemeClr val="tx1"/>
         </a:solidFill>
-        <a:latin typeface="+mn-lt"/>
+        <a:latin typeface="Arial" charset="0"/>
         <a:ea typeface="+mn-ea"/>
         <a:cs typeface="+mn-cs"/>
       </a:defRPr>
     </a:lvl1pPr>
-    <a:lvl2pPr marL="457200" algn="l" defTabSz="457200" rtl="0" eaLnBrk="1" latinLnBrk="0" hangingPunct="1">
-      <a:defRPr sz="1800" kern="1200">
+    <a:lvl2pPr marL="457200" algn="l" rtl="0" fontAlgn="base">
+      <a:spcBef>
+        <a:spcPct val="0"/>
+      </a:spcBef>
+      <a:spcAft>
+        <a:spcPct val="0"/>
+      </a:spcAft>
+      <a:defRPr kern="1200">
         <a:solidFill>
           <a:schemeClr val="tx1"/>
         </a:solidFill>
-        <a:latin typeface="+mn-lt"/>
+        <a:latin typeface="Arial" charset="0"/>
         <a:ea typeface="+mn-ea"/>
         <a:cs typeface="+mn-cs"/>
       </a:defRPr>
     </a:lvl2pPr>
-    <a:lvl3pPr marL="914400" algn="l" defTabSz="457200" rtl="0" eaLnBrk="1" latinLnBrk="0" hangingPunct="1">
-      <a:defRPr sz="1800" kern="1200">
+    <a:lvl3pPr marL="914400" algn="l" rtl="0" fontAlgn="base">
+      <a:spcBef>
+        <a:spcPct val="0"/>
+      </a:spcBef>
+      <a:spcAft>
+        <a:spcPct val="0"/>
+      </a:spcAft>
+      <a:defRPr kern="1200">
         <a:solidFill>
           <a:schemeClr val="tx1"/>
         </a:solidFill>
-        <a:latin typeface="+mn-lt"/>
+        <a:latin typeface="Arial" charset="0"/>
         <a:ea typeface="+mn-ea"/>
         <a:cs typeface="+mn-cs"/>
       </a:defRPr>
     </a:lvl3pPr>
-    <a:lvl4pPr marL="1371600" algn="l" defTabSz="457200" rtl="0" eaLnBrk="1" latinLnBrk="0" hangingPunct="1">
-      <a:defRPr sz="1800" kern="1200">
+    <a:lvl4pPr marL="1371600" algn="l" rtl="0" fontAlgn="base">
+      <a:spcBef>
+        <a:spcPct val="0"/>
+      </a:spcBef>
+      <a:spcAft>
+        <a:spcPct val="0"/>
+      </a:spcAft>
+      <a:defRPr kern="1200">
         <a:solidFill>
           <a:schemeClr val="tx1"/>
         </a:solidFill>
-        <a:latin typeface="+mn-lt"/>
+        <a:latin typeface="Arial" charset="0"/>
         <a:ea typeface="+mn-ea"/>
         <a:cs typeface="+mn-cs"/>
       </a:defRPr>
     </a:lvl4pPr>
-    <a:lvl5pPr marL="1828800" algn="l" defTabSz="457200" rtl="0" eaLnBrk="1" latinLnBrk="0" hangingPunct="1">
-      <a:defRPr sz="1800" kern="1200">
+    <a:lvl5pPr marL="1828800" algn="l" rtl="0" fontAlgn="base">
+      <a:spcBef>
+        <a:spcPct val="0"/>
+      </a:spcBef>
+      <a:spcAft>
+        <a:spcPct val="0"/>
+      </a:spcAft>
+      <a:defRPr kern="1200">
         <a:solidFill>
           <a:schemeClr val="tx1"/>
         </a:solidFill>
-        <a:latin typeface="+mn-lt"/>
+        <a:latin typeface="Arial" charset="0"/>
         <a:ea typeface="+mn-ea"/>
         <a:cs typeface="+mn-cs"/>
       </a:defRPr>
     </a:lvl5pPr>
     <a:lvl6pPr marL="2286000" algn="l" defTabSz="457200" rtl="0" eaLnBrk="1" latinLnBrk="0" hangingPunct="1">
-      <a:defRPr sz="1800" kern="1200">
+      <a:defRPr kern="1200">
         <a:solidFill>
           <a:schemeClr val="tx1"/>
         </a:solidFill>
-        <a:latin typeface="+mn-lt"/>
+        <a:latin typeface="Arial" charset="0"/>
         <a:ea typeface="+mn-ea"/>
         <a:cs typeface="+mn-cs"/>
       </a:defRPr>
     </a:lvl6pPr>
     <a:lvl7pPr marL="2743200" algn="l" defTabSz="457200" rtl="0" eaLnBrk="1" latinLnBrk="0" hangingPunct="1">
-      <a:defRPr sz="1800" kern="1200">
+      <a:defRPr kern="1200">
         <a:solidFill>
           <a:schemeClr val="tx1"/>
         </a:solidFill>
-        <a:latin typeface="+mn-lt"/>
+        <a:latin typeface="Arial" charset="0"/>
         <a:ea typeface="+mn-ea"/>
         <a:cs typeface="+mn-cs"/>
       </a:defRPr>
     </a:lvl7pPr>
     <a:lvl8pPr marL="3200400" algn="l" defTabSz="457200" rtl="0" eaLnBrk="1" latinLnBrk="0" hangingPunct="1">
-      <a:defRPr sz="1800" kern="1200">
+      <a:defRPr kern="1200">
         <a:solidFill>
           <a:schemeClr val="tx1"/>
         </a:solidFill>
-        <a:latin typeface="+mn-lt"/>
+        <a:latin typeface="Arial" charset="0"/>
         <a:ea typeface="+mn-ea"/>
         <a:cs typeface="+mn-cs"/>
       </a:defRPr>
     </a:lvl8pPr>
     <a:lvl9pPr marL="3657600" algn="l" defTabSz="457200" rtl="0" eaLnBrk="1" latinLnBrk="0" hangingPunct="1">
-      <a:defRPr sz="1800" kern="1200">
+      <a:defRPr kern="1200">
         <a:solidFill>
           <a:schemeClr val="tx1"/>
         </a:solidFill>
-        <a:latin typeface="+mn-lt"/>
+        <a:latin typeface="Arial" charset="0"/>
         <a:ea typeface="+mn-ea"/>
         <a:cs typeface="+mn-cs"/>
       </a:defRPr>
     </a:lvl9pPr>
   </p:defaultTextStyle>
 </p:presentation>
+</file>
+
+<file path=ppt/handoutMasters/handoutMaster1.xml><?xml version="1.0" encoding="utf-8"?>
+<p:handoutMaster xmlns:a="http://schemas.openxmlformats.org/drawingml/2006/main" xmlns:r="http://schemas.openxmlformats.org/officeDocument/2006/relationships" xmlns:mc="http://schemas.openxmlformats.org/markup-compatibility/2006" xmlns:mv="urn:schemas-microsoft-com:mac:vml" xmlns:p="http://schemas.openxmlformats.org/presentationml/2006/main" mc:Ignorable="mv" mc:PreserveAttributes="mv:*">
+  <p:cSld>
+    <p:bg>
+      <p:bgRef idx="1001">
+        <a:schemeClr val="bg1"/>
+      </p:bgRef>
+    </p:bg>
+    <p:spTree>
+      <p:nvGrpSpPr>
+        <p:cNvPr id="1" name=""/>
+        <p:cNvGrpSpPr/>
+        <p:nvPr/>
+      </p:nvGrpSpPr>
+      <p:grpSpPr>
+        <a:xfrm>
+          <a:off x="0" y="0"/>
+          <a:ext cx="0" cy="0"/>
+          <a:chOff x="0" y="0"/>
+          <a:chExt cx="0" cy="0"/>
+        </a:xfrm>
+      </p:grpSpPr>
+      <p:sp>
+        <p:nvSpPr>
+          <p:cNvPr id="2" name="Header Placeholder 1"/>
+          <p:cNvSpPr>
+            <a:spLocks noGrp="1"/>
+          </p:cNvSpPr>
+          <p:nvPr>
+            <p:ph type="hdr" sz="quarter"/>
+          </p:nvPr>
+        </p:nvSpPr>
+        <p:spPr>
+          <a:xfrm>
+            <a:off x="0" y="0"/>
+            <a:ext cx="2971800" cy="457200"/>
+          </a:xfrm>
+          <a:prstGeom prst="rect">
+            <a:avLst/>
+          </a:prstGeom>
+        </p:spPr>
+        <p:txBody>
+          <a:bodyPr vert="horz" lIns="91440" tIns="45720" rIns="91440" bIns="45720" rtlCol="0"/>
+          <a:lstStyle>
+            <a:lvl1pPr algn="l">
+              <a:defRPr sz="1200"/>
+            </a:lvl1pPr>
+          </a:lstStyle>
+          <a:p>
+            <a:endParaRPr lang="pt-BR"/>
+          </a:p>
+        </p:txBody>
+      </p:sp>
+      <p:sp>
+        <p:nvSpPr>
+          <p:cNvPr id="3" name="Date Placeholder 2"/>
+          <p:cNvSpPr>
+            <a:spLocks noGrp="1"/>
+          </p:cNvSpPr>
+          <p:nvPr>
+            <p:ph type="dt" sz="quarter" idx="1"/>
+          </p:nvPr>
+        </p:nvSpPr>
+        <p:spPr>
+          <a:xfrm>
+            <a:off x="3884613" y="0"/>
+            <a:ext cx="2971800" cy="457200"/>
+          </a:xfrm>
+          <a:prstGeom prst="rect">
+            <a:avLst/>
+          </a:prstGeom>
+        </p:spPr>
+        <p:txBody>
+          <a:bodyPr vert="horz" lIns="91440" tIns="45720" rIns="91440" bIns="45720" rtlCol="0"/>
+          <a:lstStyle>
+            <a:lvl1pPr algn="r">
+              <a:defRPr sz="1200"/>
+            </a:lvl1pPr>
+          </a:lstStyle>
+          <a:p>
+            <a:fld id="{816F4936-30B3-7C4F-A8EC-0DE846BB7FA8}" type="datetimeFigureOut">
+              <a:rPr lang="en-US" smtClean="0"/>
+              <a:t>10/2/12</a:t>
+            </a:fld>
+            <a:endParaRPr lang="pt-BR"/>
+          </a:p>
+        </p:txBody>
+      </p:sp>
+      <p:sp>
+        <p:nvSpPr>
+          <p:cNvPr id="4" name="Footer Placeholder 3"/>
+          <p:cNvSpPr>
+            <a:spLocks noGrp="1"/>
+          </p:cNvSpPr>
+          <p:nvPr>
+            <p:ph type="ftr" sz="quarter" idx="2"/>
+          </p:nvPr>
+        </p:nvSpPr>
+        <p:spPr>
+          <a:xfrm>
+            <a:off x="0" y="8685213"/>
+            <a:ext cx="2971800" cy="457200"/>
+          </a:xfrm>
+          <a:prstGeom prst="rect">
+            <a:avLst/>
+          </a:prstGeom>
+        </p:spPr>
+        <p:txBody>
+          <a:bodyPr vert="horz" lIns="91440" tIns="45720" rIns="91440" bIns="45720" rtlCol="0" anchor="b"/>
+          <a:lstStyle>
+            <a:lvl1pPr algn="l">
+              <a:defRPr sz="1200"/>
+            </a:lvl1pPr>
+          </a:lstStyle>
+          <a:p>
+            <a:endParaRPr lang="pt-BR"/>
+          </a:p>
+        </p:txBody>
+      </p:sp>
+      <p:sp>
+        <p:nvSpPr>
+          <p:cNvPr id="5" name="Slide Number Placeholder 4"/>
+          <p:cNvSpPr>
+            <a:spLocks noGrp="1"/>
+          </p:cNvSpPr>
+          <p:nvPr>
+            <p:ph type="sldNum" sz="quarter" idx="3"/>
+          </p:nvPr>
+        </p:nvSpPr>
+        <p:spPr>
+          <a:xfrm>
+            <a:off x="3884613" y="8685213"/>
+            <a:ext cx="2971800" cy="457200"/>
+          </a:xfrm>
+          <a:prstGeom prst="rect">
+            <a:avLst/>
+          </a:prstGeom>
+        </p:spPr>
+        <p:txBody>
+          <a:bodyPr vert="horz" lIns="91440" tIns="45720" rIns="91440" bIns="45720" rtlCol="0" anchor="b"/>
+          <a:lstStyle>
+            <a:lvl1pPr algn="r">
+              <a:defRPr sz="1200"/>
+            </a:lvl1pPr>
+          </a:lstStyle>
+          <a:p>
+            <a:fld id="{5C1495FF-7B55-4C45-A29F-F33529F73967}" type="slidenum">
+              <a:rPr lang="pt-BR" smtClean="0"/>
+              <a:t>‹#›</a:t>
+            </a:fld>
+            <a:endParaRPr lang="pt-BR"/>
+          </a:p>
+        </p:txBody>
+      </p:sp>
+    </p:spTree>
+  </p:cSld>
+  <p:clrMap bg1="lt1" tx1="dk1" bg2="lt2" tx2="dk2" accent1="accent1" accent2="accent2" accent3="accent3" accent4="accent4" accent5="accent5" accent6="accent6" hlink="hlink" folHlink="folHlink"/>
+</p:handoutMaster>
 </file>
 
 <file path=ppt/notesMasters/notesMaster1.xml><?xml version="1.0" encoding="utf-8"?>
@@ -207,9 +421,9 @@
             </a:lvl1pPr>
           </a:lstStyle>
           <a:p>
-            <a:fld id="{8AD94BEA-37A9-B845-9FFE-07F15D00D9D0}" type="datetimeFigureOut">
+            <a:fld id="{6BF93447-FA43-9A4E-8E7F-7060644D9C5E}" type="datetimeFigureOut">
               <a:rPr lang="en-US" smtClean="0"/>
-              <a:t>10/1/12</a:t>
+              <a:t>10/2/12</a:t>
             </a:fld>
             <a:endParaRPr lang="pt-BR"/>
           </a:p>
@@ -368,7 +582,7 @@
             </a:lvl1pPr>
           </a:lstStyle>
           <a:p>
-            <a:fld id="{F239DF28-0E15-264A-9BB4-8C8BCB5BFE54}" type="slidenum">
+            <a:fld id="{1BB2EF05-D8A2-3A45-95F2-BA74BD40323C}" type="slidenum">
               <a:rPr lang="pt-BR" smtClean="0"/>
               <a:t>‹#›</a:t>
             </a:fld>
@@ -2328,7 +2542,8 @@
           <a:p>
             <a:fld id="{F239DF28-0E15-264A-9BB4-8C8BCB5BFE54}" type="slidenum">
               <a:rPr lang="pt-BR" smtClean="0"/>
-              <a:t>2</a:t>
+              <a:pPr/>
+              <a:t>3</a:t>
             </a:fld>
             <a:endParaRPr lang="pt-BR"/>
           </a:p>
@@ -2394,11 +2609,7 @@
             </a:r>
             <a:r>
               <a:rPr lang="pt-BR" baseline="0" dirty="0" smtClean="0"/>
-              <a:t> v</a:t>
-            </a:r>
-            <a:r>
-              <a:rPr lang="pt-BR" baseline="0" dirty="0" smtClean="0"/>
-              <a:t>ários modelos sendo transformados automaticamente em construções da plataforma de implementação</a:t>
+              <a:t> vários modelos sendo transformados automaticamente em construções da plataforma de implementação</a:t>
             </a:r>
           </a:p>
           <a:p>
@@ -2921,7 +3132,8 @@
           <a:p>
             <a:fld id="{F239DF28-0E15-264A-9BB4-8C8BCB5BFE54}" type="slidenum">
               <a:rPr lang="pt-BR" smtClean="0"/>
-              <a:t>3</a:t>
+              <a:pPr/>
+              <a:t>4</a:t>
             </a:fld>
             <a:endParaRPr lang="pt-BR"/>
           </a:p>
@@ -2983,11 +3195,7 @@
           <a:p>
             <a:r>
               <a:rPr lang="pt-BR" dirty="0" smtClean="0"/>
-              <a:t>Pr</a:t>
-            </a:r>
-            <a:r>
-              <a:rPr lang="pt-BR" dirty="0" smtClean="0"/>
-              <a:t>óximo</a:t>
+              <a:t>Próximo</a:t>
             </a:r>
             <a:r>
               <a:rPr lang="pt-BR" baseline="0" dirty="0" smtClean="0"/>
@@ -3035,15 +3243,7 @@
             </a:r>
             <a:r>
               <a:rPr lang="pt-BR" baseline="0" dirty="0" smtClean="0"/>
-              <a:t>(prefer</a:t>
-            </a:r>
-            <a:r>
-              <a:rPr lang="pt-BR" baseline="0" dirty="0" smtClean="0"/>
-              <a:t>ências do usuário </a:t>
-            </a:r>
-            <a:r>
-              <a:rPr lang="pt-BR" baseline="0" dirty="0" smtClean="0"/>
-              <a:t>=&gt; controladores e monitores de fontes, </a:t>
+              <a:t>(preferências do usuário =&gt; controladores e monitores de fontes, </a:t>
             </a:r>
             <a:r>
               <a:rPr lang="pt-BR" baseline="0" dirty="0" err="1" smtClean="0"/>
@@ -3094,11 +3294,7 @@
             </a:pPr>
             <a:r>
               <a:rPr lang="pt-BR" baseline="0" dirty="0" smtClean="0"/>
-              <a:t>OBS: Se fosse utilizado transforma</a:t>
-            </a:r>
-            <a:r>
-              <a:rPr lang="pt-BR" baseline="0" dirty="0" smtClean="0"/>
-              <a:t>ção, o código gerado a partir do </a:t>
+              <a:t>OBS: Se fosse utilizado transformação, o código gerado a partir do </a:t>
             </a:r>
             <a:r>
               <a:rPr lang="pt-BR" baseline="0" dirty="0" err="1" smtClean="0"/>
@@ -3144,7 +3340,204 @@
           <a:p>
             <a:fld id="{F239DF28-0E15-264A-9BB4-8C8BCB5BFE54}" type="slidenum">
               <a:rPr lang="pt-BR" smtClean="0"/>
-              <a:t>8</a:t>
+              <a:pPr/>
+              <a:t>9</a:t>
+            </a:fld>
+            <a:endParaRPr lang="pt-BR"/>
+          </a:p>
+        </p:txBody>
+      </p:sp>
+    </p:spTree>
+  </p:cSld>
+  <p:clrMapOvr>
+    <a:masterClrMapping/>
+  </p:clrMapOvr>
+</p:notes>
+</file>
+
+<file path=ppt/notesSlides/notesSlide4.xml><?xml version="1.0" encoding="utf-8"?>
+<p:notes xmlns:a="http://schemas.openxmlformats.org/drawingml/2006/main" xmlns:r="http://schemas.openxmlformats.org/officeDocument/2006/relationships" xmlns:mc="http://schemas.openxmlformats.org/markup-compatibility/2006" xmlns:mv="urn:schemas-microsoft-com:mac:vml" xmlns:p="http://schemas.openxmlformats.org/presentationml/2006/main" mc:Ignorable="mv" mc:PreserveAttributes="mv:*">
+  <p:cSld>
+    <p:spTree>
+      <p:nvGrpSpPr>
+        <p:cNvPr id="1" name=""/>
+        <p:cNvGrpSpPr/>
+        <p:nvPr/>
+      </p:nvGrpSpPr>
+      <p:grpSpPr>
+        <a:xfrm>
+          <a:off x="0" y="0"/>
+          <a:ext cx="0" cy="0"/>
+          <a:chOff x="0" y="0"/>
+          <a:chExt cx="0" cy="0"/>
+        </a:xfrm>
+      </p:grpSpPr>
+      <p:sp>
+        <p:nvSpPr>
+          <p:cNvPr id="2" name="Slide Image Placeholder 1"/>
+          <p:cNvSpPr>
+            <a:spLocks noGrp="1" noRot="1" noChangeAspect="1"/>
+          </p:cNvSpPr>
+          <p:nvPr>
+            <p:ph type="sldImg"/>
+          </p:nvPr>
+        </p:nvSpPr>
+        <p:spPr/>
+      </p:sp>
+      <p:sp>
+        <p:nvSpPr>
+          <p:cNvPr id="3" name="Notes Placeholder 2"/>
+          <p:cNvSpPr>
+            <a:spLocks noGrp="1"/>
+          </p:cNvSpPr>
+          <p:nvPr>
+            <p:ph type="body" idx="1"/>
+          </p:nvPr>
+        </p:nvSpPr>
+        <p:spPr/>
+        <p:txBody>
+          <a:bodyPr>
+            <a:normAutofit/>
+          </a:bodyPr>
+          <a:lstStyle/>
+          <a:p>
+            <a:r>
+              <a:rPr lang="pt-BR" dirty="0" smtClean="0"/>
+              <a:t>Arquitetura gen</a:t>
+            </a:r>
+            <a:r>
+              <a:rPr lang="pt-BR" dirty="0" smtClean="0"/>
+              <a:t>érica estabelece uma divisão em camadas das operações envolvidas na realização dessa classe de </a:t>
+            </a:r>
+            <a:r>
+              <a:rPr lang="pt-BR" dirty="0" err="1" smtClean="0"/>
+              <a:t>DSMLs</a:t>
+            </a:r>
+            <a:endParaRPr lang="pt-BR" dirty="0"/>
+          </a:p>
+        </p:txBody>
+      </p:sp>
+      <p:sp>
+        <p:nvSpPr>
+          <p:cNvPr id="4" name="Slide Number Placeholder 3"/>
+          <p:cNvSpPr>
+            <a:spLocks noGrp="1"/>
+          </p:cNvSpPr>
+          <p:nvPr>
+            <p:ph type="sldNum" sz="quarter" idx="10"/>
+          </p:nvPr>
+        </p:nvSpPr>
+        <p:spPr/>
+        <p:txBody>
+          <a:bodyPr/>
+          <a:lstStyle/>
+          <a:p>
+            <a:fld id="{1BB2EF05-D8A2-3A45-95F2-BA74BD40323C}" type="slidenum">
+              <a:rPr lang="pt-BR" smtClean="0"/>
+              <a:t>20</a:t>
+            </a:fld>
+            <a:endParaRPr lang="pt-BR"/>
+          </a:p>
+        </p:txBody>
+      </p:sp>
+    </p:spTree>
+  </p:cSld>
+  <p:clrMapOvr>
+    <a:masterClrMapping/>
+  </p:clrMapOvr>
+</p:notes>
+</file>
+
+<file path=ppt/notesSlides/notesSlide5.xml><?xml version="1.0" encoding="utf-8"?>
+<p:notes xmlns:a="http://schemas.openxmlformats.org/drawingml/2006/main" xmlns:r="http://schemas.openxmlformats.org/officeDocument/2006/relationships" xmlns:mc="http://schemas.openxmlformats.org/markup-compatibility/2006" xmlns:mv="urn:schemas-microsoft-com:mac:vml" xmlns:p="http://schemas.openxmlformats.org/presentationml/2006/main" mc:Ignorable="mv" mc:PreserveAttributes="mv:*">
+  <p:cSld>
+    <p:spTree>
+      <p:nvGrpSpPr>
+        <p:cNvPr id="1" name=""/>
+        <p:cNvGrpSpPr/>
+        <p:nvPr/>
+      </p:nvGrpSpPr>
+      <p:grpSpPr>
+        <a:xfrm>
+          <a:off x="0" y="0"/>
+          <a:ext cx="0" cy="0"/>
+          <a:chOff x="0" y="0"/>
+          <a:chExt cx="0" cy="0"/>
+        </a:xfrm>
+      </p:grpSpPr>
+      <p:sp>
+        <p:nvSpPr>
+          <p:cNvPr id="2" name="Slide Image Placeholder 1"/>
+          <p:cNvSpPr>
+            <a:spLocks noGrp="1" noRot="1" noChangeAspect="1"/>
+          </p:cNvSpPr>
+          <p:nvPr>
+            <p:ph type="sldImg"/>
+          </p:nvPr>
+        </p:nvSpPr>
+        <p:spPr/>
+      </p:sp>
+      <p:sp>
+        <p:nvSpPr>
+          <p:cNvPr id="3" name="Notes Placeholder 2"/>
+          <p:cNvSpPr>
+            <a:spLocks noGrp="1"/>
+          </p:cNvSpPr>
+          <p:nvPr>
+            <p:ph type="body" idx="1"/>
+          </p:nvPr>
+        </p:nvSpPr>
+        <p:spPr/>
+        <p:txBody>
+          <a:bodyPr>
+            <a:normAutofit/>
+          </a:bodyPr>
+          <a:lstStyle/>
+          <a:p>
+            <a:r>
+              <a:rPr lang="pt-BR" dirty="0" smtClean="0"/>
+              <a:t>Perspectiva de </a:t>
+            </a:r>
+            <a:r>
+              <a:rPr lang="pt-BR" dirty="0" err="1" smtClean="0"/>
+              <a:t>DSMLs</a:t>
+            </a:r>
+            <a:endParaRPr lang="pt-BR" dirty="0" smtClean="0"/>
+          </a:p>
+          <a:p>
+            <a:endParaRPr lang="pt-BR" dirty="0" smtClean="0"/>
+          </a:p>
+          <a:p>
+            <a:r>
+              <a:rPr lang="pt-BR" dirty="0" smtClean="0"/>
+              <a:t>O </a:t>
+            </a:r>
+            <a:r>
+              <a:rPr lang="pt-BR" dirty="0" err="1" smtClean="0"/>
+              <a:t>metamodelo</a:t>
+            </a:r>
+            <a:endParaRPr lang="pt-BR" dirty="0"/>
+          </a:p>
+        </p:txBody>
+      </p:sp>
+      <p:sp>
+        <p:nvSpPr>
+          <p:cNvPr id="4" name="Slide Number Placeholder 3"/>
+          <p:cNvSpPr>
+            <a:spLocks noGrp="1"/>
+          </p:cNvSpPr>
+          <p:nvPr>
+            <p:ph type="sldNum" sz="quarter" idx="10"/>
+          </p:nvPr>
+        </p:nvSpPr>
+        <p:spPr/>
+        <p:txBody>
+          <a:bodyPr/>
+          <a:lstStyle/>
+          <a:p>
+            <a:fld id="{1BB2EF05-D8A2-3A45-95F2-BA74BD40323C}" type="slidenum">
+              <a:rPr lang="pt-BR" smtClean="0"/>
+              <a:t>23</a:t>
             </a:fld>
             <a:endParaRPr lang="pt-BR"/>
           </a:p>
@@ -3224,93 +3617,39 @@
           <a:lstStyle>
             <a:lvl1pPr marL="0" indent="0" algn="ctr">
               <a:buNone/>
-              <a:defRPr>
-                <a:solidFill>
-                  <a:schemeClr val="tx1">
-                    <a:tint val="75000"/>
-                  </a:schemeClr>
-                </a:solidFill>
-              </a:defRPr>
+              <a:defRPr/>
             </a:lvl1pPr>
             <a:lvl2pPr marL="457200" indent="0" algn="ctr">
               <a:buNone/>
-              <a:defRPr>
-                <a:solidFill>
-                  <a:schemeClr val="tx1">
-                    <a:tint val="75000"/>
-                  </a:schemeClr>
-                </a:solidFill>
-              </a:defRPr>
+              <a:defRPr/>
             </a:lvl2pPr>
             <a:lvl3pPr marL="914400" indent="0" algn="ctr">
               <a:buNone/>
-              <a:defRPr>
-                <a:solidFill>
-                  <a:schemeClr val="tx1">
-                    <a:tint val="75000"/>
-                  </a:schemeClr>
-                </a:solidFill>
-              </a:defRPr>
+              <a:defRPr/>
             </a:lvl3pPr>
             <a:lvl4pPr marL="1371600" indent="0" algn="ctr">
               <a:buNone/>
-              <a:defRPr>
-                <a:solidFill>
-                  <a:schemeClr val="tx1">
-                    <a:tint val="75000"/>
-                  </a:schemeClr>
-                </a:solidFill>
-              </a:defRPr>
+              <a:defRPr/>
             </a:lvl4pPr>
             <a:lvl5pPr marL="1828800" indent="0" algn="ctr">
               <a:buNone/>
-              <a:defRPr>
-                <a:solidFill>
-                  <a:schemeClr val="tx1">
-                    <a:tint val="75000"/>
-                  </a:schemeClr>
-                </a:solidFill>
-              </a:defRPr>
+              <a:defRPr/>
             </a:lvl5pPr>
             <a:lvl6pPr marL="2286000" indent="0" algn="ctr">
               <a:buNone/>
-              <a:defRPr>
-                <a:solidFill>
-                  <a:schemeClr val="tx1">
-                    <a:tint val="75000"/>
-                  </a:schemeClr>
-                </a:solidFill>
-              </a:defRPr>
+              <a:defRPr/>
             </a:lvl6pPr>
             <a:lvl7pPr marL="2743200" indent="0" algn="ctr">
               <a:buNone/>
-              <a:defRPr>
-                <a:solidFill>
-                  <a:schemeClr val="tx1">
-                    <a:tint val="75000"/>
-                  </a:schemeClr>
-                </a:solidFill>
-              </a:defRPr>
+              <a:defRPr/>
             </a:lvl7pPr>
             <a:lvl8pPr marL="3200400" indent="0" algn="ctr">
               <a:buNone/>
-              <a:defRPr>
-                <a:solidFill>
-                  <a:schemeClr val="tx1">
-                    <a:tint val="75000"/>
-                  </a:schemeClr>
-                </a:solidFill>
-              </a:defRPr>
+              <a:defRPr/>
             </a:lvl8pPr>
             <a:lvl9pPr marL="3657600" indent="0" algn="ctr">
               <a:buNone/>
-              <a:defRPr>
-                <a:solidFill>
-                  <a:schemeClr val="tx1">
-                    <a:tint val="75000"/>
-                  </a:schemeClr>
-                </a:solidFill>
-              </a:defRPr>
+              <a:defRPr/>
             </a:lvl9pPr>
           </a:lstStyle>
           <a:p>
@@ -3318,71 +3657,6 @@
               <a:rPr lang="en-US" smtClean="0"/>
               <a:t>Click to edit Master subtitle style</a:t>
             </a:r>
-            <a:endParaRPr lang="pt-BR"/>
-          </a:p>
-        </p:txBody>
-      </p:sp>
-      <p:sp>
-        <p:nvSpPr>
-          <p:cNvPr id="4" name="Date Placeholder 3"/>
-          <p:cNvSpPr>
-            <a:spLocks noGrp="1"/>
-          </p:cNvSpPr>
-          <p:nvPr>
-            <p:ph type="dt" sz="half" idx="10"/>
-          </p:nvPr>
-        </p:nvSpPr>
-        <p:spPr/>
-        <p:txBody>
-          <a:bodyPr/>
-          <a:lstStyle/>
-          <a:p>
-            <a:fld id="{DB853D49-4E86-1945-B68B-12AD4AF42296}" type="datetimeFigureOut">
-              <a:rPr lang="en-US" smtClean="0"/>
-              <a:t>10/1/12</a:t>
-            </a:fld>
-            <a:endParaRPr lang="pt-BR"/>
-          </a:p>
-        </p:txBody>
-      </p:sp>
-      <p:sp>
-        <p:nvSpPr>
-          <p:cNvPr id="5" name="Footer Placeholder 4"/>
-          <p:cNvSpPr>
-            <a:spLocks noGrp="1"/>
-          </p:cNvSpPr>
-          <p:nvPr>
-            <p:ph type="ftr" sz="quarter" idx="11"/>
-          </p:nvPr>
-        </p:nvSpPr>
-        <p:spPr/>
-        <p:txBody>
-          <a:bodyPr/>
-          <a:lstStyle/>
-          <a:p>
-            <a:endParaRPr lang="pt-BR"/>
-          </a:p>
-        </p:txBody>
-      </p:sp>
-      <p:sp>
-        <p:nvSpPr>
-          <p:cNvPr id="6" name="Slide Number Placeholder 5"/>
-          <p:cNvSpPr>
-            <a:spLocks noGrp="1"/>
-          </p:cNvSpPr>
-          <p:nvPr>
-            <p:ph type="sldNum" sz="quarter" idx="12"/>
-          </p:nvPr>
-        </p:nvSpPr>
-        <p:spPr/>
-        <p:txBody>
-          <a:bodyPr/>
-          <a:lstStyle/>
-          <a:p>
-            <a:fld id="{89CE84D7-69AE-9349-91AF-FF341B968409}" type="slidenum">
-              <a:rPr lang="pt-BR" smtClean="0"/>
-              <a:t>‹#›</a:t>
-            </a:fld>
             <a:endParaRPr lang="pt-BR"/>
           </a:p>
         </p:txBody>
@@ -3428,7 +3702,7 @@
           <a:lstStyle/>
           <a:p>
             <a:r>
-              <a:rPr lang="x-none" smtClean="0"/>
+              <a:rPr lang="en-US" smtClean="0"/>
               <a:t>Click to edit Master title style</a:t>
             </a:r>
             <a:endParaRPr lang="pt-BR"/>
@@ -3452,102 +3726,37 @@
           <a:p>
             <a:pPr lvl="0"/>
             <a:r>
-              <a:rPr lang="x-none" smtClean="0"/>
+              <a:rPr lang="en-US" smtClean="0"/>
               <a:t>Click to edit Master text styles</a:t>
             </a:r>
           </a:p>
           <a:p>
             <a:pPr lvl="1"/>
             <a:r>
-              <a:rPr lang="x-none" smtClean="0"/>
+              <a:rPr lang="en-US" smtClean="0"/>
               <a:t>Second level</a:t>
             </a:r>
           </a:p>
           <a:p>
             <a:pPr lvl="2"/>
             <a:r>
-              <a:rPr lang="x-none" smtClean="0"/>
+              <a:rPr lang="en-US" smtClean="0"/>
               <a:t>Third level</a:t>
             </a:r>
           </a:p>
           <a:p>
             <a:pPr lvl="3"/>
             <a:r>
-              <a:rPr lang="x-none" smtClean="0"/>
+              <a:rPr lang="en-US" smtClean="0"/>
               <a:t>Fourth level</a:t>
             </a:r>
           </a:p>
           <a:p>
             <a:pPr lvl="4"/>
             <a:r>
-              <a:rPr lang="x-none" smtClean="0"/>
+              <a:rPr lang="en-US" smtClean="0"/>
               <a:t>Fifth level</a:t>
             </a:r>
-            <a:endParaRPr lang="pt-BR"/>
-          </a:p>
-        </p:txBody>
-      </p:sp>
-      <p:sp>
-        <p:nvSpPr>
-          <p:cNvPr id="4" name="Date Placeholder 3"/>
-          <p:cNvSpPr>
-            <a:spLocks noGrp="1"/>
-          </p:cNvSpPr>
-          <p:nvPr>
-            <p:ph type="dt" sz="half" idx="10"/>
-          </p:nvPr>
-        </p:nvSpPr>
-        <p:spPr/>
-        <p:txBody>
-          <a:bodyPr/>
-          <a:lstStyle/>
-          <a:p>
-            <a:fld id="{DB853D49-4E86-1945-B68B-12AD4AF42296}" type="datetimeFigureOut">
-              <a:rPr lang="en-US" smtClean="0"/>
-              <a:t>10/1/12</a:t>
-            </a:fld>
-            <a:endParaRPr lang="pt-BR"/>
-          </a:p>
-        </p:txBody>
-      </p:sp>
-      <p:sp>
-        <p:nvSpPr>
-          <p:cNvPr id="5" name="Footer Placeholder 4"/>
-          <p:cNvSpPr>
-            <a:spLocks noGrp="1"/>
-          </p:cNvSpPr>
-          <p:nvPr>
-            <p:ph type="ftr" sz="quarter" idx="11"/>
-          </p:nvPr>
-        </p:nvSpPr>
-        <p:spPr/>
-        <p:txBody>
-          <a:bodyPr/>
-          <a:lstStyle/>
-          <a:p>
-            <a:endParaRPr lang="pt-BR"/>
-          </a:p>
-        </p:txBody>
-      </p:sp>
-      <p:sp>
-        <p:nvSpPr>
-          <p:cNvPr id="6" name="Slide Number Placeholder 5"/>
-          <p:cNvSpPr>
-            <a:spLocks noGrp="1"/>
-          </p:cNvSpPr>
-          <p:nvPr>
-            <p:ph type="sldNum" sz="quarter" idx="12"/>
-          </p:nvPr>
-        </p:nvSpPr>
-        <p:spPr/>
-        <p:txBody>
-          <a:bodyPr/>
-          <a:lstStyle/>
-          <a:p>
-            <a:fld id="{89CE84D7-69AE-9349-91AF-FF341B968409}" type="slidenum">
-              <a:rPr lang="pt-BR" smtClean="0"/>
-              <a:t>‹#›</a:t>
-            </a:fld>
             <a:endParaRPr lang="pt-BR"/>
           </a:p>
         </p:txBody>
@@ -3589,8 +3798,8 @@
         </p:nvSpPr>
         <p:spPr>
           <a:xfrm>
-            <a:off x="6629400" y="274638"/>
-            <a:ext cx="2057400" cy="5851525"/>
+            <a:off x="6629400" y="908050"/>
+            <a:ext cx="2057400" cy="5114925"/>
           </a:xfrm>
         </p:spPr>
         <p:txBody>
@@ -3598,7 +3807,7 @@
           <a:lstStyle/>
           <a:p>
             <a:r>
-              <a:rPr lang="x-none" smtClean="0"/>
+              <a:rPr lang="en-US" smtClean="0"/>
               <a:t>Click to edit Master title style</a:t>
             </a:r>
             <a:endParaRPr lang="pt-BR"/>
@@ -3617,8 +3826,8 @@
         </p:nvSpPr>
         <p:spPr>
           <a:xfrm>
-            <a:off x="457200" y="274638"/>
-            <a:ext cx="6019800" cy="5851525"/>
+            <a:off x="457200" y="908050"/>
+            <a:ext cx="6019800" cy="5114925"/>
           </a:xfrm>
         </p:spPr>
         <p:txBody>
@@ -3627,102 +3836,37 @@
           <a:p>
             <a:pPr lvl="0"/>
             <a:r>
-              <a:rPr lang="x-none" smtClean="0"/>
+              <a:rPr lang="en-US" smtClean="0"/>
               <a:t>Click to edit Master text styles</a:t>
             </a:r>
           </a:p>
           <a:p>
             <a:pPr lvl="1"/>
             <a:r>
-              <a:rPr lang="x-none" smtClean="0"/>
+              <a:rPr lang="en-US" smtClean="0"/>
               <a:t>Second level</a:t>
             </a:r>
           </a:p>
           <a:p>
             <a:pPr lvl="2"/>
             <a:r>
-              <a:rPr lang="x-none" smtClean="0"/>
+              <a:rPr lang="en-US" smtClean="0"/>
               <a:t>Third level</a:t>
             </a:r>
           </a:p>
           <a:p>
             <a:pPr lvl="3"/>
             <a:r>
-              <a:rPr lang="x-none" smtClean="0"/>
+              <a:rPr lang="en-US" smtClean="0"/>
               <a:t>Fourth level</a:t>
             </a:r>
           </a:p>
           <a:p>
             <a:pPr lvl="4"/>
             <a:r>
-              <a:rPr lang="x-none" smtClean="0"/>
+              <a:rPr lang="en-US" smtClean="0"/>
               <a:t>Fifth level</a:t>
             </a:r>
-            <a:endParaRPr lang="pt-BR"/>
-          </a:p>
-        </p:txBody>
-      </p:sp>
-      <p:sp>
-        <p:nvSpPr>
-          <p:cNvPr id="4" name="Date Placeholder 3"/>
-          <p:cNvSpPr>
-            <a:spLocks noGrp="1"/>
-          </p:cNvSpPr>
-          <p:nvPr>
-            <p:ph type="dt" sz="half" idx="10"/>
-          </p:nvPr>
-        </p:nvSpPr>
-        <p:spPr/>
-        <p:txBody>
-          <a:bodyPr/>
-          <a:lstStyle/>
-          <a:p>
-            <a:fld id="{DB853D49-4E86-1945-B68B-12AD4AF42296}" type="datetimeFigureOut">
-              <a:rPr lang="en-US" smtClean="0"/>
-              <a:t>10/1/12</a:t>
-            </a:fld>
-            <a:endParaRPr lang="pt-BR"/>
-          </a:p>
-        </p:txBody>
-      </p:sp>
-      <p:sp>
-        <p:nvSpPr>
-          <p:cNvPr id="5" name="Footer Placeholder 4"/>
-          <p:cNvSpPr>
-            <a:spLocks noGrp="1"/>
-          </p:cNvSpPr>
-          <p:nvPr>
-            <p:ph type="ftr" sz="quarter" idx="11"/>
-          </p:nvPr>
-        </p:nvSpPr>
-        <p:spPr/>
-        <p:txBody>
-          <a:bodyPr/>
-          <a:lstStyle/>
-          <a:p>
-            <a:endParaRPr lang="pt-BR"/>
-          </a:p>
-        </p:txBody>
-      </p:sp>
-      <p:sp>
-        <p:nvSpPr>
-          <p:cNvPr id="6" name="Slide Number Placeholder 5"/>
-          <p:cNvSpPr>
-            <a:spLocks noGrp="1"/>
-          </p:cNvSpPr>
-          <p:nvPr>
-            <p:ph type="sldNum" sz="quarter" idx="12"/>
-          </p:nvPr>
-        </p:nvSpPr>
-        <p:spPr/>
-        <p:txBody>
-          <a:bodyPr/>
-          <a:lstStyle/>
-          <a:p>
-            <a:fld id="{89CE84D7-69AE-9349-91AF-FF341B968409}" type="slidenum">
-              <a:rPr lang="pt-BR" smtClean="0"/>
-              <a:t>‹#›</a:t>
-            </a:fld>
             <a:endParaRPr lang="pt-BR"/>
           </a:p>
         </p:txBody>
@@ -3736,7 +3880,7 @@
 </file>
 
 <file path=ppt/slideLayouts/slideLayout2.xml><?xml version="1.0" encoding="utf-8"?>
-<p:sldLayout xmlns:a="http://schemas.openxmlformats.org/drawingml/2006/main" xmlns:r="http://schemas.openxmlformats.org/officeDocument/2006/relationships" xmlns:mc="http://schemas.openxmlformats.org/markup-compatibility/2006" xmlns:mv="urn:schemas-microsoft-com:mac:vml" xmlns:p="http://schemas.openxmlformats.org/presentationml/2006/main" mc:Ignorable="mv" mc:PreserveAttributes="mv:*" type="obj" preserve="1">
+<p:sldLayout xmlns:a="http://schemas.openxmlformats.org/drawingml/2006/main" xmlns:r="http://schemas.openxmlformats.org/officeDocument/2006/relationships" xmlns:mc="http://schemas.openxmlformats.org/markup-compatibility/2006" xmlns:mv="urn:schemas-microsoft-com:mac:vml" xmlns:p="http://schemas.openxmlformats.org/presentationml/2006/main" mc:Ignorable="mv" mc:PreserveAttributes="mv:*" preserve="1" userDrawn="1">
   <p:cSld name="Title and Content">
     <p:spTree>
       <p:nvGrpSpPr>
@@ -3768,7 +3912,7 @@
           <a:lstStyle/>
           <a:p>
             <a:r>
-              <a:rPr lang="x-none" smtClean="0"/>
+              <a:rPr lang="en-US" smtClean="0"/>
               <a:t>Click to edit Master title style</a:t>
             </a:r>
             <a:endParaRPr lang="pt-BR"/>
@@ -3777,15 +3921,20 @@
       </p:sp>
       <p:sp>
         <p:nvSpPr>
-          <p:cNvPr id="3" name="Content Placeholder 2"/>
+          <p:cNvPr id="7" name="Content Placeholder 6"/>
           <p:cNvSpPr>
             <a:spLocks noGrp="1"/>
           </p:cNvSpPr>
           <p:nvPr>
-            <p:ph idx="1"/>
-          </p:nvPr>
-        </p:nvSpPr>
-        <p:spPr/>
+            <p:ph sz="quarter" idx="10"/>
+          </p:nvPr>
+        </p:nvSpPr>
+        <p:spPr>
+          <a:xfrm>
+            <a:off x="457200" y="1752600"/>
+            <a:ext cx="8229600" cy="4267200"/>
+          </a:xfrm>
+        </p:spPr>
         <p:txBody>
           <a:bodyPr/>
           <a:lstStyle/>
@@ -3823,71 +3972,6 @@
               <a:rPr lang="x-none" smtClean="0"/>
               <a:t>Fifth level</a:t>
             </a:r>
-            <a:endParaRPr lang="pt-BR"/>
-          </a:p>
-        </p:txBody>
-      </p:sp>
-      <p:sp>
-        <p:nvSpPr>
-          <p:cNvPr id="4" name="Date Placeholder 3"/>
-          <p:cNvSpPr>
-            <a:spLocks noGrp="1"/>
-          </p:cNvSpPr>
-          <p:nvPr>
-            <p:ph type="dt" sz="half" idx="10"/>
-          </p:nvPr>
-        </p:nvSpPr>
-        <p:spPr/>
-        <p:txBody>
-          <a:bodyPr/>
-          <a:lstStyle/>
-          <a:p>
-            <a:fld id="{DB853D49-4E86-1945-B68B-12AD4AF42296}" type="datetimeFigureOut">
-              <a:rPr lang="en-US" smtClean="0"/>
-              <a:t>10/1/12</a:t>
-            </a:fld>
-            <a:endParaRPr lang="pt-BR"/>
-          </a:p>
-        </p:txBody>
-      </p:sp>
-      <p:sp>
-        <p:nvSpPr>
-          <p:cNvPr id="5" name="Footer Placeholder 4"/>
-          <p:cNvSpPr>
-            <a:spLocks noGrp="1"/>
-          </p:cNvSpPr>
-          <p:nvPr>
-            <p:ph type="ftr" sz="quarter" idx="11"/>
-          </p:nvPr>
-        </p:nvSpPr>
-        <p:spPr/>
-        <p:txBody>
-          <a:bodyPr/>
-          <a:lstStyle/>
-          <a:p>
-            <a:endParaRPr lang="pt-BR"/>
-          </a:p>
-        </p:txBody>
-      </p:sp>
-      <p:sp>
-        <p:nvSpPr>
-          <p:cNvPr id="6" name="Slide Number Placeholder 5"/>
-          <p:cNvSpPr>
-            <a:spLocks noGrp="1"/>
-          </p:cNvSpPr>
-          <p:nvPr>
-            <p:ph type="sldNum" sz="quarter" idx="12"/>
-          </p:nvPr>
-        </p:nvSpPr>
-        <p:spPr/>
-        <p:txBody>
-          <a:bodyPr/>
-          <a:lstStyle/>
-          <a:p>
-            <a:fld id="{89CE84D7-69AE-9349-91AF-FF341B968409}" type="slidenum">
-              <a:rPr lang="pt-BR" smtClean="0"/>
-              <a:t>‹#›</a:t>
-            </a:fld>
             <a:endParaRPr lang="pt-BR"/>
           </a:p>
         </p:txBody>
@@ -3942,7 +4026,7 @@
           </a:lstStyle>
           <a:p>
             <a:r>
-              <a:rPr lang="x-none" smtClean="0"/>
+              <a:rPr lang="en-US" smtClean="0"/>
               <a:t>Click to edit Master title style</a:t>
             </a:r>
             <a:endParaRPr lang="pt-BR"/>
@@ -3970,166 +4054,47 @@
           <a:lstStyle>
             <a:lvl1pPr marL="0" indent="0">
               <a:buNone/>
-              <a:defRPr sz="2000">
-                <a:solidFill>
-                  <a:schemeClr val="tx1">
-                    <a:tint val="75000"/>
-                  </a:schemeClr>
-                </a:solidFill>
-              </a:defRPr>
+              <a:defRPr sz="2000"/>
             </a:lvl1pPr>
             <a:lvl2pPr marL="457200" indent="0">
               <a:buNone/>
-              <a:defRPr sz="1800">
-                <a:solidFill>
-                  <a:schemeClr val="tx1">
-                    <a:tint val="75000"/>
-                  </a:schemeClr>
-                </a:solidFill>
-              </a:defRPr>
+              <a:defRPr sz="1800"/>
             </a:lvl2pPr>
             <a:lvl3pPr marL="914400" indent="0">
               <a:buNone/>
-              <a:defRPr sz="1600">
-                <a:solidFill>
-                  <a:schemeClr val="tx1">
-                    <a:tint val="75000"/>
-                  </a:schemeClr>
-                </a:solidFill>
-              </a:defRPr>
+              <a:defRPr sz="1600"/>
             </a:lvl3pPr>
             <a:lvl4pPr marL="1371600" indent="0">
               <a:buNone/>
-              <a:defRPr sz="1400">
-                <a:solidFill>
-                  <a:schemeClr val="tx1">
-                    <a:tint val="75000"/>
-                  </a:schemeClr>
-                </a:solidFill>
-              </a:defRPr>
+              <a:defRPr sz="1400"/>
             </a:lvl4pPr>
             <a:lvl5pPr marL="1828800" indent="0">
               <a:buNone/>
-              <a:defRPr sz="1400">
-                <a:solidFill>
-                  <a:schemeClr val="tx1">
-                    <a:tint val="75000"/>
-                  </a:schemeClr>
-                </a:solidFill>
-              </a:defRPr>
+              <a:defRPr sz="1400"/>
             </a:lvl5pPr>
             <a:lvl6pPr marL="2286000" indent="0">
               <a:buNone/>
-              <a:defRPr sz="1400">
-                <a:solidFill>
-                  <a:schemeClr val="tx1">
-                    <a:tint val="75000"/>
-                  </a:schemeClr>
-                </a:solidFill>
-              </a:defRPr>
+              <a:defRPr sz="1400"/>
             </a:lvl6pPr>
             <a:lvl7pPr marL="2743200" indent="0">
               <a:buNone/>
-              <a:defRPr sz="1400">
-                <a:solidFill>
-                  <a:schemeClr val="tx1">
-                    <a:tint val="75000"/>
-                  </a:schemeClr>
-                </a:solidFill>
-              </a:defRPr>
+              <a:defRPr sz="1400"/>
             </a:lvl7pPr>
             <a:lvl8pPr marL="3200400" indent="0">
               <a:buNone/>
-              <a:defRPr sz="1400">
-                <a:solidFill>
-                  <a:schemeClr val="tx1">
-                    <a:tint val="75000"/>
-                  </a:schemeClr>
-                </a:solidFill>
-              </a:defRPr>
+              <a:defRPr sz="1400"/>
             </a:lvl8pPr>
             <a:lvl9pPr marL="3657600" indent="0">
               <a:buNone/>
-              <a:defRPr sz="1400">
-                <a:solidFill>
-                  <a:schemeClr val="tx1">
-                    <a:tint val="75000"/>
-                  </a:schemeClr>
-                </a:solidFill>
-              </a:defRPr>
+              <a:defRPr sz="1400"/>
             </a:lvl9pPr>
           </a:lstStyle>
           <a:p>
             <a:pPr lvl="0"/>
             <a:r>
-              <a:rPr lang="x-none" smtClean="0"/>
+              <a:rPr lang="en-US" smtClean="0"/>
               <a:t>Click to edit Master text styles</a:t>
             </a:r>
-          </a:p>
-        </p:txBody>
-      </p:sp>
-      <p:sp>
-        <p:nvSpPr>
-          <p:cNvPr id="4" name="Date Placeholder 3"/>
-          <p:cNvSpPr>
-            <a:spLocks noGrp="1"/>
-          </p:cNvSpPr>
-          <p:nvPr>
-            <p:ph type="dt" sz="half" idx="10"/>
-          </p:nvPr>
-        </p:nvSpPr>
-        <p:spPr/>
-        <p:txBody>
-          <a:bodyPr/>
-          <a:lstStyle/>
-          <a:p>
-            <a:fld id="{DB853D49-4E86-1945-B68B-12AD4AF42296}" type="datetimeFigureOut">
-              <a:rPr lang="en-US" smtClean="0"/>
-              <a:t>10/1/12</a:t>
-            </a:fld>
-            <a:endParaRPr lang="pt-BR"/>
-          </a:p>
-        </p:txBody>
-      </p:sp>
-      <p:sp>
-        <p:nvSpPr>
-          <p:cNvPr id="5" name="Footer Placeholder 4"/>
-          <p:cNvSpPr>
-            <a:spLocks noGrp="1"/>
-          </p:cNvSpPr>
-          <p:nvPr>
-            <p:ph type="ftr" sz="quarter" idx="11"/>
-          </p:nvPr>
-        </p:nvSpPr>
-        <p:spPr/>
-        <p:txBody>
-          <a:bodyPr/>
-          <a:lstStyle/>
-          <a:p>
-            <a:endParaRPr lang="pt-BR"/>
-          </a:p>
-        </p:txBody>
-      </p:sp>
-      <p:sp>
-        <p:nvSpPr>
-          <p:cNvPr id="6" name="Slide Number Placeholder 5"/>
-          <p:cNvSpPr>
-            <a:spLocks noGrp="1"/>
-          </p:cNvSpPr>
-          <p:nvPr>
-            <p:ph type="sldNum" sz="quarter" idx="12"/>
-          </p:nvPr>
-        </p:nvSpPr>
-        <p:spPr/>
-        <p:txBody>
-          <a:bodyPr/>
-          <a:lstStyle/>
-          <a:p>
-            <a:fld id="{89CE84D7-69AE-9349-91AF-FF341B968409}" type="slidenum">
-              <a:rPr lang="pt-BR" smtClean="0"/>
-              <a:t>‹#›</a:t>
-            </a:fld>
-            <a:endParaRPr lang="pt-BR"/>
           </a:p>
         </p:txBody>
       </p:sp>
@@ -4174,7 +4139,7 @@
           <a:lstStyle/>
           <a:p>
             <a:r>
-              <a:rPr lang="x-none" smtClean="0"/>
+              <a:rPr lang="en-US" smtClean="0"/>
               <a:t>Click to edit Master title style</a:t>
             </a:r>
             <a:endParaRPr lang="pt-BR"/>
@@ -4193,8 +4158,8 @@
         </p:nvSpPr>
         <p:spPr>
           <a:xfrm>
-            <a:off x="457200" y="1600200"/>
-            <a:ext cx="4038600" cy="4525963"/>
+            <a:off x="468313" y="2565400"/>
+            <a:ext cx="4027487" cy="3457575"/>
           </a:xfrm>
         </p:spPr>
         <p:txBody>
@@ -4231,35 +4196,35 @@
           <a:p>
             <a:pPr lvl="0"/>
             <a:r>
-              <a:rPr lang="x-none" smtClean="0"/>
+              <a:rPr lang="en-US" smtClean="0"/>
               <a:t>Click to edit Master text styles</a:t>
             </a:r>
           </a:p>
           <a:p>
             <a:pPr lvl="1"/>
             <a:r>
-              <a:rPr lang="x-none" smtClean="0"/>
+              <a:rPr lang="en-US" smtClean="0"/>
               <a:t>Second level</a:t>
             </a:r>
           </a:p>
           <a:p>
             <a:pPr lvl="2"/>
             <a:r>
-              <a:rPr lang="x-none" smtClean="0"/>
+              <a:rPr lang="en-US" smtClean="0"/>
               <a:t>Third level</a:t>
             </a:r>
           </a:p>
           <a:p>
             <a:pPr lvl="3"/>
             <a:r>
-              <a:rPr lang="x-none" smtClean="0"/>
+              <a:rPr lang="en-US" smtClean="0"/>
               <a:t>Fourth level</a:t>
             </a:r>
           </a:p>
           <a:p>
             <a:pPr lvl="4"/>
             <a:r>
-              <a:rPr lang="x-none" smtClean="0"/>
+              <a:rPr lang="en-US" smtClean="0"/>
               <a:t>Fifth level</a:t>
             </a:r>
             <a:endParaRPr lang="pt-BR"/>
@@ -4278,8 +4243,8 @@
         </p:nvSpPr>
         <p:spPr>
           <a:xfrm>
-            <a:off x="4648200" y="1600200"/>
-            <a:ext cx="4038600" cy="4525963"/>
+            <a:off x="4648200" y="2565400"/>
+            <a:ext cx="4027488" cy="3457575"/>
           </a:xfrm>
         </p:spPr>
         <p:txBody>
@@ -4316,102 +4281,37 @@
           <a:p>
             <a:pPr lvl="0"/>
             <a:r>
-              <a:rPr lang="x-none" smtClean="0"/>
+              <a:rPr lang="en-US" smtClean="0"/>
               <a:t>Click to edit Master text styles</a:t>
             </a:r>
           </a:p>
           <a:p>
             <a:pPr lvl="1"/>
             <a:r>
-              <a:rPr lang="x-none" smtClean="0"/>
+              <a:rPr lang="en-US" smtClean="0"/>
               <a:t>Second level</a:t>
             </a:r>
           </a:p>
           <a:p>
             <a:pPr lvl="2"/>
             <a:r>
-              <a:rPr lang="x-none" smtClean="0"/>
+              <a:rPr lang="en-US" smtClean="0"/>
               <a:t>Third level</a:t>
             </a:r>
           </a:p>
           <a:p>
             <a:pPr lvl="3"/>
             <a:r>
-              <a:rPr lang="x-none" smtClean="0"/>
+              <a:rPr lang="en-US" smtClean="0"/>
               <a:t>Fourth level</a:t>
             </a:r>
           </a:p>
           <a:p>
             <a:pPr lvl="4"/>
             <a:r>
-              <a:rPr lang="x-none" smtClean="0"/>
+              <a:rPr lang="en-US" smtClean="0"/>
               <a:t>Fifth level</a:t>
             </a:r>
-            <a:endParaRPr lang="pt-BR"/>
-          </a:p>
-        </p:txBody>
-      </p:sp>
-      <p:sp>
-        <p:nvSpPr>
-          <p:cNvPr id="5" name="Date Placeholder 4"/>
-          <p:cNvSpPr>
-            <a:spLocks noGrp="1"/>
-          </p:cNvSpPr>
-          <p:nvPr>
-            <p:ph type="dt" sz="half" idx="10"/>
-          </p:nvPr>
-        </p:nvSpPr>
-        <p:spPr/>
-        <p:txBody>
-          <a:bodyPr/>
-          <a:lstStyle/>
-          <a:p>
-            <a:fld id="{DB853D49-4E86-1945-B68B-12AD4AF42296}" type="datetimeFigureOut">
-              <a:rPr lang="en-US" smtClean="0"/>
-              <a:t>10/1/12</a:t>
-            </a:fld>
-            <a:endParaRPr lang="pt-BR"/>
-          </a:p>
-        </p:txBody>
-      </p:sp>
-      <p:sp>
-        <p:nvSpPr>
-          <p:cNvPr id="6" name="Footer Placeholder 5"/>
-          <p:cNvSpPr>
-            <a:spLocks noGrp="1"/>
-          </p:cNvSpPr>
-          <p:nvPr>
-            <p:ph type="ftr" sz="quarter" idx="11"/>
-          </p:nvPr>
-        </p:nvSpPr>
-        <p:spPr/>
-        <p:txBody>
-          <a:bodyPr/>
-          <a:lstStyle/>
-          <a:p>
-            <a:endParaRPr lang="pt-BR"/>
-          </a:p>
-        </p:txBody>
-      </p:sp>
-      <p:sp>
-        <p:nvSpPr>
-          <p:cNvPr id="7" name="Slide Number Placeholder 6"/>
-          <p:cNvSpPr>
-            <a:spLocks noGrp="1"/>
-          </p:cNvSpPr>
-          <p:nvPr>
-            <p:ph type="sldNum" sz="quarter" idx="12"/>
-          </p:nvPr>
-        </p:nvSpPr>
-        <p:spPr/>
-        <p:txBody>
-          <a:bodyPr/>
-          <a:lstStyle/>
-          <a:p>
-            <a:fld id="{89CE84D7-69AE-9349-91AF-FF341B968409}" type="slidenum">
-              <a:rPr lang="pt-BR" smtClean="0"/>
-              <a:t>‹#›</a:t>
-            </a:fld>
             <a:endParaRPr lang="pt-BR"/>
           </a:p>
         </p:txBody>
@@ -4451,7 +4351,12 @@
             <p:ph type="title"/>
           </p:nvPr>
         </p:nvSpPr>
-        <p:spPr/>
+        <p:spPr>
+          <a:xfrm>
+            <a:off x="457200" y="274638"/>
+            <a:ext cx="8229600" cy="1143000"/>
+          </a:xfrm>
+        </p:spPr>
         <p:txBody>
           <a:bodyPr/>
           <a:lstStyle>
@@ -4461,7 +4366,7 @@
           </a:lstStyle>
           <a:p>
             <a:r>
-              <a:rPr lang="x-none" smtClean="0"/>
+              <a:rPr lang="en-US" smtClean="0"/>
               <a:t>Click to edit Master title style</a:t>
             </a:r>
             <a:endParaRPr lang="pt-BR"/>
@@ -4527,7 +4432,7 @@
           <a:p>
             <a:pPr lvl="0"/>
             <a:r>
-              <a:rPr lang="x-none" smtClean="0"/>
+              <a:rPr lang="en-US" smtClean="0"/>
               <a:t>Click to edit Master text styles</a:t>
             </a:r>
           </a:p>
@@ -4583,35 +4488,35 @@
           <a:p>
             <a:pPr lvl="0"/>
             <a:r>
-              <a:rPr lang="x-none" smtClean="0"/>
+              <a:rPr lang="en-US" smtClean="0"/>
               <a:t>Click to edit Master text styles</a:t>
             </a:r>
           </a:p>
           <a:p>
             <a:pPr lvl="1"/>
             <a:r>
-              <a:rPr lang="x-none" smtClean="0"/>
+              <a:rPr lang="en-US" smtClean="0"/>
               <a:t>Second level</a:t>
             </a:r>
           </a:p>
           <a:p>
             <a:pPr lvl="2"/>
             <a:r>
-              <a:rPr lang="x-none" smtClean="0"/>
+              <a:rPr lang="en-US" smtClean="0"/>
               <a:t>Third level</a:t>
             </a:r>
           </a:p>
           <a:p>
             <a:pPr lvl="3"/>
             <a:r>
-              <a:rPr lang="x-none" smtClean="0"/>
+              <a:rPr lang="en-US" smtClean="0"/>
               <a:t>Fourth level</a:t>
             </a:r>
           </a:p>
           <a:p>
             <a:pPr lvl="4"/>
             <a:r>
-              <a:rPr lang="x-none" smtClean="0"/>
+              <a:rPr lang="en-US" smtClean="0"/>
               <a:t>Fifth level</a:t>
             </a:r>
             <a:endParaRPr lang="pt-BR"/>
@@ -4677,7 +4582,7 @@
           <a:p>
             <a:pPr lvl="0"/>
             <a:r>
-              <a:rPr lang="x-none" smtClean="0"/>
+              <a:rPr lang="en-US" smtClean="0"/>
               <a:t>Click to edit Master text styles</a:t>
             </a:r>
           </a:p>
@@ -4733,102 +4638,37 @@
           <a:p>
             <a:pPr lvl="0"/>
             <a:r>
-              <a:rPr lang="x-none" smtClean="0"/>
+              <a:rPr lang="en-US" smtClean="0"/>
               <a:t>Click to edit Master text styles</a:t>
             </a:r>
           </a:p>
           <a:p>
             <a:pPr lvl="1"/>
             <a:r>
-              <a:rPr lang="x-none" smtClean="0"/>
+              <a:rPr lang="en-US" smtClean="0"/>
               <a:t>Second level</a:t>
             </a:r>
           </a:p>
           <a:p>
             <a:pPr lvl="2"/>
             <a:r>
-              <a:rPr lang="x-none" smtClean="0"/>
+              <a:rPr lang="en-US" smtClean="0"/>
               <a:t>Third level</a:t>
             </a:r>
           </a:p>
           <a:p>
             <a:pPr lvl="3"/>
             <a:r>
-              <a:rPr lang="x-none" smtClean="0"/>
+              <a:rPr lang="en-US" smtClean="0"/>
               <a:t>Fourth level</a:t>
             </a:r>
           </a:p>
           <a:p>
             <a:pPr lvl="4"/>
             <a:r>
-              <a:rPr lang="x-none" smtClean="0"/>
+              <a:rPr lang="en-US" smtClean="0"/>
               <a:t>Fifth level</a:t>
             </a:r>
-            <a:endParaRPr lang="pt-BR"/>
-          </a:p>
-        </p:txBody>
-      </p:sp>
-      <p:sp>
-        <p:nvSpPr>
-          <p:cNvPr id="7" name="Date Placeholder 6"/>
-          <p:cNvSpPr>
-            <a:spLocks noGrp="1"/>
-          </p:cNvSpPr>
-          <p:nvPr>
-            <p:ph type="dt" sz="half" idx="10"/>
-          </p:nvPr>
-        </p:nvSpPr>
-        <p:spPr/>
-        <p:txBody>
-          <a:bodyPr/>
-          <a:lstStyle/>
-          <a:p>
-            <a:fld id="{DB853D49-4E86-1945-B68B-12AD4AF42296}" type="datetimeFigureOut">
-              <a:rPr lang="en-US" smtClean="0"/>
-              <a:t>10/1/12</a:t>
-            </a:fld>
-            <a:endParaRPr lang="pt-BR"/>
-          </a:p>
-        </p:txBody>
-      </p:sp>
-      <p:sp>
-        <p:nvSpPr>
-          <p:cNvPr id="8" name="Footer Placeholder 7"/>
-          <p:cNvSpPr>
-            <a:spLocks noGrp="1"/>
-          </p:cNvSpPr>
-          <p:nvPr>
-            <p:ph type="ftr" sz="quarter" idx="11"/>
-          </p:nvPr>
-        </p:nvSpPr>
-        <p:spPr/>
-        <p:txBody>
-          <a:bodyPr/>
-          <a:lstStyle/>
-          <a:p>
-            <a:endParaRPr lang="pt-BR"/>
-          </a:p>
-        </p:txBody>
-      </p:sp>
-      <p:sp>
-        <p:nvSpPr>
-          <p:cNvPr id="9" name="Slide Number Placeholder 8"/>
-          <p:cNvSpPr>
-            <a:spLocks noGrp="1"/>
-          </p:cNvSpPr>
-          <p:nvPr>
-            <p:ph type="sldNum" sz="quarter" idx="12"/>
-          </p:nvPr>
-        </p:nvSpPr>
-        <p:spPr/>
-        <p:txBody>
-          <a:bodyPr/>
-          <a:lstStyle/>
-          <a:p>
-            <a:fld id="{89CE84D7-69AE-9349-91AF-FF341B968409}" type="slidenum">
-              <a:rPr lang="pt-BR" smtClean="0"/>
-              <a:t>‹#›</a:t>
-            </a:fld>
             <a:endParaRPr lang="pt-BR"/>
           </a:p>
         </p:txBody>
@@ -4874,74 +4714,9 @@
           <a:lstStyle/>
           <a:p>
             <a:r>
-              <a:rPr lang="x-none" smtClean="0"/>
+              <a:rPr lang="en-US" smtClean="0"/>
               <a:t>Click to edit Master title style</a:t>
             </a:r>
-            <a:endParaRPr lang="pt-BR"/>
-          </a:p>
-        </p:txBody>
-      </p:sp>
-      <p:sp>
-        <p:nvSpPr>
-          <p:cNvPr id="3" name="Date Placeholder 2"/>
-          <p:cNvSpPr>
-            <a:spLocks noGrp="1"/>
-          </p:cNvSpPr>
-          <p:nvPr>
-            <p:ph type="dt" sz="half" idx="10"/>
-          </p:nvPr>
-        </p:nvSpPr>
-        <p:spPr/>
-        <p:txBody>
-          <a:bodyPr/>
-          <a:lstStyle/>
-          <a:p>
-            <a:fld id="{DB853D49-4E86-1945-B68B-12AD4AF42296}" type="datetimeFigureOut">
-              <a:rPr lang="en-US" smtClean="0"/>
-              <a:t>10/1/12</a:t>
-            </a:fld>
-            <a:endParaRPr lang="pt-BR"/>
-          </a:p>
-        </p:txBody>
-      </p:sp>
-      <p:sp>
-        <p:nvSpPr>
-          <p:cNvPr id="4" name="Footer Placeholder 3"/>
-          <p:cNvSpPr>
-            <a:spLocks noGrp="1"/>
-          </p:cNvSpPr>
-          <p:nvPr>
-            <p:ph type="ftr" sz="quarter" idx="11"/>
-          </p:nvPr>
-        </p:nvSpPr>
-        <p:spPr/>
-        <p:txBody>
-          <a:bodyPr/>
-          <a:lstStyle/>
-          <a:p>
-            <a:endParaRPr lang="pt-BR"/>
-          </a:p>
-        </p:txBody>
-      </p:sp>
-      <p:sp>
-        <p:nvSpPr>
-          <p:cNvPr id="5" name="Slide Number Placeholder 4"/>
-          <p:cNvSpPr>
-            <a:spLocks noGrp="1"/>
-          </p:cNvSpPr>
-          <p:nvPr>
-            <p:ph type="sldNum" sz="quarter" idx="12"/>
-          </p:nvPr>
-        </p:nvSpPr>
-        <p:spPr/>
-        <p:txBody>
-          <a:bodyPr/>
-          <a:lstStyle/>
-          <a:p>
-            <a:fld id="{89CE84D7-69AE-9349-91AF-FF341B968409}" type="slidenum">
-              <a:rPr lang="pt-BR" smtClean="0"/>
-              <a:t>‹#›</a:t>
-            </a:fld>
             <a:endParaRPr lang="pt-BR"/>
           </a:p>
         </p:txBody>
@@ -4971,71 +4746,6 @@
           <a:chExt cx="0" cy="0"/>
         </a:xfrm>
       </p:grpSpPr>
-      <p:sp>
-        <p:nvSpPr>
-          <p:cNvPr id="2" name="Date Placeholder 1"/>
-          <p:cNvSpPr>
-            <a:spLocks noGrp="1"/>
-          </p:cNvSpPr>
-          <p:nvPr>
-            <p:ph type="dt" sz="half" idx="10"/>
-          </p:nvPr>
-        </p:nvSpPr>
-        <p:spPr/>
-        <p:txBody>
-          <a:bodyPr/>
-          <a:lstStyle/>
-          <a:p>
-            <a:fld id="{DB853D49-4E86-1945-B68B-12AD4AF42296}" type="datetimeFigureOut">
-              <a:rPr lang="en-US" smtClean="0"/>
-              <a:t>10/1/12</a:t>
-            </a:fld>
-            <a:endParaRPr lang="pt-BR"/>
-          </a:p>
-        </p:txBody>
-      </p:sp>
-      <p:sp>
-        <p:nvSpPr>
-          <p:cNvPr id="3" name="Footer Placeholder 2"/>
-          <p:cNvSpPr>
-            <a:spLocks noGrp="1"/>
-          </p:cNvSpPr>
-          <p:nvPr>
-            <p:ph type="ftr" sz="quarter" idx="11"/>
-          </p:nvPr>
-        </p:nvSpPr>
-        <p:spPr/>
-        <p:txBody>
-          <a:bodyPr/>
-          <a:lstStyle/>
-          <a:p>
-            <a:endParaRPr lang="pt-BR"/>
-          </a:p>
-        </p:txBody>
-      </p:sp>
-      <p:sp>
-        <p:nvSpPr>
-          <p:cNvPr id="4" name="Slide Number Placeholder 3"/>
-          <p:cNvSpPr>
-            <a:spLocks noGrp="1"/>
-          </p:cNvSpPr>
-          <p:nvPr>
-            <p:ph type="sldNum" sz="quarter" idx="12"/>
-          </p:nvPr>
-        </p:nvSpPr>
-        <p:spPr/>
-        <p:txBody>
-          <a:bodyPr/>
-          <a:lstStyle/>
-          <a:p>
-            <a:fld id="{89CE84D7-69AE-9349-91AF-FF341B968409}" type="slidenum">
-              <a:rPr lang="pt-BR" smtClean="0"/>
-              <a:t>‹#›</a:t>
-            </a:fld>
-            <a:endParaRPr lang="pt-BR"/>
-          </a:p>
-        </p:txBody>
-      </p:sp>
     </p:spTree>
   </p:cSld>
   <p:clrMapOvr>
@@ -5086,7 +4796,7 @@
           </a:lstStyle>
           <a:p>
             <a:r>
-              <a:rPr lang="x-none" smtClean="0"/>
+              <a:rPr lang="en-US" smtClean="0"/>
               <a:t>Click to edit Master title style</a:t>
             </a:r>
             <a:endParaRPr lang="pt-BR"/>
@@ -5143,35 +4853,35 @@
           <a:p>
             <a:pPr lvl="0"/>
             <a:r>
-              <a:rPr lang="x-none" smtClean="0"/>
+              <a:rPr lang="en-US" smtClean="0"/>
               <a:t>Click to edit Master text styles</a:t>
             </a:r>
           </a:p>
           <a:p>
             <a:pPr lvl="1"/>
             <a:r>
-              <a:rPr lang="x-none" smtClean="0"/>
+              <a:rPr lang="en-US" smtClean="0"/>
               <a:t>Second level</a:t>
             </a:r>
           </a:p>
           <a:p>
             <a:pPr lvl="2"/>
             <a:r>
-              <a:rPr lang="x-none" smtClean="0"/>
+              <a:rPr lang="en-US" smtClean="0"/>
               <a:t>Third level</a:t>
             </a:r>
           </a:p>
           <a:p>
             <a:pPr lvl="3"/>
             <a:r>
-              <a:rPr lang="x-none" smtClean="0"/>
+              <a:rPr lang="en-US" smtClean="0"/>
               <a:t>Fourth level</a:t>
             </a:r>
           </a:p>
           <a:p>
             <a:pPr lvl="4"/>
             <a:r>
-              <a:rPr lang="x-none" smtClean="0"/>
+              <a:rPr lang="en-US" smtClean="0"/>
               <a:t>Fifth level</a:t>
             </a:r>
             <a:endParaRPr lang="pt-BR"/>
@@ -5237,74 +4947,9 @@
           <a:p>
             <a:pPr lvl="0"/>
             <a:r>
-              <a:rPr lang="x-none" smtClean="0"/>
+              <a:rPr lang="en-US" smtClean="0"/>
               <a:t>Click to edit Master text styles</a:t>
             </a:r>
-          </a:p>
-        </p:txBody>
-      </p:sp>
-      <p:sp>
-        <p:nvSpPr>
-          <p:cNvPr id="5" name="Date Placeholder 4"/>
-          <p:cNvSpPr>
-            <a:spLocks noGrp="1"/>
-          </p:cNvSpPr>
-          <p:nvPr>
-            <p:ph type="dt" sz="half" idx="10"/>
-          </p:nvPr>
-        </p:nvSpPr>
-        <p:spPr/>
-        <p:txBody>
-          <a:bodyPr/>
-          <a:lstStyle/>
-          <a:p>
-            <a:fld id="{DB853D49-4E86-1945-B68B-12AD4AF42296}" type="datetimeFigureOut">
-              <a:rPr lang="en-US" smtClean="0"/>
-              <a:t>10/1/12</a:t>
-            </a:fld>
-            <a:endParaRPr lang="pt-BR"/>
-          </a:p>
-        </p:txBody>
-      </p:sp>
-      <p:sp>
-        <p:nvSpPr>
-          <p:cNvPr id="6" name="Footer Placeholder 5"/>
-          <p:cNvSpPr>
-            <a:spLocks noGrp="1"/>
-          </p:cNvSpPr>
-          <p:nvPr>
-            <p:ph type="ftr" sz="quarter" idx="11"/>
-          </p:nvPr>
-        </p:nvSpPr>
-        <p:spPr/>
-        <p:txBody>
-          <a:bodyPr/>
-          <a:lstStyle/>
-          <a:p>
-            <a:endParaRPr lang="pt-BR"/>
-          </a:p>
-        </p:txBody>
-      </p:sp>
-      <p:sp>
-        <p:nvSpPr>
-          <p:cNvPr id="7" name="Slide Number Placeholder 6"/>
-          <p:cNvSpPr>
-            <a:spLocks noGrp="1"/>
-          </p:cNvSpPr>
-          <p:nvPr>
-            <p:ph type="sldNum" sz="quarter" idx="12"/>
-          </p:nvPr>
-        </p:nvSpPr>
-        <p:spPr/>
-        <p:txBody>
-          <a:bodyPr/>
-          <a:lstStyle/>
-          <a:p>
-            <a:fld id="{89CE84D7-69AE-9349-91AF-FF341B968409}" type="slidenum">
-              <a:rPr lang="pt-BR" smtClean="0"/>
-              <a:t>‹#›</a:t>
-            </a:fld>
-            <a:endParaRPr lang="pt-BR"/>
           </a:p>
         </p:txBody>
       </p:sp>
@@ -5358,7 +5003,7 @@
           </a:lstStyle>
           <a:p>
             <a:r>
-              <a:rPr lang="x-none" smtClean="0"/>
+              <a:rPr lang="en-US" smtClean="0"/>
               <a:t>Click to edit Master title style</a:t>
             </a:r>
             <a:endParaRPr lang="pt-BR"/>
@@ -5485,74 +5130,9 @@
           <a:p>
             <a:pPr lvl="0"/>
             <a:r>
-              <a:rPr lang="x-none" smtClean="0"/>
+              <a:rPr lang="en-US" smtClean="0"/>
               <a:t>Click to edit Master text styles</a:t>
             </a:r>
-          </a:p>
-        </p:txBody>
-      </p:sp>
-      <p:sp>
-        <p:nvSpPr>
-          <p:cNvPr id="5" name="Date Placeholder 4"/>
-          <p:cNvSpPr>
-            <a:spLocks noGrp="1"/>
-          </p:cNvSpPr>
-          <p:nvPr>
-            <p:ph type="dt" sz="half" idx="10"/>
-          </p:nvPr>
-        </p:nvSpPr>
-        <p:spPr/>
-        <p:txBody>
-          <a:bodyPr/>
-          <a:lstStyle/>
-          <a:p>
-            <a:fld id="{DB853D49-4E86-1945-B68B-12AD4AF42296}" type="datetimeFigureOut">
-              <a:rPr lang="en-US" smtClean="0"/>
-              <a:t>10/1/12</a:t>
-            </a:fld>
-            <a:endParaRPr lang="pt-BR"/>
-          </a:p>
-        </p:txBody>
-      </p:sp>
-      <p:sp>
-        <p:nvSpPr>
-          <p:cNvPr id="6" name="Footer Placeholder 5"/>
-          <p:cNvSpPr>
-            <a:spLocks noGrp="1"/>
-          </p:cNvSpPr>
-          <p:nvPr>
-            <p:ph type="ftr" sz="quarter" idx="11"/>
-          </p:nvPr>
-        </p:nvSpPr>
-        <p:spPr/>
-        <p:txBody>
-          <a:bodyPr/>
-          <a:lstStyle/>
-          <a:p>
-            <a:endParaRPr lang="pt-BR"/>
-          </a:p>
-        </p:txBody>
-      </p:sp>
-      <p:sp>
-        <p:nvSpPr>
-          <p:cNvPr id="7" name="Slide Number Placeholder 6"/>
-          <p:cNvSpPr>
-            <a:spLocks noGrp="1"/>
-          </p:cNvSpPr>
-          <p:nvPr>
-            <p:ph type="sldNum" sz="quarter" idx="12"/>
-          </p:nvPr>
-        </p:nvSpPr>
-        <p:spPr/>
-        <p:txBody>
-          <a:bodyPr/>
-          <a:lstStyle/>
-          <a:p>
-            <a:fld id="{89CE84D7-69AE-9349-91AF-FF341B968409}" type="slidenum">
-              <a:rPr lang="pt-BR" smtClean="0"/>
-              <a:t>‹#›</a:t>
-            </a:fld>
-            <a:endParaRPr lang="pt-BR"/>
           </a:p>
         </p:txBody>
       </p:sp>
@@ -5568,9 +5148,12 @@
 <p:sldMaster xmlns:a="http://schemas.openxmlformats.org/drawingml/2006/main" xmlns:r="http://schemas.openxmlformats.org/officeDocument/2006/relationships" xmlns:mc="http://schemas.openxmlformats.org/markup-compatibility/2006" xmlns:mv="urn:schemas-microsoft-com:mac:vml" xmlns:p="http://schemas.openxmlformats.org/presentationml/2006/main" mc:Ignorable="mv" mc:PreserveAttributes="mv:*">
   <p:cSld>
     <p:bg>
-      <p:bgRef idx="1001">
-        <a:schemeClr val="bg1"/>
-      </p:bgRef>
+      <p:bgPr>
+        <a:solidFill>
+          <a:schemeClr val="bg1"/>
+        </a:solidFill>
+        <a:effectLst/>
+      </p:bgPr>
     </p:bg>
     <p:spTree>
       <p:nvGrpSpPr>
@@ -5586,217 +5169,115 @@
           <a:chExt cx="0" cy="0"/>
         </a:xfrm>
       </p:grpSpPr>
-      <p:sp>
-        <p:nvSpPr>
-          <p:cNvPr id="2" name="Title Placeholder 1"/>
-          <p:cNvSpPr>
-            <a:spLocks noGrp="1"/>
-          </p:cNvSpPr>
-          <p:nvPr>
-            <p:ph type="title"/>
-          </p:nvPr>
-        </p:nvSpPr>
-        <p:spPr>
+      <p:pic>
+        <p:nvPicPr>
+          <p:cNvPr id="1031" name="Picture 7" descr="slide"/>
+          <p:cNvPicPr>
+            <a:picLocks noChangeAspect="1" noChangeArrowheads="1"/>
+          </p:cNvPicPr>
+          <p:nvPr userDrawn="1"/>
+        </p:nvPicPr>
+        <p:blipFill>
+          <a:blip r:embed="rId13"/>
+          <a:srcRect/>
+          <a:stretch>
+            <a:fillRect/>
+          </a:stretch>
+        </p:blipFill>
+        <p:spPr bwMode="auto">
           <a:xfrm>
-            <a:off x="457200" y="274638"/>
-            <a:ext cx="8229600" cy="1143000"/>
+            <a:off x="0" y="0"/>
+            <a:ext cx="9144000" cy="6858000"/>
           </a:xfrm>
           <a:prstGeom prst="rect">
             <a:avLst/>
           </a:prstGeom>
+          <a:noFill/>
         </p:spPr>
-        <p:txBody>
-          <a:bodyPr vert="horz" lIns="91440" tIns="45720" rIns="91440" bIns="45720" rtlCol="0" anchor="ctr">
-            <a:normAutofit/>
-          </a:bodyPr>
-          <a:lstStyle/>
-          <a:p>
-            <a:r>
-              <a:rPr lang="en-US" smtClean="0"/>
-              <a:t>Click to edit Master title style</a:t>
-            </a:r>
-            <a:endParaRPr lang="pt-BR"/>
-          </a:p>
-        </p:txBody>
-      </p:sp>
-      <p:sp>
-        <p:nvSpPr>
-          <p:cNvPr id="3" name="Text Placeholder 2"/>
-          <p:cNvSpPr>
-            <a:spLocks noGrp="1"/>
-          </p:cNvSpPr>
-          <p:nvPr>
-            <p:ph type="body" idx="1"/>
-          </p:nvPr>
-        </p:nvSpPr>
-        <p:spPr>
+      </p:pic>
+      <p:sp>
+        <p:nvSpPr>
+          <p:cNvPr id="1032" name="Rectangle 8"/>
+          <p:cNvSpPr>
+            <a:spLocks noGrp="1" noChangeArrowheads="1"/>
+          </p:cNvSpPr>
+          <p:nvPr>
+            <p:ph type="title"/>
+          </p:nvPr>
+        </p:nvSpPr>
+        <p:spPr bwMode="auto">
           <a:xfrm>
-            <a:off x="457200" y="1600200"/>
-            <a:ext cx="8229600" cy="4525963"/>
+            <a:off x="457200" y="685800"/>
+            <a:ext cx="8229600" cy="838200"/>
           </a:xfrm>
           <a:prstGeom prst="rect">
             <a:avLst/>
           </a:prstGeom>
+          <a:noFill/>
+          <a:ln w="9525">
+            <a:noFill/>
+            <a:miter lim="800000"/>
+            <a:headEnd/>
+            <a:tailEnd/>
+          </a:ln>
+          <a:effectLst/>
         </p:spPr>
         <p:txBody>
-          <a:bodyPr vert="horz" lIns="91440" tIns="45720" rIns="91440" bIns="45720" rtlCol="0">
-            <a:normAutofit/>
+          <a:bodyPr vert="horz" wrap="square" lIns="91440" tIns="45720" rIns="91440" bIns="45720" numCol="1" anchor="ctr" anchorCtr="0" compatLnSpc="1">
+            <a:prstTxWarp prst="textNoShape">
+              <a:avLst/>
+            </a:prstTxWarp>
           </a:bodyPr>
           <a:lstStyle/>
           <a:p>
             <a:pPr lvl="0"/>
             <a:r>
-              <a:rPr lang="en-US" smtClean="0"/>
-              <a:t>Click to edit Master text styles</a:t>
-            </a:r>
-          </a:p>
-          <a:p>
-            <a:pPr lvl="1"/>
-            <a:r>
-              <a:rPr lang="en-US" smtClean="0"/>
-              <a:t>Second level</a:t>
-            </a:r>
-          </a:p>
-          <a:p>
-            <a:pPr lvl="2"/>
-            <a:r>
-              <a:rPr lang="en-US" smtClean="0"/>
-              <a:t>Third level</a:t>
-            </a:r>
-          </a:p>
-          <a:p>
-            <a:pPr lvl="3"/>
-            <a:r>
-              <a:rPr lang="en-US" smtClean="0"/>
-              <a:t>Fourth level</a:t>
-            </a:r>
-          </a:p>
-          <a:p>
-            <a:pPr lvl="4"/>
-            <a:r>
-              <a:rPr lang="en-US" smtClean="0"/>
-              <a:t>Fifth level</a:t>
-            </a:r>
-            <a:endParaRPr lang="pt-BR"/>
-          </a:p>
-        </p:txBody>
-      </p:sp>
-      <p:sp>
-        <p:nvSpPr>
-          <p:cNvPr id="4" name="Date Placeholder 3"/>
-          <p:cNvSpPr>
-            <a:spLocks noGrp="1"/>
-          </p:cNvSpPr>
-          <p:nvPr>
-            <p:ph type="dt" sz="half" idx="2"/>
-          </p:nvPr>
-        </p:nvSpPr>
-        <p:spPr>
+              <a:rPr lang="pt-BR" dirty="0"/>
+              <a:t>Clique para editar o estilo do título mestre</a:t>
+            </a:r>
+          </a:p>
+        </p:txBody>
+      </p:sp>
+      <p:sp>
+        <p:nvSpPr>
+          <p:cNvPr id="1033" name="Rectangle 9"/>
+          <p:cNvSpPr>
+            <a:spLocks noGrp="1" noChangeArrowheads="1"/>
+          </p:cNvSpPr>
+          <p:nvPr>
+            <p:ph type="body" idx="1"/>
+          </p:nvPr>
+        </p:nvSpPr>
+        <p:spPr bwMode="auto">
           <a:xfrm>
-            <a:off x="457200" y="6356350"/>
-            <a:ext cx="2133600" cy="365125"/>
+            <a:off x="468313" y="1752600"/>
+            <a:ext cx="8207375" cy="4270375"/>
           </a:xfrm>
           <a:prstGeom prst="rect">
             <a:avLst/>
           </a:prstGeom>
+          <a:noFill/>
+          <a:ln w="9525">
+            <a:noFill/>
+            <a:miter lim="800000"/>
+            <a:headEnd/>
+            <a:tailEnd/>
+          </a:ln>
+          <a:effectLst/>
         </p:spPr>
         <p:txBody>
-          <a:bodyPr vert="horz" lIns="91440" tIns="45720" rIns="91440" bIns="45720" rtlCol="0" anchor="ctr"/>
-          <a:lstStyle>
-            <a:lvl1pPr algn="l">
-              <a:defRPr sz="1200">
-                <a:solidFill>
-                  <a:schemeClr val="tx1">
-                    <a:tint val="75000"/>
-                  </a:schemeClr>
-                </a:solidFill>
-              </a:defRPr>
-            </a:lvl1pPr>
-          </a:lstStyle>
-          <a:p>
-            <a:fld id="{DB853D49-4E86-1945-B68B-12AD4AF42296}" type="datetimeFigureOut">
-              <a:rPr lang="en-US" smtClean="0"/>
-              <a:t>10/1/12</a:t>
-            </a:fld>
-            <a:endParaRPr lang="pt-BR"/>
-          </a:p>
-        </p:txBody>
-      </p:sp>
-      <p:sp>
-        <p:nvSpPr>
-          <p:cNvPr id="5" name="Footer Placeholder 4"/>
-          <p:cNvSpPr>
-            <a:spLocks noGrp="1"/>
-          </p:cNvSpPr>
-          <p:nvPr>
-            <p:ph type="ftr" sz="quarter" idx="3"/>
-          </p:nvPr>
-        </p:nvSpPr>
-        <p:spPr>
-          <a:xfrm>
-            <a:off x="3124200" y="6356350"/>
-            <a:ext cx="2895600" cy="365125"/>
-          </a:xfrm>
-          <a:prstGeom prst="rect">
-            <a:avLst/>
-          </a:prstGeom>
-        </p:spPr>
-        <p:txBody>
-          <a:bodyPr vert="horz" lIns="91440" tIns="45720" rIns="91440" bIns="45720" rtlCol="0" anchor="ctr"/>
-          <a:lstStyle>
-            <a:lvl1pPr algn="ctr">
-              <a:defRPr sz="1200">
-                <a:solidFill>
-                  <a:schemeClr val="tx1">
-                    <a:tint val="75000"/>
-                  </a:schemeClr>
-                </a:solidFill>
-              </a:defRPr>
-            </a:lvl1pPr>
-          </a:lstStyle>
-          <a:p>
-            <a:endParaRPr lang="pt-BR"/>
-          </a:p>
-        </p:txBody>
-      </p:sp>
-      <p:sp>
-        <p:nvSpPr>
-          <p:cNvPr id="6" name="Slide Number Placeholder 5"/>
-          <p:cNvSpPr>
-            <a:spLocks noGrp="1"/>
-          </p:cNvSpPr>
-          <p:nvPr>
-            <p:ph type="sldNum" sz="quarter" idx="4"/>
-          </p:nvPr>
-        </p:nvSpPr>
-        <p:spPr>
-          <a:xfrm>
-            <a:off x="6553200" y="6356350"/>
-            <a:ext cx="2133600" cy="365125"/>
-          </a:xfrm>
-          <a:prstGeom prst="rect">
-            <a:avLst/>
-          </a:prstGeom>
-        </p:spPr>
-        <p:txBody>
-          <a:bodyPr vert="horz" lIns="91440" tIns="45720" rIns="91440" bIns="45720" rtlCol="0" anchor="ctr"/>
-          <a:lstStyle>
-            <a:lvl1pPr algn="r">
-              <a:defRPr sz="1200">
-                <a:solidFill>
-                  <a:schemeClr val="tx1">
-                    <a:tint val="75000"/>
-                  </a:schemeClr>
-                </a:solidFill>
-              </a:defRPr>
-            </a:lvl1pPr>
-          </a:lstStyle>
-          <a:p>
-            <a:fld id="{89CE84D7-69AE-9349-91AF-FF341B968409}" type="slidenum">
-              <a:rPr lang="pt-BR" smtClean="0"/>
-              <a:t>‹#›</a:t>
-            </a:fld>
-            <a:endParaRPr lang="pt-BR"/>
+          <a:bodyPr vert="horz" wrap="square" lIns="91440" tIns="45720" rIns="91440" bIns="45720" numCol="1" anchor="t" anchorCtr="0" compatLnSpc="1">
+            <a:prstTxWarp prst="textNoShape">
+              <a:avLst/>
+            </a:prstTxWarp>
+          </a:bodyPr>
+          <a:lstStyle/>
+          <a:p>
+            <a:pPr lvl="0"/>
+            <a:r>
+              <a:rPr lang="pt-BR" dirty="0"/>
+              <a:t>Texto</a:t>
+            </a:r>
           </a:p>
         </p:txBody>
       </p:sp>
@@ -5818,29 +5299,144 @@
   </p:sldLayoutIdLst>
   <p:txStyles>
     <p:titleStyle>
-      <a:lvl1pPr algn="ctr" defTabSz="457200" rtl="0" eaLnBrk="1" latinLnBrk="0" hangingPunct="1">
+      <a:lvl1pPr algn="ctr" rtl="0" fontAlgn="base">
         <a:spcBef>
           <a:spcPct val="0"/>
         </a:spcBef>
-        <a:buNone/>
-        <a:defRPr sz="4400" kern="1200">
+        <a:spcAft>
+          <a:spcPct val="0"/>
+        </a:spcAft>
+        <a:defRPr sz="4400">
           <a:solidFill>
-            <a:schemeClr val="tx1"/>
+            <a:schemeClr val="tx2"/>
           </a:solidFill>
           <a:latin typeface="+mj-lt"/>
           <a:ea typeface="+mj-ea"/>
           <a:cs typeface="+mj-cs"/>
         </a:defRPr>
       </a:lvl1pPr>
+      <a:lvl2pPr algn="ctr" rtl="0" fontAlgn="base">
+        <a:spcBef>
+          <a:spcPct val="0"/>
+        </a:spcBef>
+        <a:spcAft>
+          <a:spcPct val="0"/>
+        </a:spcAft>
+        <a:defRPr sz="4400">
+          <a:solidFill>
+            <a:schemeClr val="tx2"/>
+          </a:solidFill>
+          <a:latin typeface="Arial" charset="0"/>
+        </a:defRPr>
+      </a:lvl2pPr>
+      <a:lvl3pPr algn="ctr" rtl="0" fontAlgn="base">
+        <a:spcBef>
+          <a:spcPct val="0"/>
+        </a:spcBef>
+        <a:spcAft>
+          <a:spcPct val="0"/>
+        </a:spcAft>
+        <a:defRPr sz="4400">
+          <a:solidFill>
+            <a:schemeClr val="tx2"/>
+          </a:solidFill>
+          <a:latin typeface="Arial" charset="0"/>
+        </a:defRPr>
+      </a:lvl3pPr>
+      <a:lvl4pPr algn="ctr" rtl="0" fontAlgn="base">
+        <a:spcBef>
+          <a:spcPct val="0"/>
+        </a:spcBef>
+        <a:spcAft>
+          <a:spcPct val="0"/>
+        </a:spcAft>
+        <a:defRPr sz="4400">
+          <a:solidFill>
+            <a:schemeClr val="tx2"/>
+          </a:solidFill>
+          <a:latin typeface="Arial" charset="0"/>
+        </a:defRPr>
+      </a:lvl4pPr>
+      <a:lvl5pPr algn="ctr" rtl="0" fontAlgn="base">
+        <a:spcBef>
+          <a:spcPct val="0"/>
+        </a:spcBef>
+        <a:spcAft>
+          <a:spcPct val="0"/>
+        </a:spcAft>
+        <a:defRPr sz="4400">
+          <a:solidFill>
+            <a:schemeClr val="tx2"/>
+          </a:solidFill>
+          <a:latin typeface="Arial" charset="0"/>
+        </a:defRPr>
+      </a:lvl5pPr>
+      <a:lvl6pPr marL="457200" algn="ctr" rtl="0" fontAlgn="base">
+        <a:spcBef>
+          <a:spcPct val="0"/>
+        </a:spcBef>
+        <a:spcAft>
+          <a:spcPct val="0"/>
+        </a:spcAft>
+        <a:defRPr sz="4400">
+          <a:solidFill>
+            <a:schemeClr val="tx2"/>
+          </a:solidFill>
+          <a:latin typeface="Arial" charset="0"/>
+        </a:defRPr>
+      </a:lvl6pPr>
+      <a:lvl7pPr marL="914400" algn="ctr" rtl="0" fontAlgn="base">
+        <a:spcBef>
+          <a:spcPct val="0"/>
+        </a:spcBef>
+        <a:spcAft>
+          <a:spcPct val="0"/>
+        </a:spcAft>
+        <a:defRPr sz="4400">
+          <a:solidFill>
+            <a:schemeClr val="tx2"/>
+          </a:solidFill>
+          <a:latin typeface="Arial" charset="0"/>
+        </a:defRPr>
+      </a:lvl7pPr>
+      <a:lvl8pPr marL="1371600" algn="ctr" rtl="0" fontAlgn="base">
+        <a:spcBef>
+          <a:spcPct val="0"/>
+        </a:spcBef>
+        <a:spcAft>
+          <a:spcPct val="0"/>
+        </a:spcAft>
+        <a:defRPr sz="4400">
+          <a:solidFill>
+            <a:schemeClr val="tx2"/>
+          </a:solidFill>
+          <a:latin typeface="Arial" charset="0"/>
+        </a:defRPr>
+      </a:lvl8pPr>
+      <a:lvl9pPr marL="1828800" algn="ctr" rtl="0" fontAlgn="base">
+        <a:spcBef>
+          <a:spcPct val="0"/>
+        </a:spcBef>
+        <a:spcAft>
+          <a:spcPct val="0"/>
+        </a:spcAft>
+        <a:defRPr sz="4400">
+          <a:solidFill>
+            <a:schemeClr val="tx2"/>
+          </a:solidFill>
+          <a:latin typeface="Arial" charset="0"/>
+        </a:defRPr>
+      </a:lvl9pPr>
     </p:titleStyle>
     <p:bodyStyle>
-      <a:lvl1pPr marL="342900" indent="-342900" algn="l" defTabSz="457200" rtl="0" eaLnBrk="1" latinLnBrk="0" hangingPunct="1">
+      <a:lvl1pPr marL="342900" indent="-342900" algn="l" rtl="0" fontAlgn="base">
         <a:spcBef>
           <a:spcPct val="20000"/>
         </a:spcBef>
-        <a:buFont typeface="Arial"/>
-        <a:buChar char="•"/>
-        <a:defRPr sz="3200" kern="1200">
+        <a:spcAft>
+          <a:spcPct val="0"/>
+        </a:spcAft>
+        <a:defRPr sz="3200">
           <a:solidFill>
             <a:schemeClr val="tx1"/>
           </a:solidFill>
@@ -5849,124 +5445,127 @@
           <a:cs typeface="+mn-cs"/>
         </a:defRPr>
       </a:lvl1pPr>
-      <a:lvl2pPr marL="742950" indent="-285750" algn="l" defTabSz="457200" rtl="0" eaLnBrk="1" latinLnBrk="0" hangingPunct="1">
+      <a:lvl2pPr marL="742950" indent="-285750" algn="l" rtl="0" fontAlgn="base">
         <a:spcBef>
           <a:spcPct val="20000"/>
         </a:spcBef>
-        <a:buFont typeface="Arial"/>
+        <a:spcAft>
+          <a:spcPct val="0"/>
+        </a:spcAft>
         <a:buChar char="–"/>
-        <a:defRPr sz="2800" kern="1200">
+        <a:defRPr sz="2800">
           <a:solidFill>
             <a:schemeClr val="tx1"/>
           </a:solidFill>
           <a:latin typeface="+mn-lt"/>
-          <a:ea typeface="+mn-ea"/>
-          <a:cs typeface="+mn-cs"/>
+          <a:ea typeface="ＭＳ Ｐゴシック" charset="-128"/>
         </a:defRPr>
       </a:lvl2pPr>
-      <a:lvl3pPr marL="1143000" indent="-228600" algn="l" defTabSz="457200" rtl="0" eaLnBrk="1" latinLnBrk="0" hangingPunct="1">
+      <a:lvl3pPr marL="1143000" indent="-228600" algn="l" rtl="0" fontAlgn="base">
         <a:spcBef>
           <a:spcPct val="20000"/>
         </a:spcBef>
-        <a:buFont typeface="Arial"/>
+        <a:spcAft>
+          <a:spcPct val="0"/>
+        </a:spcAft>
         <a:buChar char="•"/>
-        <a:defRPr sz="2400" kern="1200">
+        <a:defRPr sz="2400">
           <a:solidFill>
             <a:schemeClr val="tx1"/>
           </a:solidFill>
           <a:latin typeface="+mn-lt"/>
-          <a:ea typeface="+mn-ea"/>
-          <a:cs typeface="+mn-cs"/>
+          <a:ea typeface="ＭＳ Ｐゴシック" charset="-128"/>
         </a:defRPr>
       </a:lvl3pPr>
-      <a:lvl4pPr marL="1600200" indent="-228600" algn="l" defTabSz="457200" rtl="0" eaLnBrk="1" latinLnBrk="0" hangingPunct="1">
+      <a:lvl4pPr marL="1600200" indent="-228600" algn="l" rtl="0" fontAlgn="base">
         <a:spcBef>
           <a:spcPct val="20000"/>
         </a:spcBef>
-        <a:buFont typeface="Arial"/>
+        <a:spcAft>
+          <a:spcPct val="0"/>
+        </a:spcAft>
         <a:buChar char="–"/>
-        <a:defRPr sz="2000" kern="1200">
+        <a:defRPr sz="2000">
           <a:solidFill>
             <a:schemeClr val="tx1"/>
           </a:solidFill>
           <a:latin typeface="+mn-lt"/>
-          <a:ea typeface="+mn-ea"/>
-          <a:cs typeface="+mn-cs"/>
+          <a:ea typeface="ＭＳ Ｐゴシック" charset="-128"/>
         </a:defRPr>
       </a:lvl4pPr>
-      <a:lvl5pPr marL="2057400" indent="-228600" algn="l" defTabSz="457200" rtl="0" eaLnBrk="1" latinLnBrk="0" hangingPunct="1">
+      <a:lvl5pPr marL="2057400" indent="-228600" algn="l" rtl="0" fontAlgn="base">
         <a:spcBef>
           <a:spcPct val="20000"/>
         </a:spcBef>
-        <a:buFont typeface="Arial"/>
-        <a:buChar char="»"/>
-        <a:defRPr sz="2000" kern="1200">
+        <a:spcAft>
+          <a:spcPct val="0"/>
+        </a:spcAft>
+        <a:defRPr sz="2000">
           <a:solidFill>
             <a:schemeClr val="tx1"/>
           </a:solidFill>
           <a:latin typeface="+mn-lt"/>
-          <a:ea typeface="+mn-ea"/>
-          <a:cs typeface="+mn-cs"/>
+          <a:ea typeface="ＭＳ Ｐゴシック" charset="-128"/>
         </a:defRPr>
       </a:lvl5pPr>
-      <a:lvl6pPr marL="2514600" indent="-228600" algn="l" defTabSz="457200" rtl="0" eaLnBrk="1" latinLnBrk="0" hangingPunct="1">
+      <a:lvl6pPr marL="2514600" indent="-228600" algn="l" rtl="0" fontAlgn="base">
         <a:spcBef>
           <a:spcPct val="20000"/>
         </a:spcBef>
-        <a:buFont typeface="Arial"/>
-        <a:buChar char="•"/>
-        <a:defRPr sz="2000" kern="1200">
+        <a:spcAft>
+          <a:spcPct val="0"/>
+        </a:spcAft>
+        <a:defRPr sz="2000">
           <a:solidFill>
             <a:schemeClr val="tx1"/>
           </a:solidFill>
           <a:latin typeface="+mn-lt"/>
-          <a:ea typeface="+mn-ea"/>
-          <a:cs typeface="+mn-cs"/>
+          <a:ea typeface="ＭＳ Ｐゴシック" charset="-128"/>
         </a:defRPr>
       </a:lvl6pPr>
-      <a:lvl7pPr marL="2971800" indent="-228600" algn="l" defTabSz="457200" rtl="0" eaLnBrk="1" latinLnBrk="0" hangingPunct="1">
+      <a:lvl7pPr marL="2971800" indent="-228600" algn="l" rtl="0" fontAlgn="base">
         <a:spcBef>
           <a:spcPct val="20000"/>
         </a:spcBef>
-        <a:buFont typeface="Arial"/>
-        <a:buChar char="•"/>
-        <a:defRPr sz="2000" kern="1200">
+        <a:spcAft>
+          <a:spcPct val="0"/>
+        </a:spcAft>
+        <a:defRPr sz="2000">
           <a:solidFill>
             <a:schemeClr val="tx1"/>
           </a:solidFill>
           <a:latin typeface="+mn-lt"/>
-          <a:ea typeface="+mn-ea"/>
-          <a:cs typeface="+mn-cs"/>
+          <a:ea typeface="ＭＳ Ｐゴシック" charset="-128"/>
         </a:defRPr>
       </a:lvl7pPr>
-      <a:lvl8pPr marL="3429000" indent="-228600" algn="l" defTabSz="457200" rtl="0" eaLnBrk="1" latinLnBrk="0" hangingPunct="1">
+      <a:lvl8pPr marL="3429000" indent="-228600" algn="l" rtl="0" fontAlgn="base">
         <a:spcBef>
           <a:spcPct val="20000"/>
         </a:spcBef>
-        <a:buFont typeface="Arial"/>
-        <a:buChar char="•"/>
-        <a:defRPr sz="2000" kern="1200">
+        <a:spcAft>
+          <a:spcPct val="0"/>
+        </a:spcAft>
+        <a:defRPr sz="2000">
           <a:solidFill>
             <a:schemeClr val="tx1"/>
           </a:solidFill>
           <a:latin typeface="+mn-lt"/>
-          <a:ea typeface="+mn-ea"/>
-          <a:cs typeface="+mn-cs"/>
+          <a:ea typeface="ＭＳ Ｐゴシック" charset="-128"/>
         </a:defRPr>
       </a:lvl8pPr>
-      <a:lvl9pPr marL="3886200" indent="-228600" algn="l" defTabSz="457200" rtl="0" eaLnBrk="1" latinLnBrk="0" hangingPunct="1">
+      <a:lvl9pPr marL="3886200" indent="-228600" algn="l" rtl="0" fontAlgn="base">
         <a:spcBef>
           <a:spcPct val="20000"/>
         </a:spcBef>
-        <a:buFont typeface="Arial"/>
-        <a:buChar char="•"/>
-        <a:defRPr sz="2000" kern="1200">
+        <a:spcAft>
+          <a:spcPct val="0"/>
+        </a:spcAft>
+        <a:defRPr sz="2000">
           <a:solidFill>
             <a:schemeClr val="tx1"/>
           </a:solidFill>
           <a:latin typeface="+mn-lt"/>
-          <a:ea typeface="+mn-ea"/>
-          <a:cs typeface="+mn-cs"/>
+          <a:ea typeface="ＭＳ Ｐゴシック" charset="-128"/>
         </a:defRPr>
       </a:lvl9pPr>
     </p:bodyStyle>
@@ -6088,9 +5687,9 @@
       </p:grpSpPr>
       <p:sp>
         <p:nvSpPr>
-          <p:cNvPr id="2" name="Title 1"/>
-          <p:cNvSpPr>
-            <a:spLocks noGrp="1"/>
+          <p:cNvPr id="2050" name="Rectangle 2"/>
+          <p:cNvSpPr>
+            <a:spLocks noGrp="1" noChangeArrowheads="1"/>
           </p:cNvSpPr>
           <p:nvPr>
             <p:ph type="ctrTitle"/>
@@ -6107,9 +5706,9 @@
       </p:sp>
       <p:sp>
         <p:nvSpPr>
-          <p:cNvPr id="3" name="Subtitle 2"/>
-          <p:cNvSpPr>
-            <a:spLocks noGrp="1"/>
+          <p:cNvPr id="2051" name="Rectangle 3"/>
+          <p:cNvSpPr>
+            <a:spLocks noGrp="1" noChangeArrowheads="1"/>
           </p:cNvSpPr>
           <p:nvPr>
             <p:ph type="subTitle" idx="1"/>
@@ -6129,6 +5728,13 @@
   <p:clrMapOvr>
     <a:masterClrMapping/>
   </p:clrMapOvr>
+  <p:timing>
+    <p:tnLst>
+      <p:par>
+        <p:cTn id="1" dur="indefinite" restart="never" nodeType="tmRoot"/>
+      </p:par>
+    </p:tnLst>
+  </p:timing>
 </p:sld>
 </file>
 
@@ -6165,20 +5771,8 @@
           <a:lstStyle/>
           <a:p>
             <a:r>
-              <a:rPr lang="pt-BR" dirty="0" err="1" smtClean="0"/>
-              <a:t>Model-driven</a:t>
-            </a:r>
-            <a:r>
               <a:rPr lang="pt-BR" dirty="0" smtClean="0"/>
-              <a:t> </a:t>
-            </a:r>
-            <a:r>
-              <a:rPr lang="pt-BR" dirty="0" err="1" smtClean="0"/>
-              <a:t>Engineering</a:t>
-            </a:r>
-            <a:r>
-              <a:rPr lang="pt-BR" dirty="0" smtClean="0"/>
-              <a:t> (MDE)</a:t>
+              <a:t>Objetivos específicos</a:t>
             </a:r>
             <a:endParaRPr lang="pt-BR" dirty="0"/>
           </a:p>
@@ -6191,15 +5785,36 @@
             <a:spLocks noGrp="1"/>
           </p:cNvSpPr>
           <p:nvPr>
-            <p:ph idx="1"/>
-          </p:nvPr>
-        </p:nvSpPr>
-        <p:spPr/>
+            <p:ph idx="4294967295"/>
+          </p:nvPr>
+        </p:nvSpPr>
+        <p:spPr>
+          <a:xfrm>
+            <a:off x="-3352800" y="1752600"/>
+            <a:ext cx="8207375" cy="4270375"/>
+          </a:xfrm>
+        </p:spPr>
         <p:txBody>
           <a:bodyPr/>
           <a:lstStyle/>
           <a:p>
-            <a:endParaRPr lang="pt-BR"/>
+            <a:r>
+              <a:rPr lang="pt-BR" dirty="0" smtClean="0"/>
+              <a:t>Arquitetura genérica para máquinas de execução de modelos</a:t>
+            </a:r>
+          </a:p>
+          <a:p>
+            <a:r>
+              <a:rPr lang="pt-BR" dirty="0" err="1" smtClean="0"/>
+              <a:t>Metamodelo</a:t>
+            </a:r>
+            <a:r>
+              <a:rPr lang="pt-BR" dirty="0" smtClean="0"/>
+              <a:t> que permita descrever intermediadores de serviços</a:t>
+            </a:r>
+          </a:p>
+          <a:p>
+            <a:endParaRPr lang="pt-BR" dirty="0" smtClean="0"/>
           </a:p>
         </p:txBody>
       </p:sp>
@@ -6244,8 +5859,20 @@
           <a:lstStyle/>
           <a:p>
             <a:r>
+              <a:rPr lang="pt-BR" dirty="0" err="1" smtClean="0"/>
+              <a:t>Model-driven</a:t>
+            </a:r>
+            <a:r>
               <a:rPr lang="pt-BR" dirty="0" smtClean="0"/>
-              <a:t>Abordagens de MDE</a:t>
+              <a:t> </a:t>
+            </a:r>
+            <a:r>
+              <a:rPr lang="pt-BR" dirty="0" err="1" smtClean="0"/>
+              <a:t>Engineering</a:t>
+            </a:r>
+            <a:r>
+              <a:rPr lang="pt-BR" dirty="0" smtClean="0"/>
+              <a:t> (MDE)</a:t>
             </a:r>
             <a:endParaRPr lang="pt-BR" dirty="0"/>
           </a:p>
@@ -6258,53 +5885,20 @@
             <a:spLocks noGrp="1"/>
           </p:cNvSpPr>
           <p:nvPr>
-            <p:ph idx="1"/>
-          </p:nvPr>
-        </p:nvSpPr>
-        <p:spPr/>
-        <p:txBody>
-          <a:bodyPr>
-            <a:normAutofit lnSpcReduction="10000"/>
-          </a:bodyPr>
+            <p:ph idx="4294967295"/>
+          </p:nvPr>
+        </p:nvSpPr>
+        <p:spPr>
+          <a:xfrm>
+            <a:off x="-3352800" y="1752600"/>
+            <a:ext cx="8207375" cy="4270375"/>
+          </a:xfrm>
+        </p:spPr>
+        <p:txBody>
+          <a:bodyPr/>
           <a:lstStyle/>
           <a:p>
-            <a:r>
-              <a:rPr lang="pt-BR" dirty="0" smtClean="0"/>
-              <a:t>TALVEZ OMITIR ESSE SLIDE PORQUE ELE TALVEZ ROMPA O FLUXO DE ID</a:t>
-            </a:r>
-            <a:r>
-              <a:rPr lang="pt-BR" dirty="0" smtClean="0"/>
-              <a:t>ÉIAS</a:t>
-            </a:r>
-            <a:endParaRPr lang="pt-BR" dirty="0" smtClean="0"/>
-          </a:p>
-          <a:p>
-            <a:endParaRPr lang="pt-BR" dirty="0" smtClean="0"/>
-          </a:p>
-          <a:p>
-            <a:r>
-              <a:rPr lang="pt-BR" dirty="0" smtClean="0"/>
-              <a:t>MDA</a:t>
-            </a:r>
-          </a:p>
-          <a:p>
-            <a:endParaRPr lang="pt-BR" dirty="0" smtClean="0"/>
-          </a:p>
-          <a:p>
-            <a:r>
-              <a:rPr lang="pt-BR" dirty="0" smtClean="0"/>
-              <a:t>MDD</a:t>
-            </a:r>
-          </a:p>
-          <a:p>
-            <a:endParaRPr lang="pt-BR" dirty="0" smtClean="0"/>
-          </a:p>
-          <a:p>
-            <a:r>
-              <a:rPr lang="pt-BR" dirty="0" smtClean="0"/>
-              <a:t>MIC</a:t>
-            </a:r>
-            <a:endParaRPr lang="pt-BR" dirty="0"/>
+            <a:endParaRPr lang="pt-BR"/>
           </a:p>
         </p:txBody>
       </p:sp>
@@ -6349,8 +5943,8 @@
           <a:lstStyle/>
           <a:p>
             <a:r>
-              <a:rPr lang="pt-BR" dirty="0" err="1" smtClean="0"/>
-              <a:t>Metamodelos</a:t>
+              <a:rPr lang="pt-BR" dirty="0" smtClean="0"/>
+              <a:t>Abordagens de MDE</a:t>
             </a:r>
             <a:endParaRPr lang="pt-BR" dirty="0"/>
           </a:p>
@@ -6363,15 +5957,53 @@
             <a:spLocks noGrp="1"/>
           </p:cNvSpPr>
           <p:nvPr>
-            <p:ph idx="1"/>
-          </p:nvPr>
-        </p:nvSpPr>
-        <p:spPr/>
-        <p:txBody>
-          <a:bodyPr/>
+            <p:ph idx="4294967295"/>
+          </p:nvPr>
+        </p:nvSpPr>
+        <p:spPr>
+          <a:xfrm>
+            <a:off x="-3352800" y="1752600"/>
+            <a:ext cx="8207375" cy="4270375"/>
+          </a:xfrm>
+        </p:spPr>
+        <p:txBody>
+          <a:bodyPr>
+            <a:normAutofit fontScale="92500"/>
+          </a:bodyPr>
           <a:lstStyle/>
           <a:p>
-            <a:endParaRPr lang="pt-BR"/>
+            <a:r>
+              <a:rPr lang="pt-BR" dirty="0" smtClean="0"/>
+              <a:t>TALVEZ OMITIR ESSE SLIDE PORQUE ELE TALVEZ ROMPA O FLUXO DE IDÉIAS</a:t>
+            </a:r>
+          </a:p>
+          <a:p>
+            <a:endParaRPr lang="pt-BR" dirty="0" smtClean="0"/>
+          </a:p>
+          <a:p>
+            <a:r>
+              <a:rPr lang="pt-BR" dirty="0" smtClean="0"/>
+              <a:t>MDA</a:t>
+            </a:r>
+          </a:p>
+          <a:p>
+            <a:endParaRPr lang="pt-BR" dirty="0" smtClean="0"/>
+          </a:p>
+          <a:p>
+            <a:r>
+              <a:rPr lang="pt-BR" dirty="0" smtClean="0"/>
+              <a:t>MDD</a:t>
+            </a:r>
+          </a:p>
+          <a:p>
+            <a:endParaRPr lang="pt-BR" dirty="0" smtClean="0"/>
+          </a:p>
+          <a:p>
+            <a:r>
+              <a:rPr lang="pt-BR" dirty="0" smtClean="0"/>
+              <a:t>MIC</a:t>
+            </a:r>
+            <a:endParaRPr lang="pt-BR" dirty="0"/>
           </a:p>
         </p:txBody>
       </p:sp>
@@ -6412,34 +6044,12 @@
         </p:nvSpPr>
         <p:spPr/>
         <p:txBody>
-          <a:bodyPr>
-            <a:normAutofit/>
-          </a:bodyPr>
+          <a:bodyPr/>
           <a:lstStyle/>
           <a:p>
             <a:r>
               <a:rPr lang="pt-BR" dirty="0" err="1" smtClean="0"/>
-              <a:t>Domain-Specific</a:t>
-            </a:r>
-            <a:r>
-              <a:rPr lang="pt-BR" dirty="0" smtClean="0"/>
-              <a:t> </a:t>
-            </a:r>
-            <a:r>
-              <a:rPr lang="pt-BR" dirty="0" err="1" smtClean="0"/>
-              <a:t>Languages</a:t>
-            </a:r>
-            <a:r>
-              <a:rPr lang="pt-BR" dirty="0" smtClean="0"/>
-              <a:t> (</a:t>
-            </a:r>
-            <a:r>
-              <a:rPr lang="pt-BR" dirty="0" err="1" smtClean="0"/>
-              <a:t>DSLs</a:t>
-            </a:r>
-            <a:r>
-              <a:rPr lang="pt-BR" dirty="0" smtClean="0"/>
-              <a:t>)</a:t>
+              <a:t>Metamodelos</a:t>
             </a:r>
             <a:endParaRPr lang="pt-BR" dirty="0"/>
           </a:p>
@@ -6452,10 +6062,15 @@
             <a:spLocks noGrp="1"/>
           </p:cNvSpPr>
           <p:nvPr>
-            <p:ph idx="1"/>
-          </p:nvPr>
-        </p:nvSpPr>
-        <p:spPr/>
+            <p:ph idx="4294967295"/>
+          </p:nvPr>
+        </p:nvSpPr>
+        <p:spPr>
+          <a:xfrm>
+            <a:off x="-3352800" y="1752600"/>
+            <a:ext cx="8207375" cy="4270375"/>
+          </a:xfrm>
+        </p:spPr>
         <p:txBody>
           <a:bodyPr/>
           <a:lstStyle/>
@@ -6501,67 +6116,60 @@
         </p:nvSpPr>
         <p:spPr/>
         <p:txBody>
+          <a:bodyPr>
+            <a:normAutofit fontScale="90000"/>
+          </a:bodyPr>
+          <a:lstStyle/>
+          <a:p>
+            <a:r>
+              <a:rPr lang="pt-BR" dirty="0" err="1" smtClean="0"/>
+              <a:t>Domain-Specific</a:t>
+            </a:r>
+            <a:r>
+              <a:rPr lang="pt-BR" dirty="0" smtClean="0"/>
+              <a:t> </a:t>
+            </a:r>
+            <a:r>
+              <a:rPr lang="pt-BR" dirty="0" err="1" smtClean="0"/>
+              <a:t>Languages</a:t>
+            </a:r>
+            <a:r>
+              <a:rPr lang="pt-BR" dirty="0" smtClean="0"/>
+              <a:t> (</a:t>
+            </a:r>
+            <a:r>
+              <a:rPr lang="pt-BR" dirty="0" err="1" smtClean="0"/>
+              <a:t>DSLs</a:t>
+            </a:r>
+            <a:r>
+              <a:rPr lang="pt-BR" dirty="0" smtClean="0"/>
+              <a:t>)</a:t>
+            </a:r>
+            <a:endParaRPr lang="pt-BR" dirty="0"/>
+          </a:p>
+        </p:txBody>
+      </p:sp>
+      <p:sp>
+        <p:nvSpPr>
+          <p:cNvPr id="3" name="Content Placeholder 2"/>
+          <p:cNvSpPr>
+            <a:spLocks noGrp="1"/>
+          </p:cNvSpPr>
+          <p:nvPr>
+            <p:ph idx="4294967295"/>
+          </p:nvPr>
+        </p:nvSpPr>
+        <p:spPr>
+          <a:xfrm>
+            <a:off x="-3352800" y="1752600"/>
+            <a:ext cx="8207375" cy="4270375"/>
+          </a:xfrm>
+        </p:spPr>
+        <p:txBody>
           <a:bodyPr/>
           <a:lstStyle/>
           <a:p>
-            <a:r>
-              <a:rPr lang="pt-BR" dirty="0" smtClean="0"/>
-              <a:t>CVM</a:t>
-            </a:r>
-            <a:endParaRPr lang="pt-BR" dirty="0"/>
-          </a:p>
-        </p:txBody>
-      </p:sp>
-      <p:sp>
-        <p:nvSpPr>
-          <p:cNvPr id="3" name="Content Placeholder 2"/>
-          <p:cNvSpPr>
-            <a:spLocks noGrp="1"/>
-          </p:cNvSpPr>
-          <p:nvPr>
-            <p:ph idx="1"/>
-          </p:nvPr>
-        </p:nvSpPr>
-        <p:spPr/>
-        <p:txBody>
-          <a:bodyPr>
-            <a:normAutofit/>
-          </a:bodyPr>
-          <a:lstStyle/>
-          <a:p>
-            <a:r>
-              <a:rPr lang="pt-BR" dirty="0" smtClean="0"/>
-              <a:t>Arquitetura</a:t>
-            </a:r>
-          </a:p>
-          <a:p>
-            <a:r>
-              <a:rPr lang="pt-BR" dirty="0" smtClean="0"/>
-              <a:t>Detalhamento das camadas</a:t>
-            </a:r>
-          </a:p>
-          <a:p>
-            <a:r>
-              <a:rPr lang="pt-BR" dirty="0" smtClean="0"/>
-              <a:t>Modelo em CML</a:t>
-            </a:r>
-          </a:p>
-          <a:p>
-            <a:endParaRPr lang="pt-BR" dirty="0" smtClean="0"/>
-          </a:p>
-          <a:p>
-            <a:endParaRPr lang="pt-BR" dirty="0" smtClean="0"/>
-          </a:p>
-          <a:p>
-            <a:r>
-              <a:rPr lang="pt-BR" dirty="0" smtClean="0"/>
-              <a:t>TALVEZ SEJA DESNECESS</a:t>
-            </a:r>
-            <a:r>
-              <a:rPr lang="pt-BR" dirty="0" smtClean="0"/>
-              <a:t>ÁRIO, POIS CVM JÁ FOI MENCIONADA</a:t>
-            </a:r>
-            <a:endParaRPr lang="pt-BR" dirty="0"/>
+            <a:endParaRPr lang="pt-BR"/>
           </a:p>
         </p:txBody>
       </p:sp>
@@ -6607,7 +6215,7 @@
           <a:p>
             <a:r>
               <a:rPr lang="pt-BR" dirty="0" smtClean="0"/>
-              <a:t>NCB</a:t>
+              <a:t>CVM</a:t>
             </a:r>
             <a:endParaRPr lang="pt-BR" dirty="0"/>
           </a:p>
@@ -6620,10 +6228,15 @@
             <a:spLocks noGrp="1"/>
           </p:cNvSpPr>
           <p:nvPr>
-            <p:ph idx="1"/>
-          </p:nvPr>
-        </p:nvSpPr>
-        <p:spPr/>
+            <p:ph idx="4294967295"/>
+          </p:nvPr>
+        </p:nvSpPr>
+        <p:spPr>
+          <a:xfrm>
+            <a:off x="-3352800" y="1752600"/>
+            <a:ext cx="8207375" cy="4270375"/>
+          </a:xfrm>
+        </p:spPr>
         <p:txBody>
           <a:bodyPr>
             <a:normAutofit/>
@@ -6632,33 +6245,26 @@
           <a:p>
             <a:r>
               <a:rPr lang="pt-BR" dirty="0" smtClean="0"/>
-              <a:t>Emprega arquitetura de computa</a:t>
-            </a:r>
+              <a:t>Arquitetura</a:t>
+            </a:r>
+          </a:p>
+          <a:p>
             <a:r>
               <a:rPr lang="pt-BR" dirty="0" smtClean="0"/>
-              <a:t>ção autônoma</a:t>
+              <a:t>Detalhamento das camadas</a:t>
             </a:r>
           </a:p>
           <a:p>
             <a:r>
               <a:rPr lang="pt-BR" dirty="0" smtClean="0"/>
-              <a:t>Políticas</a:t>
-            </a:r>
+              <a:t>Modelo em CML</a:t>
+            </a:r>
+          </a:p>
+          <a:p>
             <a:endParaRPr lang="pt-BR" dirty="0" smtClean="0"/>
           </a:p>
           <a:p>
             <a:endParaRPr lang="pt-BR" dirty="0" smtClean="0"/>
-          </a:p>
-          <a:p>
-            <a:r>
-              <a:rPr lang="pt-BR" dirty="0" smtClean="0"/>
-              <a:t>TALVEZ SEJA DESNECESS</a:t>
-            </a:r>
-            <a:r>
-              <a:rPr lang="pt-BR" dirty="0" smtClean="0"/>
-              <a:t>ÁRIO, POIS CVM JÁ FOI MENCIONADA</a:t>
-            </a:r>
-            <a:endParaRPr lang="pt-BR" dirty="0"/>
           </a:p>
         </p:txBody>
       </p:sp>
@@ -6667,6 +6273,13 @@
   <p:clrMapOvr>
     <a:masterClrMapping/>
   </p:clrMapOvr>
+  <p:timing>
+    <p:tnLst>
+      <p:par>
+        <p:cTn id="1" dur="indefinite" restart="never" nodeType="tmRoot"/>
+      </p:par>
+    </p:tnLst>
+  </p:timing>
 </p:sld>
 </file>
 
@@ -6703,33 +6316,57 @@
           <a:lstStyle/>
           <a:p>
             <a:r>
+              <a:rPr lang="pt-BR" dirty="0" err="1" smtClean="0"/>
+              <a:t>MGridVM</a:t>
+            </a:r>
+            <a:endParaRPr lang="pt-BR" dirty="0"/>
+          </a:p>
+        </p:txBody>
+      </p:sp>
+      <p:sp>
+        <p:nvSpPr>
+          <p:cNvPr id="3" name="Content Placeholder 2"/>
+          <p:cNvSpPr>
+            <a:spLocks noGrp="1"/>
+          </p:cNvSpPr>
+          <p:nvPr>
+            <p:ph idx="4294967295"/>
+          </p:nvPr>
+        </p:nvSpPr>
+        <p:spPr>
+          <a:xfrm>
+            <a:off x="-3352800" y="1752600"/>
+            <a:ext cx="8207375" cy="4270375"/>
+          </a:xfrm>
+        </p:spPr>
+        <p:txBody>
+          <a:bodyPr>
+            <a:normAutofit/>
+          </a:bodyPr>
+          <a:lstStyle/>
+          <a:p>
+            <a:r>
               <a:rPr lang="pt-BR" dirty="0" smtClean="0"/>
-              <a:t>Computa</a:t>
-            </a:r>
+              <a:t>Arquitetura</a:t>
+            </a:r>
+          </a:p>
+          <a:p>
             <a:r>
               <a:rPr lang="pt-BR" dirty="0" smtClean="0"/>
-              <a:t>ção Autônoma</a:t>
-            </a:r>
-            <a:endParaRPr lang="pt-BR" dirty="0"/>
-          </a:p>
-        </p:txBody>
-      </p:sp>
-      <p:sp>
-        <p:nvSpPr>
-          <p:cNvPr id="3" name="Content Placeholder 2"/>
-          <p:cNvSpPr>
-            <a:spLocks noGrp="1"/>
-          </p:cNvSpPr>
-          <p:nvPr>
-            <p:ph idx="1"/>
-          </p:nvPr>
-        </p:nvSpPr>
-        <p:spPr/>
-        <p:txBody>
-          <a:bodyPr/>
-          <a:lstStyle/>
-          <a:p>
-            <a:endParaRPr lang="pt-BR"/>
+              <a:t>Detalhamento das camadas</a:t>
+            </a:r>
+          </a:p>
+          <a:p>
+            <a:r>
+              <a:rPr lang="pt-BR" dirty="0" smtClean="0"/>
+              <a:t>Modelo em CML</a:t>
+            </a:r>
+          </a:p>
+          <a:p>
+            <a:endParaRPr lang="pt-BR" dirty="0" smtClean="0"/>
+          </a:p>
+          <a:p>
+            <a:endParaRPr lang="pt-BR" dirty="0" smtClean="0"/>
           </a:p>
         </p:txBody>
       </p:sp>
@@ -6738,6 +6375,13 @@
   <p:clrMapOvr>
     <a:masterClrMapping/>
   </p:clrMapOvr>
+  <p:timing>
+    <p:tnLst>
+      <p:par>
+        <p:cTn id="1" dur="indefinite" restart="never" nodeType="tmRoot"/>
+      </p:par>
+    </p:tnLst>
+  </p:timing>
 </p:sld>
 </file>
 
@@ -6775,32 +6419,54 @@
           <a:p>
             <a:r>
               <a:rPr lang="pt-BR" dirty="0" smtClean="0"/>
-              <a:t>Pol</a:t>
-            </a:r>
+              <a:t>NCB</a:t>
+            </a:r>
+            <a:endParaRPr lang="pt-BR" dirty="0"/>
+          </a:p>
+        </p:txBody>
+      </p:sp>
+      <p:sp>
+        <p:nvSpPr>
+          <p:cNvPr id="3" name="Content Placeholder 2"/>
+          <p:cNvSpPr>
+            <a:spLocks noGrp="1"/>
+          </p:cNvSpPr>
+          <p:nvPr>
+            <p:ph idx="4294967295"/>
+          </p:nvPr>
+        </p:nvSpPr>
+        <p:spPr>
+          <a:xfrm>
+            <a:off x="-3352800" y="1752600"/>
+            <a:ext cx="8207375" cy="4270375"/>
+          </a:xfrm>
+        </p:spPr>
+        <p:txBody>
+          <a:bodyPr>
+            <a:normAutofit/>
+          </a:bodyPr>
+          <a:lstStyle/>
+          <a:p>
             <a:r>
               <a:rPr lang="pt-BR" dirty="0" smtClean="0"/>
-              <a:t>íticas</a:t>
+              <a:t>Emprega arquitetura de computação autônoma</a:t>
+            </a:r>
+          </a:p>
+          <a:p>
+            <a:r>
+              <a:rPr lang="pt-BR" dirty="0" smtClean="0"/>
+              <a:t>Políticas</a:t>
+            </a:r>
+          </a:p>
+          <a:p>
+            <a:endParaRPr lang="pt-BR" dirty="0" smtClean="0"/>
+          </a:p>
+          <a:p>
+            <a:r>
+              <a:rPr lang="pt-BR" dirty="0" smtClean="0"/>
+              <a:t>TALVEZ SEJA DESNECESSÁRIO, POIS CVM JÁ FOI MENCIONADA</a:t>
             </a:r>
             <a:endParaRPr lang="pt-BR" dirty="0"/>
-          </a:p>
-        </p:txBody>
-      </p:sp>
-      <p:sp>
-        <p:nvSpPr>
-          <p:cNvPr id="3" name="Content Placeholder 2"/>
-          <p:cNvSpPr>
-            <a:spLocks noGrp="1"/>
-          </p:cNvSpPr>
-          <p:nvPr>
-            <p:ph idx="1"/>
-          </p:nvPr>
-        </p:nvSpPr>
-        <p:spPr/>
-        <p:txBody>
-          <a:bodyPr/>
-          <a:lstStyle/>
-          <a:p>
-            <a:endParaRPr lang="pt-BR"/>
           </a:p>
         </p:txBody>
       </p:sp>
@@ -6809,6 +6475,13 @@
   <p:clrMapOvr>
     <a:masterClrMapping/>
   </p:clrMapOvr>
+  <p:timing>
+    <p:tnLst>
+      <p:par>
+        <p:cTn id="1" dur="indefinite" restart="never" nodeType="tmRoot"/>
+      </p:par>
+    </p:tnLst>
+  </p:timing>
 </p:sld>
 </file>
 
@@ -6841,18 +6514,12 @@
         </p:nvSpPr>
         <p:spPr/>
         <p:txBody>
-          <a:bodyPr>
-            <a:normAutofit fontScale="90000"/>
-          </a:bodyPr>
+          <a:bodyPr/>
           <a:lstStyle/>
           <a:p>
             <a:r>
               <a:rPr lang="pt-BR" dirty="0" smtClean="0"/>
-              <a:t>Abordagem dirigida por modelos para constru</a:t>
-            </a:r>
-            <a:r>
-              <a:rPr lang="pt-BR" dirty="0" smtClean="0"/>
-              <a:t>ção de máquinas de execução</a:t>
+              <a:t>Computação Autônoma</a:t>
             </a:r>
             <a:endParaRPr lang="pt-BR" dirty="0"/>
           </a:p>
@@ -6865,10 +6532,15 @@
             <a:spLocks noGrp="1"/>
           </p:cNvSpPr>
           <p:nvPr>
-            <p:ph idx="1"/>
-          </p:nvPr>
-        </p:nvSpPr>
-        <p:spPr/>
+            <p:ph idx="4294967295"/>
+          </p:nvPr>
+        </p:nvSpPr>
+        <p:spPr>
+          <a:xfrm>
+            <a:off x="-3352800" y="1752600"/>
+            <a:ext cx="8207375" cy="4270375"/>
+          </a:xfrm>
+        </p:spPr>
         <p:txBody>
           <a:bodyPr/>
           <a:lstStyle/>
@@ -6882,6 +6554,92 @@
   <p:clrMapOvr>
     <a:masterClrMapping/>
   </p:clrMapOvr>
+  <p:timing>
+    <p:tnLst>
+      <p:par>
+        <p:cTn id="1" dur="indefinite" restart="never" nodeType="tmRoot"/>
+      </p:par>
+    </p:tnLst>
+  </p:timing>
+</p:sld>
+</file>
+
+<file path=ppt/slides/slide19.xml><?xml version="1.0" encoding="utf-8"?>
+<p:sld xmlns:a="http://schemas.openxmlformats.org/drawingml/2006/main" xmlns:r="http://schemas.openxmlformats.org/officeDocument/2006/relationships" xmlns:mc="http://schemas.openxmlformats.org/markup-compatibility/2006" xmlns:mv="urn:schemas-microsoft-com:mac:vml" xmlns:p="http://schemas.openxmlformats.org/presentationml/2006/main" mc:Ignorable="mv" mc:PreserveAttributes="mv:*">
+  <p:cSld>
+    <p:spTree>
+      <p:nvGrpSpPr>
+        <p:cNvPr id="1" name=""/>
+        <p:cNvGrpSpPr/>
+        <p:nvPr/>
+      </p:nvGrpSpPr>
+      <p:grpSpPr>
+        <a:xfrm>
+          <a:off x="0" y="0"/>
+          <a:ext cx="0" cy="0"/>
+          <a:chOff x="0" y="0"/>
+          <a:chExt cx="0" cy="0"/>
+        </a:xfrm>
+      </p:grpSpPr>
+      <p:sp>
+        <p:nvSpPr>
+          <p:cNvPr id="2" name="Title 1"/>
+          <p:cNvSpPr>
+            <a:spLocks noGrp="1"/>
+          </p:cNvSpPr>
+          <p:nvPr>
+            <p:ph type="title"/>
+          </p:nvPr>
+        </p:nvSpPr>
+        <p:spPr/>
+        <p:txBody>
+          <a:bodyPr/>
+          <a:lstStyle/>
+          <a:p>
+            <a:r>
+              <a:rPr lang="pt-BR" dirty="0" smtClean="0"/>
+              <a:t>Políticas</a:t>
+            </a:r>
+            <a:endParaRPr lang="pt-BR" dirty="0"/>
+          </a:p>
+        </p:txBody>
+      </p:sp>
+      <p:sp>
+        <p:nvSpPr>
+          <p:cNvPr id="3" name="Content Placeholder 2"/>
+          <p:cNvSpPr>
+            <a:spLocks noGrp="1"/>
+          </p:cNvSpPr>
+          <p:nvPr>
+            <p:ph idx="4294967295"/>
+          </p:nvPr>
+        </p:nvSpPr>
+        <p:spPr>
+          <a:xfrm>
+            <a:off x="-3352800" y="1752600"/>
+            <a:ext cx="8207375" cy="4270375"/>
+          </a:xfrm>
+        </p:spPr>
+        <p:txBody>
+          <a:bodyPr/>
+          <a:lstStyle/>
+          <a:p>
+            <a:endParaRPr lang="pt-BR" dirty="0"/>
+          </a:p>
+        </p:txBody>
+      </p:sp>
+    </p:spTree>
+  </p:cSld>
+  <p:clrMapOvr>
+    <a:masterClrMapping/>
+  </p:clrMapOvr>
+  <p:timing>
+    <p:tnLst>
+      <p:par>
+        <p:cTn id="1" dur="indefinite" restart="never" nodeType="tmRoot"/>
+      </p:par>
+    </p:tnLst>
+  </p:timing>
 </p:sld>
 </file>
 
@@ -6919,11 +6677,7 @@
           <a:p>
             <a:r>
               <a:rPr lang="pt-BR" dirty="0" smtClean="0"/>
-              <a:t>Motiva</a:t>
-            </a:r>
-            <a:r>
-              <a:rPr lang="pt-BR" dirty="0" smtClean="0"/>
-              <a:t>ção</a:t>
+              <a:t>Agenda</a:t>
             </a:r>
             <a:endParaRPr lang="pt-BR" dirty="0"/>
           </a:p>
@@ -6936,66 +6690,20 @@
             <a:spLocks noGrp="1"/>
           </p:cNvSpPr>
           <p:nvPr>
-            <p:ph idx="1"/>
-          </p:nvPr>
-        </p:nvSpPr>
-        <p:spPr/>
+            <p:ph idx="4294967295"/>
+          </p:nvPr>
+        </p:nvSpPr>
+        <p:spPr>
+          <a:xfrm>
+            <a:off x="-3352800" y="1752600"/>
+            <a:ext cx="8207375" cy="4270375"/>
+          </a:xfrm>
+        </p:spPr>
         <p:txBody>
           <a:bodyPr/>
           <a:lstStyle/>
           <a:p>
-            <a:r>
-              <a:rPr lang="pt-BR" dirty="0" smtClean="0"/>
-              <a:t>Complexidade no desenvolvimento de aplica</a:t>
-            </a:r>
-            <a:r>
-              <a:rPr lang="pt-BR" dirty="0" smtClean="0"/>
-              <a:t>ções atuais</a:t>
-            </a:r>
-          </a:p>
-          <a:p>
-            <a:pPr lvl="1"/>
-            <a:r>
-              <a:rPr lang="pt-BR" dirty="0" smtClean="0"/>
-              <a:t>Ambientes distribuídos, dispositivos diversos, mobilidade, adaptabilidade, confiabilidade</a:t>
-            </a:r>
-          </a:p>
-          <a:p>
-            <a:pPr lvl="1"/>
-            <a:r>
-              <a:rPr lang="pt-BR" dirty="0" smtClean="0"/>
-              <a:t>Linguagens de programação oferecem abstrações do </a:t>
-            </a:r>
-            <a:r>
-              <a:rPr lang="pt-BR" b="1" dirty="0" smtClean="0"/>
-              <a:t>ambiente computacional</a:t>
-            </a:r>
-          </a:p>
-          <a:p>
-            <a:pPr lvl="1"/>
-            <a:r>
-              <a:rPr lang="pt-BR" dirty="0" smtClean="0"/>
-              <a:t>Distância entre o mundo do </a:t>
-            </a:r>
-            <a:r>
-              <a:rPr lang="pt-BR" b="1" dirty="0" smtClean="0"/>
-              <a:t>problema </a:t>
-            </a:r>
-            <a:r>
-              <a:rPr lang="pt-BR" dirty="0" smtClean="0"/>
-              <a:t>e o da </a:t>
-            </a:r>
-            <a:r>
-              <a:rPr lang="pt-BR" b="1" dirty="0" smtClean="0"/>
-              <a:t>solução</a:t>
-            </a:r>
-          </a:p>
-          <a:p>
-            <a:pPr lvl="2"/>
-            <a:r>
-              <a:rPr lang="pt-BR" dirty="0" smtClean="0"/>
-              <a:t>Complexidades acidentais</a:t>
-            </a:r>
+            <a:endParaRPr lang="pt-BR"/>
           </a:p>
         </p:txBody>
       </p:sp>
@@ -7004,6 +6712,2023 @@
   <p:clrMapOvr>
     <a:masterClrMapping/>
   </p:clrMapOvr>
+  <p:timing>
+    <p:tnLst>
+      <p:par>
+        <p:cTn id="1" dur="indefinite" restart="never" nodeType="tmRoot"/>
+      </p:par>
+    </p:tnLst>
+  </p:timing>
+</p:sld>
+</file>
+
+<file path=ppt/slides/slide20.xml><?xml version="1.0" encoding="utf-8"?>
+<p:sld xmlns:a="http://schemas.openxmlformats.org/drawingml/2006/main" xmlns:r="http://schemas.openxmlformats.org/officeDocument/2006/relationships" xmlns:mc="http://schemas.openxmlformats.org/markup-compatibility/2006" xmlns:mv="urn:schemas-microsoft-com:mac:vml" xmlns:p="http://schemas.openxmlformats.org/presentationml/2006/main" mc:Ignorable="mv" mc:PreserveAttributes="mv:*">
+  <p:cSld>
+    <p:spTree>
+      <p:nvGrpSpPr>
+        <p:cNvPr id="1" name=""/>
+        <p:cNvGrpSpPr/>
+        <p:nvPr/>
+      </p:nvGrpSpPr>
+      <p:grpSpPr>
+        <a:xfrm>
+          <a:off x="0" y="0"/>
+          <a:ext cx="0" cy="0"/>
+          <a:chOff x="0" y="0"/>
+          <a:chExt cx="0" cy="0"/>
+        </a:xfrm>
+      </p:grpSpPr>
+      <p:sp>
+        <p:nvSpPr>
+          <p:cNvPr id="2" name="Title 1"/>
+          <p:cNvSpPr>
+            <a:spLocks noGrp="1"/>
+          </p:cNvSpPr>
+          <p:nvPr>
+            <p:ph type="title"/>
+          </p:nvPr>
+        </p:nvSpPr>
+        <p:spPr/>
+        <p:txBody>
+          <a:bodyPr>
+            <a:normAutofit/>
+          </a:bodyPr>
+          <a:lstStyle/>
+          <a:p>
+            <a:r>
+              <a:rPr lang="pt-BR" dirty="0" smtClean="0"/>
+              <a:t>Abordagem Geral</a:t>
+            </a:r>
+            <a:endParaRPr lang="pt-BR" dirty="0"/>
+          </a:p>
+        </p:txBody>
+      </p:sp>
+      <p:sp>
+        <p:nvSpPr>
+          <p:cNvPr id="3" name="Content Placeholder 2"/>
+          <p:cNvSpPr>
+            <a:spLocks noGrp="1"/>
+          </p:cNvSpPr>
+          <p:nvPr>
+            <p:ph idx="4294967295"/>
+          </p:nvPr>
+        </p:nvSpPr>
+        <p:spPr>
+          <a:xfrm>
+            <a:off x="-3352800" y="1752600"/>
+            <a:ext cx="8207375" cy="4270375"/>
+          </a:xfrm>
+        </p:spPr>
+        <p:txBody>
+          <a:bodyPr/>
+          <a:lstStyle/>
+          <a:p>
+            <a:pPr>
+              <a:buFont typeface="Arial"/>
+              <a:buChar char="•"/>
+            </a:pPr>
+            <a:r>
+              <a:rPr lang="pt-BR" dirty="0" smtClean="0"/>
+              <a:t>Arquitetura gen</a:t>
+            </a:r>
+            <a:r>
+              <a:rPr lang="pt-BR" dirty="0" smtClean="0"/>
+              <a:t>érica para Máquinas de Execução de </a:t>
+            </a:r>
+            <a:r>
+              <a:rPr lang="pt-BR" dirty="0" err="1" smtClean="0"/>
+              <a:t>DSMLs</a:t>
+            </a:r>
+            <a:endParaRPr lang="pt-BR" dirty="0" smtClean="0"/>
+          </a:p>
+          <a:p>
+            <a:pPr>
+              <a:buFont typeface="Arial"/>
+              <a:buChar char="•"/>
+            </a:pPr>
+            <a:endParaRPr lang="pt-BR" dirty="0" smtClean="0"/>
+          </a:p>
+          <a:p>
+            <a:pPr>
+              <a:buFont typeface="Arial"/>
+              <a:buChar char="•"/>
+            </a:pPr>
+            <a:r>
+              <a:rPr lang="pt-BR" dirty="0" smtClean="0"/>
+              <a:t>Especialização da arquitetura por meio de modelos</a:t>
+            </a:r>
+          </a:p>
+          <a:p>
+            <a:pPr lvl="1">
+              <a:buFont typeface="Arial"/>
+              <a:buChar char="•"/>
+            </a:pPr>
+            <a:r>
+              <a:rPr lang="pt-BR" dirty="0" smtClean="0"/>
+              <a:t>Em conformidade com um </a:t>
+            </a:r>
+            <a:r>
+              <a:rPr lang="pt-BR" dirty="0" err="1" smtClean="0"/>
+              <a:t>metamodelo</a:t>
+            </a:r>
+            <a:endParaRPr lang="pt-BR" dirty="0" smtClean="0"/>
+          </a:p>
+        </p:txBody>
+      </p:sp>
+    </p:spTree>
+  </p:cSld>
+  <p:clrMapOvr>
+    <a:masterClrMapping/>
+  </p:clrMapOvr>
+  <p:timing>
+    <p:tnLst>
+      <p:par>
+        <p:cTn id="1" dur="indefinite" restart="never" nodeType="tmRoot"/>
+      </p:par>
+    </p:tnLst>
+  </p:timing>
+</p:sld>
+</file>
+
+<file path=ppt/slides/slide21.xml><?xml version="1.0" encoding="utf-8"?>
+<p:sld xmlns:a="http://schemas.openxmlformats.org/drawingml/2006/main" xmlns:r="http://schemas.openxmlformats.org/officeDocument/2006/relationships" xmlns:mc="http://schemas.openxmlformats.org/markup-compatibility/2006" xmlns:mv="urn:schemas-microsoft-com:mac:vml" xmlns:p="http://schemas.openxmlformats.org/presentationml/2006/main" mc:Ignorable="mv" mc:PreserveAttributes="mv:*">
+  <p:cSld>
+    <p:spTree>
+      <p:nvGrpSpPr>
+        <p:cNvPr id="1" name=""/>
+        <p:cNvGrpSpPr/>
+        <p:nvPr/>
+      </p:nvGrpSpPr>
+      <p:grpSpPr>
+        <a:xfrm>
+          <a:off x="0" y="0"/>
+          <a:ext cx="0" cy="0"/>
+          <a:chOff x="0" y="0"/>
+          <a:chExt cx="0" cy="0"/>
+        </a:xfrm>
+      </p:grpSpPr>
+      <p:sp>
+        <p:nvSpPr>
+          <p:cNvPr id="2" name="Title 1"/>
+          <p:cNvSpPr>
+            <a:spLocks noGrp="1"/>
+          </p:cNvSpPr>
+          <p:nvPr>
+            <p:ph type="title"/>
+          </p:nvPr>
+        </p:nvSpPr>
+        <p:spPr/>
+        <p:txBody>
+          <a:bodyPr/>
+          <a:lstStyle/>
+          <a:p>
+            <a:r>
+              <a:rPr lang="pt-BR" dirty="0" smtClean="0"/>
+              <a:t>Arquitetura Gen</a:t>
+            </a:r>
+            <a:r>
+              <a:rPr lang="pt-BR" dirty="0" smtClean="0"/>
+              <a:t>érica</a:t>
+            </a:r>
+            <a:endParaRPr lang="pt-BR" dirty="0"/>
+          </a:p>
+        </p:txBody>
+      </p:sp>
+      <p:sp>
+        <p:nvSpPr>
+          <p:cNvPr id="5" name="Content Placeholder 4"/>
+          <p:cNvSpPr>
+            <a:spLocks noGrp="1"/>
+          </p:cNvSpPr>
+          <p:nvPr>
+            <p:ph idx="4294967295"/>
+          </p:nvPr>
+        </p:nvSpPr>
+        <p:spPr>
+          <a:xfrm>
+            <a:off x="3048000" y="1752600"/>
+            <a:ext cx="5627687" cy="4270375"/>
+          </a:xfrm>
+        </p:spPr>
+        <p:txBody>
+          <a:bodyPr/>
+          <a:lstStyle/>
+          <a:p>
+            <a:pPr marL="0" indent="0">
+              <a:spcBef>
+                <a:spcPts val="0"/>
+              </a:spcBef>
+              <a:spcAft>
+                <a:spcPts val="1200"/>
+              </a:spcAft>
+            </a:pPr>
+            <a:r>
+              <a:rPr lang="pt-BR" sz="2400" b="1" dirty="0" smtClean="0"/>
+              <a:t>UI</a:t>
+            </a:r>
+            <a:r>
+              <a:rPr lang="pt-BR" sz="2400" dirty="0" smtClean="0"/>
+              <a:t> – interface com o usu</a:t>
+            </a:r>
+            <a:r>
+              <a:rPr lang="pt-BR" sz="2400" dirty="0" smtClean="0"/>
+              <a:t>ário/aplicação; </a:t>
+            </a:r>
+            <a:r>
+              <a:rPr lang="pt-BR" sz="2400" dirty="0" smtClean="0"/>
+              <a:t>constru</a:t>
+            </a:r>
+            <a:r>
+              <a:rPr lang="pt-BR" sz="2400" dirty="0" smtClean="0"/>
+              <a:t>ção e gerenciamento de modelos</a:t>
+            </a:r>
+          </a:p>
+          <a:p>
+            <a:pPr marL="0" indent="0">
+              <a:spcBef>
+                <a:spcPts val="0"/>
+              </a:spcBef>
+              <a:spcAft>
+                <a:spcPts val="1200"/>
+              </a:spcAft>
+            </a:pPr>
+            <a:r>
+              <a:rPr lang="pt-BR" sz="2400" b="1" dirty="0" smtClean="0"/>
+              <a:t>SE</a:t>
+            </a:r>
+            <a:r>
+              <a:rPr lang="pt-BR" sz="2400" dirty="0" smtClean="0"/>
+              <a:t> – transformação de modelos declarativos em </a:t>
+            </a:r>
+            <a:r>
+              <a:rPr lang="pt-BR" sz="2400" i="1" dirty="0" smtClean="0"/>
+              <a:t>scripts </a:t>
+            </a:r>
+            <a:r>
+              <a:rPr lang="pt-BR" sz="2400" dirty="0" smtClean="0"/>
+              <a:t>de controle</a:t>
+            </a:r>
+          </a:p>
+          <a:p>
+            <a:pPr marL="0" indent="0">
+              <a:spcBef>
+                <a:spcPts val="0"/>
+              </a:spcBef>
+              <a:spcAft>
+                <a:spcPts val="1200"/>
+              </a:spcAft>
+            </a:pPr>
+            <a:r>
+              <a:rPr lang="pt-BR" sz="2400" b="1" dirty="0" smtClean="0"/>
+              <a:t>M </a:t>
+            </a:r>
+            <a:r>
+              <a:rPr lang="pt-BR" sz="2400" dirty="0" smtClean="0"/>
+              <a:t>– execu</a:t>
+            </a:r>
+            <a:r>
+              <a:rPr lang="pt-BR" sz="2400" dirty="0" smtClean="0"/>
+              <a:t>ção dos </a:t>
+            </a:r>
+            <a:r>
+              <a:rPr lang="pt-BR" sz="2400" i="1" dirty="0" smtClean="0"/>
+              <a:t>scripts</a:t>
+            </a:r>
+            <a:r>
+              <a:rPr lang="pt-BR" sz="2400" dirty="0" smtClean="0"/>
+              <a:t>; gerenciamento dos serviços; aplicação de restrições</a:t>
+            </a:r>
+          </a:p>
+          <a:p>
+            <a:pPr marL="0" indent="0">
+              <a:spcBef>
+                <a:spcPts val="0"/>
+              </a:spcBef>
+              <a:spcAft>
+                <a:spcPts val="1200"/>
+              </a:spcAft>
+            </a:pPr>
+            <a:r>
+              <a:rPr lang="pt-BR" sz="2400" b="1" dirty="0" smtClean="0"/>
+              <a:t>SB </a:t>
+            </a:r>
+            <a:r>
+              <a:rPr lang="pt-BR" sz="2400" dirty="0" smtClean="0"/>
+              <a:t>– </a:t>
+            </a:r>
+            <a:r>
+              <a:rPr lang="pt-BR" sz="2400" dirty="0" smtClean="0"/>
+              <a:t>interface uniforme sobre os recursos; gerenciamento dos recursos</a:t>
+            </a:r>
+            <a:endParaRPr lang="pt-BR" sz="2400" dirty="0"/>
+          </a:p>
+        </p:txBody>
+      </p:sp>
+      <p:pic>
+        <p:nvPicPr>
+          <p:cNvPr id="9" name="Picture 8" descr="Untitled2.png"/>
+          <p:cNvPicPr>
+            <a:picLocks noChangeAspect="1"/>
+          </p:cNvPicPr>
+          <p:nvPr/>
+        </p:nvPicPr>
+        <p:blipFill>
+          <a:blip r:embed="rId2"/>
+          <a:stretch>
+            <a:fillRect/>
+          </a:stretch>
+        </p:blipFill>
+        <p:spPr>
+          <a:xfrm>
+            <a:off x="457200" y="1752600"/>
+            <a:ext cx="2226365" cy="4267200"/>
+          </a:xfrm>
+          <a:prstGeom prst="rect">
+            <a:avLst/>
+          </a:prstGeom>
+        </p:spPr>
+      </p:pic>
+    </p:spTree>
+  </p:cSld>
+  <p:clrMapOvr>
+    <a:masterClrMapping/>
+  </p:clrMapOvr>
+  <p:timing>
+    <p:tnLst>
+      <p:par>
+        <p:cTn id="1" dur="indefinite" restart="never" nodeType="tmRoot"/>
+      </p:par>
+    </p:tnLst>
+  </p:timing>
+</p:sld>
+</file>
+
+<file path=ppt/slides/slide22.xml><?xml version="1.0" encoding="utf-8"?>
+<p:sld xmlns:a="http://schemas.openxmlformats.org/drawingml/2006/main" xmlns:r="http://schemas.openxmlformats.org/officeDocument/2006/relationships" xmlns:mc="http://schemas.openxmlformats.org/markup-compatibility/2006" xmlns:mv="urn:schemas-microsoft-com:mac:vml" xmlns:p="http://schemas.openxmlformats.org/presentationml/2006/main" mc:Ignorable="mv" mc:PreserveAttributes="mv:*">
+  <p:cSld>
+    <p:spTree>
+      <p:nvGrpSpPr>
+        <p:cNvPr id="1" name=""/>
+        <p:cNvGrpSpPr/>
+        <p:nvPr/>
+      </p:nvGrpSpPr>
+      <p:grpSpPr>
+        <a:xfrm>
+          <a:off x="0" y="0"/>
+          <a:ext cx="0" cy="0"/>
+          <a:chOff x="0" y="0"/>
+          <a:chExt cx="0" cy="0"/>
+        </a:xfrm>
+      </p:grpSpPr>
+      <p:sp>
+        <p:nvSpPr>
+          <p:cNvPr id="2" name="Title 1"/>
+          <p:cNvSpPr>
+            <a:spLocks noGrp="1"/>
+          </p:cNvSpPr>
+          <p:nvPr>
+            <p:ph type="title"/>
+          </p:nvPr>
+        </p:nvSpPr>
+        <p:spPr/>
+        <p:txBody>
+          <a:bodyPr/>
+          <a:lstStyle/>
+          <a:p>
+            <a:r>
+              <a:rPr lang="pt-BR" dirty="0" smtClean="0"/>
+              <a:t>M</a:t>
+            </a:r>
+            <a:r>
+              <a:rPr lang="pt-BR" dirty="0" smtClean="0"/>
+              <a:t>áquinas de Execução</a:t>
+            </a:r>
+            <a:endParaRPr lang="pt-BR" dirty="0"/>
+          </a:p>
+        </p:txBody>
+      </p:sp>
+      <p:pic>
+        <p:nvPicPr>
+          <p:cNvPr id="7" name="Picture 6" descr="genericvm.png"/>
+          <p:cNvPicPr>
+            <a:picLocks noChangeAspect="1"/>
+          </p:cNvPicPr>
+          <p:nvPr/>
+        </p:nvPicPr>
+        <p:blipFill>
+          <a:blip r:embed="rId2"/>
+          <a:stretch>
+            <a:fillRect/>
+          </a:stretch>
+        </p:blipFill>
+        <p:spPr>
+          <a:xfrm>
+            <a:off x="533400" y="2057400"/>
+            <a:ext cx="1708321" cy="3200400"/>
+          </a:xfrm>
+          <a:prstGeom prst="rect">
+            <a:avLst/>
+          </a:prstGeom>
+        </p:spPr>
+      </p:pic>
+      <p:pic>
+        <p:nvPicPr>
+          <p:cNvPr id="9" name="Picture 8" descr="mgridvm (1).png"/>
+          <p:cNvPicPr>
+            <a:picLocks noChangeAspect="1"/>
+          </p:cNvPicPr>
+          <p:nvPr/>
+        </p:nvPicPr>
+        <p:blipFill>
+          <a:blip r:embed="rId3"/>
+          <a:stretch>
+            <a:fillRect/>
+          </a:stretch>
+        </p:blipFill>
+        <p:spPr>
+          <a:xfrm>
+            <a:off x="6705600" y="1600200"/>
+            <a:ext cx="1427424" cy="2252526"/>
+          </a:xfrm>
+          <a:prstGeom prst="rect">
+            <a:avLst/>
+          </a:prstGeom>
+        </p:spPr>
+      </p:pic>
+      <p:pic>
+        <p:nvPicPr>
+          <p:cNvPr id="10" name="Picture 9" descr="cvm (1).png"/>
+          <p:cNvPicPr>
+            <a:picLocks noChangeAspect="1"/>
+          </p:cNvPicPr>
+          <p:nvPr/>
+        </p:nvPicPr>
+        <p:blipFill>
+          <a:blip r:embed="rId4"/>
+          <a:stretch>
+            <a:fillRect/>
+          </a:stretch>
+        </p:blipFill>
+        <p:spPr>
+          <a:xfrm>
+            <a:off x="5943600" y="4114800"/>
+            <a:ext cx="2847305" cy="2167062"/>
+          </a:xfrm>
+          <a:prstGeom prst="rect">
+            <a:avLst/>
+          </a:prstGeom>
+        </p:spPr>
+      </p:pic>
+      <p:sp>
+        <p:nvSpPr>
+          <p:cNvPr id="11" name="Rounded Rectangle 10"/>
+          <p:cNvSpPr/>
+          <p:nvPr/>
+        </p:nvSpPr>
+        <p:spPr>
+          <a:xfrm>
+            <a:off x="4495800" y="2209800"/>
+            <a:ext cx="1219200" cy="609600"/>
+          </a:xfrm>
+          <a:prstGeom prst="roundRect">
+            <a:avLst/>
+          </a:prstGeom>
+          <a:noFill/>
+          <a:ln>
+            <a:solidFill>
+              <a:schemeClr val="tx1"/>
+            </a:solidFill>
+          </a:ln>
+        </p:spPr>
+        <p:style>
+          <a:lnRef idx="1">
+            <a:schemeClr val="accent1"/>
+          </a:lnRef>
+          <a:fillRef idx="3">
+            <a:schemeClr val="accent1"/>
+          </a:fillRef>
+          <a:effectRef idx="2">
+            <a:schemeClr val="accent1"/>
+          </a:effectRef>
+          <a:fontRef idx="minor">
+            <a:schemeClr val="lt1"/>
+          </a:fontRef>
+        </p:style>
+        <p:txBody>
+          <a:bodyPr rtlCol="0" anchor="ctr"/>
+          <a:lstStyle/>
+          <a:p>
+            <a:pPr algn="ctr"/>
+            <a:r>
+              <a:rPr lang="pt-BR" sz="1400" dirty="0" err="1" smtClean="0">
+                <a:solidFill>
+                  <a:schemeClr val="tx1"/>
+                </a:solidFill>
+              </a:rPr>
+              <a:t>MGridVM</a:t>
+            </a:r>
+            <a:endParaRPr lang="pt-BR" sz="1400" dirty="0" smtClean="0">
+              <a:solidFill>
+                <a:schemeClr val="tx1"/>
+              </a:solidFill>
+            </a:endParaRPr>
+          </a:p>
+          <a:p>
+            <a:pPr algn="ctr"/>
+            <a:r>
+              <a:rPr lang="pt-BR" sz="1400" dirty="0" smtClean="0">
+                <a:solidFill>
+                  <a:schemeClr val="tx1"/>
+                </a:solidFill>
+              </a:rPr>
+              <a:t>EE </a:t>
+            </a:r>
+            <a:r>
+              <a:rPr lang="pt-BR" sz="1400" dirty="0" err="1" smtClean="0">
+                <a:solidFill>
+                  <a:schemeClr val="tx1"/>
+                </a:solidFill>
+              </a:rPr>
+              <a:t>Model</a:t>
+            </a:r>
+            <a:endParaRPr lang="pt-BR" sz="1400" dirty="0" smtClean="0">
+              <a:solidFill>
+                <a:schemeClr val="tx1"/>
+              </a:solidFill>
+            </a:endParaRPr>
+          </a:p>
+        </p:txBody>
+      </p:sp>
+      <p:sp>
+        <p:nvSpPr>
+          <p:cNvPr id="12" name="Rounded Rectangle 11"/>
+          <p:cNvSpPr/>
+          <p:nvPr/>
+        </p:nvSpPr>
+        <p:spPr>
+          <a:xfrm>
+            <a:off x="4495800" y="4724400"/>
+            <a:ext cx="1219200" cy="609600"/>
+          </a:xfrm>
+          <a:prstGeom prst="roundRect">
+            <a:avLst/>
+          </a:prstGeom>
+          <a:noFill/>
+          <a:ln>
+            <a:solidFill>
+              <a:schemeClr val="tx1"/>
+            </a:solidFill>
+          </a:ln>
+        </p:spPr>
+        <p:style>
+          <a:lnRef idx="1">
+            <a:schemeClr val="accent1"/>
+          </a:lnRef>
+          <a:fillRef idx="3">
+            <a:schemeClr val="accent1"/>
+          </a:fillRef>
+          <a:effectRef idx="2">
+            <a:schemeClr val="accent1"/>
+          </a:effectRef>
+          <a:fontRef idx="minor">
+            <a:schemeClr val="lt1"/>
+          </a:fontRef>
+        </p:style>
+        <p:txBody>
+          <a:bodyPr rtlCol="0" anchor="ctr"/>
+          <a:lstStyle/>
+          <a:p>
+            <a:pPr algn="ctr"/>
+            <a:r>
+              <a:rPr lang="pt-BR" sz="1400" dirty="0" smtClean="0">
+                <a:solidFill>
+                  <a:schemeClr val="tx1"/>
+                </a:solidFill>
+              </a:rPr>
+              <a:t>CVM</a:t>
+            </a:r>
+          </a:p>
+          <a:p>
+            <a:pPr algn="ctr"/>
+            <a:r>
+              <a:rPr lang="pt-BR" sz="1400" dirty="0" smtClean="0">
+                <a:solidFill>
+                  <a:schemeClr val="tx1"/>
+                </a:solidFill>
+              </a:rPr>
+              <a:t>EE </a:t>
+            </a:r>
+            <a:r>
+              <a:rPr lang="pt-BR" sz="1400" dirty="0" err="1" smtClean="0">
+                <a:solidFill>
+                  <a:schemeClr val="tx1"/>
+                </a:solidFill>
+              </a:rPr>
+              <a:t>Model</a:t>
+            </a:r>
+            <a:endParaRPr lang="pt-BR" sz="1400" dirty="0" smtClean="0">
+              <a:solidFill>
+                <a:schemeClr val="tx1"/>
+              </a:solidFill>
+            </a:endParaRPr>
+          </a:p>
+        </p:txBody>
+      </p:sp>
+      <p:sp>
+        <p:nvSpPr>
+          <p:cNvPr id="13" name="Rounded Rectangle 12"/>
+          <p:cNvSpPr/>
+          <p:nvPr/>
+        </p:nvSpPr>
+        <p:spPr>
+          <a:xfrm>
+            <a:off x="2438400" y="3319338"/>
+            <a:ext cx="1295400" cy="609600"/>
+          </a:xfrm>
+          <a:prstGeom prst="roundRect">
+            <a:avLst/>
+          </a:prstGeom>
+          <a:noFill/>
+          <a:ln>
+            <a:solidFill>
+              <a:schemeClr val="tx1"/>
+            </a:solidFill>
+          </a:ln>
+        </p:spPr>
+        <p:style>
+          <a:lnRef idx="1">
+            <a:schemeClr val="accent1"/>
+          </a:lnRef>
+          <a:fillRef idx="3">
+            <a:schemeClr val="accent1"/>
+          </a:fillRef>
+          <a:effectRef idx="2">
+            <a:schemeClr val="accent1"/>
+          </a:effectRef>
+          <a:fontRef idx="minor">
+            <a:schemeClr val="lt1"/>
+          </a:fontRef>
+        </p:style>
+        <p:txBody>
+          <a:bodyPr rtlCol="0" anchor="ctr"/>
+          <a:lstStyle/>
+          <a:p>
+            <a:pPr algn="ctr"/>
+            <a:r>
+              <a:rPr lang="pt-BR" sz="1400" dirty="0" smtClean="0">
+                <a:solidFill>
+                  <a:schemeClr val="tx1"/>
+                </a:solidFill>
+              </a:rPr>
+              <a:t>EE </a:t>
+            </a:r>
+            <a:r>
+              <a:rPr lang="pt-BR" sz="1400" dirty="0" err="1" smtClean="0">
+                <a:solidFill>
+                  <a:schemeClr val="tx1"/>
+                </a:solidFill>
+              </a:rPr>
+              <a:t>MetaModel</a:t>
+            </a:r>
+            <a:endParaRPr lang="pt-BR" sz="1400" dirty="0" smtClean="0">
+              <a:solidFill>
+                <a:schemeClr val="tx1"/>
+              </a:solidFill>
+            </a:endParaRPr>
+          </a:p>
+        </p:txBody>
+      </p:sp>
+      <p:cxnSp>
+        <p:nvCxnSpPr>
+          <p:cNvPr id="14" name="Elbow Connector 17"/>
+          <p:cNvCxnSpPr>
+            <a:stCxn id="11" idx="1"/>
+            <a:endCxn id="13" idx="0"/>
+          </p:cNvCxnSpPr>
+          <p:nvPr/>
+        </p:nvCxnSpPr>
+        <p:spPr>
+          <a:xfrm rot="10800000" flipV="1">
+            <a:off x="3086100" y="2514600"/>
+            <a:ext cx="1409700" cy="804738"/>
+          </a:xfrm>
+          <a:prstGeom prst="bentConnector2">
+            <a:avLst/>
+          </a:prstGeom>
+          <a:ln w="12700">
+            <a:solidFill>
+              <a:schemeClr val="tx1"/>
+            </a:solidFill>
+            <a:prstDash val="dash"/>
+            <a:tailEnd type="arrow"/>
+          </a:ln>
+          <a:effectLst/>
+        </p:spPr>
+        <p:style>
+          <a:lnRef idx="2">
+            <a:schemeClr val="accent1"/>
+          </a:lnRef>
+          <a:fillRef idx="0">
+            <a:schemeClr val="accent1"/>
+          </a:fillRef>
+          <a:effectRef idx="1">
+            <a:schemeClr val="accent1"/>
+          </a:effectRef>
+          <a:fontRef idx="minor">
+            <a:schemeClr val="tx1"/>
+          </a:fontRef>
+        </p:style>
+      </p:cxnSp>
+      <p:cxnSp>
+        <p:nvCxnSpPr>
+          <p:cNvPr id="15" name="Shape 14"/>
+          <p:cNvCxnSpPr>
+            <a:stCxn id="12" idx="1"/>
+            <a:endCxn id="13" idx="2"/>
+          </p:cNvCxnSpPr>
+          <p:nvPr/>
+        </p:nvCxnSpPr>
+        <p:spPr>
+          <a:xfrm rot="10800000">
+            <a:off x="3086100" y="3928938"/>
+            <a:ext cx="1409700" cy="1100262"/>
+          </a:xfrm>
+          <a:prstGeom prst="bentConnector2">
+            <a:avLst/>
+          </a:prstGeom>
+          <a:ln w="12700">
+            <a:solidFill>
+              <a:schemeClr val="tx1"/>
+            </a:solidFill>
+            <a:prstDash val="dash"/>
+            <a:tailEnd type="arrow"/>
+          </a:ln>
+          <a:effectLst/>
+        </p:spPr>
+        <p:style>
+          <a:lnRef idx="2">
+            <a:schemeClr val="accent1"/>
+          </a:lnRef>
+          <a:fillRef idx="0">
+            <a:schemeClr val="accent1"/>
+          </a:fillRef>
+          <a:effectRef idx="1">
+            <a:schemeClr val="accent1"/>
+          </a:effectRef>
+          <a:fontRef idx="minor">
+            <a:schemeClr val="tx1"/>
+          </a:fontRef>
+        </p:style>
+      </p:cxnSp>
+      <p:sp>
+        <p:nvSpPr>
+          <p:cNvPr id="16" name="TextBox 15"/>
+          <p:cNvSpPr txBox="1"/>
+          <p:nvPr/>
+        </p:nvSpPr>
+        <p:spPr>
+          <a:xfrm>
+            <a:off x="3048000" y="5145939"/>
+            <a:ext cx="1249060" cy="276999"/>
+          </a:xfrm>
+          <a:prstGeom prst="rect">
+            <a:avLst/>
+          </a:prstGeom>
+          <a:noFill/>
+        </p:spPr>
+        <p:txBody>
+          <a:bodyPr wrap="none" rtlCol="0">
+            <a:spAutoFit/>
+          </a:bodyPr>
+          <a:lstStyle/>
+          <a:p>
+            <a:r>
+              <a:rPr lang="pt-BR" sz="1200" dirty="0" smtClean="0"/>
+              <a:t>&lt;&lt;</a:t>
+            </a:r>
+            <a:r>
+              <a:rPr lang="pt-BR" sz="1200" dirty="0" err="1" smtClean="0"/>
+              <a:t>conforms</a:t>
+            </a:r>
+            <a:r>
+              <a:rPr lang="pt-BR" sz="1200" dirty="0" smtClean="0"/>
+              <a:t> to&gt;&gt;</a:t>
+            </a:r>
+            <a:endParaRPr lang="pt-BR" sz="1200" dirty="0"/>
+          </a:p>
+        </p:txBody>
+      </p:sp>
+      <p:sp>
+        <p:nvSpPr>
+          <p:cNvPr id="17" name="TextBox 16"/>
+          <p:cNvSpPr txBox="1"/>
+          <p:nvPr/>
+        </p:nvSpPr>
+        <p:spPr>
+          <a:xfrm>
+            <a:off x="3124200" y="2071300"/>
+            <a:ext cx="1249060" cy="276999"/>
+          </a:xfrm>
+          <a:prstGeom prst="rect">
+            <a:avLst/>
+          </a:prstGeom>
+          <a:noFill/>
+        </p:spPr>
+        <p:txBody>
+          <a:bodyPr wrap="none" rtlCol="0">
+            <a:spAutoFit/>
+          </a:bodyPr>
+          <a:lstStyle/>
+          <a:p>
+            <a:r>
+              <a:rPr lang="pt-BR" sz="1200" dirty="0" smtClean="0"/>
+              <a:t>&lt;&lt;</a:t>
+            </a:r>
+            <a:r>
+              <a:rPr lang="pt-BR" sz="1200" dirty="0" err="1" smtClean="0"/>
+              <a:t>conforms</a:t>
+            </a:r>
+            <a:r>
+              <a:rPr lang="pt-BR" sz="1200" dirty="0" smtClean="0"/>
+              <a:t> to&gt;&gt;</a:t>
+            </a:r>
+            <a:endParaRPr lang="pt-BR" sz="1200" dirty="0"/>
+          </a:p>
+        </p:txBody>
+      </p:sp>
+    </p:spTree>
+  </p:cSld>
+  <p:clrMapOvr>
+    <a:masterClrMapping/>
+  </p:clrMapOvr>
+  <p:timing>
+    <p:tnLst>
+      <p:par>
+        <p:cTn id="1" dur="indefinite" restart="never" nodeType="tmRoot"/>
+      </p:par>
+    </p:tnLst>
+  </p:timing>
+</p:sld>
+</file>
+
+<file path=ppt/slides/slide23.xml><?xml version="1.0" encoding="utf-8"?>
+<p:sld xmlns:a="http://schemas.openxmlformats.org/drawingml/2006/main" xmlns:r="http://schemas.openxmlformats.org/officeDocument/2006/relationships" xmlns:mc="http://schemas.openxmlformats.org/markup-compatibility/2006" xmlns:mv="urn:schemas-microsoft-com:mac:vml" xmlns:p="http://schemas.openxmlformats.org/presentationml/2006/main" mc:Ignorable="mv" mc:PreserveAttributes="mv:*">
+  <p:cSld>
+    <p:spTree>
+      <p:nvGrpSpPr>
+        <p:cNvPr id="1" name=""/>
+        <p:cNvGrpSpPr/>
+        <p:nvPr/>
+      </p:nvGrpSpPr>
+      <p:grpSpPr>
+        <a:xfrm>
+          <a:off x="0" y="0"/>
+          <a:ext cx="0" cy="0"/>
+          <a:chOff x="0" y="0"/>
+          <a:chExt cx="0" cy="0"/>
+        </a:xfrm>
+      </p:grpSpPr>
+      <p:sp>
+        <p:nvSpPr>
+          <p:cNvPr id="2" name="Title 1"/>
+          <p:cNvSpPr>
+            <a:spLocks noGrp="1"/>
+          </p:cNvSpPr>
+          <p:nvPr>
+            <p:ph type="title"/>
+          </p:nvPr>
+        </p:nvSpPr>
+        <p:spPr/>
+        <p:txBody>
+          <a:bodyPr/>
+          <a:lstStyle/>
+          <a:p>
+            <a:r>
+              <a:rPr lang="pt-BR" dirty="0" smtClean="0"/>
+              <a:t>Perspectiva de </a:t>
+            </a:r>
+            <a:r>
+              <a:rPr lang="pt-BR" dirty="0" err="1" smtClean="0"/>
+              <a:t>DSMLs</a:t>
+            </a:r>
+            <a:endParaRPr lang="pt-BR" dirty="0"/>
+          </a:p>
+        </p:txBody>
+      </p:sp>
+      <p:sp>
+        <p:nvSpPr>
+          <p:cNvPr id="8" name="TextBox 7"/>
+          <p:cNvSpPr txBox="1"/>
+          <p:nvPr/>
+        </p:nvSpPr>
+        <p:spPr>
+          <a:xfrm>
+            <a:off x="1447800" y="2590800"/>
+            <a:ext cx="1524000" cy="830997"/>
+          </a:xfrm>
+          <a:prstGeom prst="rect">
+            <a:avLst/>
+          </a:prstGeom>
+          <a:noFill/>
+        </p:spPr>
+        <p:txBody>
+          <a:bodyPr wrap="square" rtlCol="0">
+            <a:spAutoFit/>
+          </a:bodyPr>
+          <a:lstStyle/>
+          <a:p>
+            <a:pPr algn="ctr"/>
+            <a:r>
+              <a:rPr lang="pt-BR" sz="2400" dirty="0"/>
+              <a:t>Sintaxe Concreta</a:t>
+            </a:r>
+          </a:p>
+        </p:txBody>
+      </p:sp>
+      <p:sp>
+        <p:nvSpPr>
+          <p:cNvPr id="9" name="TextBox 8"/>
+          <p:cNvSpPr txBox="1"/>
+          <p:nvPr/>
+        </p:nvSpPr>
+        <p:spPr>
+          <a:xfrm>
+            <a:off x="3048000" y="2590800"/>
+            <a:ext cx="1524000" cy="830997"/>
+          </a:xfrm>
+          <a:prstGeom prst="rect">
+            <a:avLst/>
+          </a:prstGeom>
+          <a:noFill/>
+        </p:spPr>
+        <p:txBody>
+          <a:bodyPr wrap="square" rtlCol="0">
+            <a:spAutoFit/>
+          </a:bodyPr>
+          <a:lstStyle/>
+          <a:p>
+            <a:pPr algn="ctr"/>
+            <a:r>
+              <a:rPr lang="pt-BR" sz="2400" dirty="0"/>
+              <a:t>Sintaxe Abstrata</a:t>
+            </a:r>
+          </a:p>
+        </p:txBody>
+      </p:sp>
+      <p:sp>
+        <p:nvSpPr>
+          <p:cNvPr id="10" name="TextBox 9"/>
+          <p:cNvSpPr txBox="1"/>
+          <p:nvPr/>
+        </p:nvSpPr>
+        <p:spPr>
+          <a:xfrm>
+            <a:off x="4648200" y="2590800"/>
+            <a:ext cx="1752600" cy="830997"/>
+          </a:xfrm>
+          <a:prstGeom prst="rect">
+            <a:avLst/>
+          </a:prstGeom>
+          <a:noFill/>
+        </p:spPr>
+        <p:txBody>
+          <a:bodyPr wrap="square" rtlCol="0">
+            <a:spAutoFit/>
+          </a:bodyPr>
+          <a:lstStyle/>
+          <a:p>
+            <a:pPr algn="ctr"/>
+            <a:r>
+              <a:rPr lang="pt-BR" sz="2400" dirty="0"/>
+              <a:t>Semântica Estática</a:t>
+            </a:r>
+          </a:p>
+        </p:txBody>
+      </p:sp>
+      <p:sp>
+        <p:nvSpPr>
+          <p:cNvPr id="11" name="TextBox 10"/>
+          <p:cNvSpPr txBox="1"/>
+          <p:nvPr/>
+        </p:nvSpPr>
+        <p:spPr>
+          <a:xfrm>
+            <a:off x="6477000" y="2590800"/>
+            <a:ext cx="1905000" cy="830997"/>
+          </a:xfrm>
+          <a:prstGeom prst="rect">
+            <a:avLst/>
+          </a:prstGeom>
+          <a:noFill/>
+        </p:spPr>
+        <p:txBody>
+          <a:bodyPr wrap="square" rtlCol="0">
+            <a:spAutoFit/>
+          </a:bodyPr>
+          <a:lstStyle/>
+          <a:p>
+            <a:pPr algn="ctr"/>
+            <a:r>
+              <a:rPr lang="pt-BR" sz="2400" dirty="0" smtClean="0"/>
+              <a:t>Sem</a:t>
+            </a:r>
+            <a:r>
+              <a:rPr lang="pt-BR" sz="2400" dirty="0" smtClean="0"/>
+              <a:t>ântica Dinâmica</a:t>
+            </a:r>
+            <a:endParaRPr lang="pt-BR" sz="2400" dirty="0"/>
+          </a:p>
+        </p:txBody>
+      </p:sp>
+      <p:sp>
+        <p:nvSpPr>
+          <p:cNvPr id="12" name="Rounded Rectangle 11"/>
+          <p:cNvSpPr/>
+          <p:nvPr/>
+        </p:nvSpPr>
+        <p:spPr>
+          <a:xfrm>
+            <a:off x="3810000" y="3962400"/>
+            <a:ext cx="1981200" cy="914400"/>
+          </a:xfrm>
+          <a:prstGeom prst="roundRect">
+            <a:avLst/>
+          </a:prstGeom>
+          <a:solidFill>
+            <a:srgbClr val="0B599F">
+              <a:alpha val="60000"/>
+            </a:srgbClr>
+          </a:solidFill>
+          <a:ln>
+            <a:solidFill>
+              <a:schemeClr val="accent6"/>
+            </a:solidFill>
+          </a:ln>
+        </p:spPr>
+        <p:style>
+          <a:lnRef idx="1">
+            <a:schemeClr val="accent1"/>
+          </a:lnRef>
+          <a:fillRef idx="3">
+            <a:schemeClr val="accent1"/>
+          </a:fillRef>
+          <a:effectRef idx="2">
+            <a:schemeClr val="accent1"/>
+          </a:effectRef>
+          <a:fontRef idx="minor">
+            <a:schemeClr val="lt1"/>
+          </a:fontRef>
+        </p:style>
+        <p:txBody>
+          <a:bodyPr rtlCol="0" anchor="ctr"/>
+          <a:lstStyle/>
+          <a:p>
+            <a:pPr algn="ctr"/>
+            <a:r>
+              <a:rPr lang="pt-BR" sz="2200" dirty="0" err="1" smtClean="0">
+                <a:solidFill>
+                  <a:schemeClr val="bg1"/>
+                </a:solidFill>
+              </a:rPr>
+              <a:t>Metamodel</a:t>
+            </a:r>
+            <a:endParaRPr lang="pt-BR" sz="2200" dirty="0">
+              <a:solidFill>
+                <a:schemeClr val="bg1"/>
+              </a:solidFill>
+            </a:endParaRPr>
+          </a:p>
+        </p:txBody>
+      </p:sp>
+      <p:sp>
+        <p:nvSpPr>
+          <p:cNvPr id="13" name="Rounded Rectangle 12"/>
+          <p:cNvSpPr/>
+          <p:nvPr/>
+        </p:nvSpPr>
+        <p:spPr>
+          <a:xfrm>
+            <a:off x="6477000" y="3962400"/>
+            <a:ext cx="1981200" cy="914400"/>
+          </a:xfrm>
+          <a:prstGeom prst="roundRect">
+            <a:avLst/>
+          </a:prstGeom>
+          <a:solidFill>
+            <a:srgbClr val="0B599F">
+              <a:alpha val="60000"/>
+            </a:srgbClr>
+          </a:solidFill>
+          <a:ln>
+            <a:solidFill>
+              <a:schemeClr val="accent6"/>
+            </a:solidFill>
+          </a:ln>
+        </p:spPr>
+        <p:style>
+          <a:lnRef idx="1">
+            <a:schemeClr val="accent1"/>
+          </a:lnRef>
+          <a:fillRef idx="3">
+            <a:schemeClr val="accent1"/>
+          </a:fillRef>
+          <a:effectRef idx="2">
+            <a:schemeClr val="accent1"/>
+          </a:effectRef>
+          <a:fontRef idx="minor">
+            <a:schemeClr val="lt1"/>
+          </a:fontRef>
+        </p:style>
+        <p:txBody>
+          <a:bodyPr rtlCol="0" anchor="ctr"/>
+          <a:lstStyle/>
+          <a:p>
+            <a:pPr algn="ctr"/>
+            <a:r>
+              <a:rPr lang="pt-BR" sz="2200" dirty="0">
+                <a:solidFill>
+                  <a:schemeClr val="bg1"/>
+                </a:solidFill>
+              </a:rPr>
+              <a:t>EE </a:t>
+            </a:r>
+            <a:r>
+              <a:rPr lang="pt-BR" sz="2200" dirty="0" err="1">
+                <a:solidFill>
+                  <a:schemeClr val="bg1"/>
+                </a:solidFill>
+              </a:rPr>
+              <a:t>model</a:t>
+            </a:r>
+            <a:endParaRPr lang="pt-BR" sz="2200" dirty="0">
+              <a:solidFill>
+                <a:schemeClr val="bg1"/>
+              </a:solidFill>
+            </a:endParaRPr>
+          </a:p>
+        </p:txBody>
+      </p:sp>
+      <p:sp>
+        <p:nvSpPr>
+          <p:cNvPr id="14" name="Rounded Rectangle 13"/>
+          <p:cNvSpPr/>
+          <p:nvPr/>
+        </p:nvSpPr>
+        <p:spPr>
+          <a:xfrm>
+            <a:off x="1219200" y="3962400"/>
+            <a:ext cx="1981200" cy="914400"/>
+          </a:xfrm>
+          <a:prstGeom prst="roundRect">
+            <a:avLst/>
+          </a:prstGeom>
+          <a:solidFill>
+            <a:srgbClr val="0B599F">
+              <a:alpha val="60000"/>
+            </a:srgbClr>
+          </a:solidFill>
+          <a:ln>
+            <a:solidFill>
+              <a:schemeClr val="accent6"/>
+            </a:solidFill>
+          </a:ln>
+        </p:spPr>
+        <p:style>
+          <a:lnRef idx="1">
+            <a:schemeClr val="accent1"/>
+          </a:lnRef>
+          <a:fillRef idx="3">
+            <a:schemeClr val="accent1"/>
+          </a:fillRef>
+          <a:effectRef idx="2">
+            <a:schemeClr val="accent1"/>
+          </a:effectRef>
+          <a:fontRef idx="minor">
+            <a:schemeClr val="lt1"/>
+          </a:fontRef>
+        </p:style>
+        <p:txBody>
+          <a:bodyPr rtlCol="0" anchor="ctr"/>
+          <a:lstStyle/>
+          <a:p>
+            <a:pPr algn="ctr"/>
+            <a:r>
+              <a:rPr lang="pt-BR" sz="2200" dirty="0">
+                <a:solidFill>
+                  <a:schemeClr val="bg1"/>
+                </a:solidFill>
+              </a:rPr>
+              <a:t>DSML </a:t>
+            </a:r>
+            <a:r>
+              <a:rPr lang="pt-BR" sz="2200" dirty="0" err="1">
+                <a:solidFill>
+                  <a:schemeClr val="bg1"/>
+                </a:solidFill>
+              </a:rPr>
+              <a:t>Notation</a:t>
+            </a:r>
+            <a:endParaRPr lang="pt-BR" sz="2200" dirty="0">
+              <a:solidFill>
+                <a:schemeClr val="bg1"/>
+              </a:solidFill>
+            </a:endParaRPr>
+          </a:p>
+        </p:txBody>
+      </p:sp>
+      <p:sp>
+        <p:nvSpPr>
+          <p:cNvPr id="15" name="Oval 14"/>
+          <p:cNvSpPr/>
+          <p:nvPr/>
+        </p:nvSpPr>
+        <p:spPr>
+          <a:xfrm>
+            <a:off x="990600" y="1447800"/>
+            <a:ext cx="7620000" cy="4648200"/>
+          </a:xfrm>
+          <a:prstGeom prst="ellipse">
+            <a:avLst/>
+          </a:prstGeom>
+          <a:noFill/>
+        </p:spPr>
+        <p:style>
+          <a:lnRef idx="1">
+            <a:schemeClr val="accent1"/>
+          </a:lnRef>
+          <a:fillRef idx="3">
+            <a:schemeClr val="accent1"/>
+          </a:fillRef>
+          <a:effectRef idx="2">
+            <a:schemeClr val="accent1"/>
+          </a:effectRef>
+          <a:fontRef idx="minor">
+            <a:schemeClr val="lt1"/>
+          </a:fontRef>
+        </p:style>
+        <p:txBody>
+          <a:bodyPr rtlCol="0" anchor="ctr"/>
+          <a:lstStyle/>
+          <a:p>
+            <a:pPr algn="ctr"/>
+            <a:endParaRPr lang="pt-BR"/>
+          </a:p>
+        </p:txBody>
+      </p:sp>
+      <p:sp>
+        <p:nvSpPr>
+          <p:cNvPr id="16" name="Oval 15"/>
+          <p:cNvSpPr/>
+          <p:nvPr/>
+        </p:nvSpPr>
+        <p:spPr>
+          <a:xfrm>
+            <a:off x="1066800" y="2286000"/>
+            <a:ext cx="2895600" cy="2438400"/>
+          </a:xfrm>
+          <a:prstGeom prst="ellipse">
+            <a:avLst/>
+          </a:prstGeom>
+          <a:noFill/>
+        </p:spPr>
+        <p:style>
+          <a:lnRef idx="1">
+            <a:schemeClr val="accent1"/>
+          </a:lnRef>
+          <a:fillRef idx="3">
+            <a:schemeClr val="accent1"/>
+          </a:fillRef>
+          <a:effectRef idx="2">
+            <a:schemeClr val="accent1"/>
+          </a:effectRef>
+          <a:fontRef idx="minor">
+            <a:schemeClr val="lt1"/>
+          </a:fontRef>
+        </p:style>
+        <p:txBody>
+          <a:bodyPr rtlCol="0" anchor="ctr"/>
+          <a:lstStyle/>
+          <a:p>
+            <a:pPr algn="ctr"/>
+            <a:endParaRPr lang="pt-BR"/>
+          </a:p>
+        </p:txBody>
+      </p:sp>
+    </p:spTree>
+  </p:cSld>
+  <p:clrMapOvr>
+    <a:masterClrMapping/>
+  </p:clrMapOvr>
+</p:sld>
+</file>
+
+<file path=ppt/slides/slide24.xml><?xml version="1.0" encoding="utf-8"?>
+<p:sld xmlns:a="http://schemas.openxmlformats.org/drawingml/2006/main" xmlns:r="http://schemas.openxmlformats.org/officeDocument/2006/relationships" xmlns:mc="http://schemas.openxmlformats.org/markup-compatibility/2006" xmlns:mv="urn:schemas-microsoft-com:mac:vml" xmlns:p="http://schemas.openxmlformats.org/presentationml/2006/main" mc:Ignorable="mv" mc:PreserveAttributes="mv:*">
+  <p:cSld>
+    <p:spTree>
+      <p:nvGrpSpPr>
+        <p:cNvPr id="1" name=""/>
+        <p:cNvGrpSpPr/>
+        <p:nvPr/>
+      </p:nvGrpSpPr>
+      <p:grpSpPr>
+        <a:xfrm>
+          <a:off x="0" y="0"/>
+          <a:ext cx="0" cy="0"/>
+          <a:chOff x="0" y="0"/>
+          <a:chExt cx="0" cy="0"/>
+        </a:xfrm>
+      </p:grpSpPr>
+      <p:sp>
+        <p:nvSpPr>
+          <p:cNvPr id="2" name="Title 1"/>
+          <p:cNvSpPr>
+            <a:spLocks noGrp="1"/>
+          </p:cNvSpPr>
+          <p:nvPr>
+            <p:ph type="title"/>
+          </p:nvPr>
+        </p:nvSpPr>
+        <p:spPr/>
+        <p:txBody>
+          <a:bodyPr/>
+          <a:lstStyle/>
+          <a:p>
+            <a:r>
+              <a:rPr lang="pt-BR" dirty="0" smtClean="0"/>
+              <a:t>Intermediador de Servi</a:t>
+            </a:r>
+            <a:r>
+              <a:rPr lang="pt-BR" dirty="0" smtClean="0"/>
+              <a:t>ços</a:t>
+            </a:r>
+            <a:endParaRPr lang="pt-BR" dirty="0"/>
+          </a:p>
+        </p:txBody>
+      </p:sp>
+      <p:sp>
+        <p:nvSpPr>
+          <p:cNvPr id="5" name="Content Placeholder 4"/>
+          <p:cNvSpPr>
+            <a:spLocks noGrp="1"/>
+          </p:cNvSpPr>
+          <p:nvPr>
+            <p:ph idx="4294967295"/>
+          </p:nvPr>
+        </p:nvSpPr>
+        <p:spPr>
+          <a:xfrm>
+            <a:off x="3048000" y="1752600"/>
+            <a:ext cx="5627687" cy="4270375"/>
+          </a:xfrm>
+        </p:spPr>
+        <p:txBody>
+          <a:bodyPr/>
+          <a:lstStyle/>
+          <a:p>
+            <a:pPr marL="0" indent="0">
+              <a:spcBef>
+                <a:spcPts val="0"/>
+              </a:spcBef>
+              <a:spcAft>
+                <a:spcPts val="1800"/>
+              </a:spcAft>
+            </a:pPr>
+            <a:r>
+              <a:rPr lang="pt-BR" sz="2400" dirty="0" smtClean="0"/>
+              <a:t>Neste trabalho nos limitamos </a:t>
+            </a:r>
+            <a:r>
+              <a:rPr lang="pt-BR" sz="2400" dirty="0" smtClean="0"/>
+              <a:t>à construção de parte do </a:t>
+            </a:r>
+            <a:r>
+              <a:rPr lang="pt-BR" sz="2400" dirty="0" err="1" smtClean="0"/>
+              <a:t>metamodelo</a:t>
+            </a:r>
+            <a:r>
+              <a:rPr lang="pt-BR" sz="2400" dirty="0" smtClean="0"/>
+              <a:t>:</a:t>
+            </a:r>
+          </a:p>
+          <a:p>
+            <a:pPr marL="0" indent="0" algn="ctr">
+              <a:spcBef>
+                <a:spcPts val="0"/>
+              </a:spcBef>
+              <a:spcAft>
+                <a:spcPts val="1800"/>
+              </a:spcAft>
+            </a:pPr>
+            <a:r>
+              <a:rPr lang="pt-BR" b="1" dirty="0" smtClean="0"/>
+              <a:t>Intermediador de serviços</a:t>
+            </a:r>
+          </a:p>
+          <a:p>
+            <a:pPr marL="0" indent="0">
+              <a:spcBef>
+                <a:spcPts val="0"/>
+              </a:spcBef>
+              <a:spcAft>
+                <a:spcPts val="1800"/>
+              </a:spcAft>
+            </a:pPr>
+            <a:r>
+              <a:rPr lang="pt-BR" sz="2400" dirty="0" smtClean="0"/>
+              <a:t>Responsável pelo gerenciamento dos recursos</a:t>
+            </a:r>
+          </a:p>
+          <a:p>
+            <a:pPr marL="0" indent="0">
+              <a:spcBef>
+                <a:spcPts val="0"/>
+              </a:spcBef>
+              <a:spcAft>
+                <a:spcPts val="0"/>
+              </a:spcAft>
+            </a:pPr>
+            <a:r>
+              <a:rPr lang="pt-BR" sz="2400" dirty="0" smtClean="0"/>
+              <a:t>Abstrai da camada superior detalhes da seleção, configuração e manutenção dos recursos</a:t>
+            </a:r>
+          </a:p>
+        </p:txBody>
+      </p:sp>
+      <p:pic>
+        <p:nvPicPr>
+          <p:cNvPr id="6" name="Picture 5" descr="Untitled.png"/>
+          <p:cNvPicPr>
+            <a:picLocks noChangeAspect="1"/>
+          </p:cNvPicPr>
+          <p:nvPr/>
+        </p:nvPicPr>
+        <p:blipFill>
+          <a:blip r:embed="rId2"/>
+          <a:stretch>
+            <a:fillRect/>
+          </a:stretch>
+        </p:blipFill>
+        <p:spPr>
+          <a:xfrm>
+            <a:off x="533400" y="1752600"/>
+            <a:ext cx="2286000" cy="4381500"/>
+          </a:xfrm>
+          <a:prstGeom prst="rect">
+            <a:avLst/>
+          </a:prstGeom>
+        </p:spPr>
+      </p:pic>
+    </p:spTree>
+  </p:cSld>
+  <p:clrMapOvr>
+    <a:masterClrMapping/>
+  </p:clrMapOvr>
+  <p:timing>
+    <p:tnLst>
+      <p:par>
+        <p:cTn id="1" dur="indefinite" restart="never" nodeType="tmRoot"/>
+      </p:par>
+    </p:tnLst>
+  </p:timing>
+</p:sld>
+</file>
+
+<file path=ppt/slides/slide25.xml><?xml version="1.0" encoding="utf-8"?>
+<p:sld xmlns:a="http://schemas.openxmlformats.org/drawingml/2006/main" xmlns:r="http://schemas.openxmlformats.org/officeDocument/2006/relationships" xmlns:mc="http://schemas.openxmlformats.org/markup-compatibility/2006" xmlns:mv="urn:schemas-microsoft-com:mac:vml" xmlns:p="http://schemas.openxmlformats.org/presentationml/2006/main" mc:Ignorable="mv" mc:PreserveAttributes="mv:*">
+  <p:cSld>
+    <p:spTree>
+      <p:nvGrpSpPr>
+        <p:cNvPr id="1" name=""/>
+        <p:cNvGrpSpPr/>
+        <p:nvPr/>
+      </p:nvGrpSpPr>
+      <p:grpSpPr>
+        <a:xfrm>
+          <a:off x="0" y="0"/>
+          <a:ext cx="0" cy="0"/>
+          <a:chOff x="0" y="0"/>
+          <a:chExt cx="0" cy="0"/>
+        </a:xfrm>
+      </p:grpSpPr>
+      <p:sp>
+        <p:nvSpPr>
+          <p:cNvPr id="2" name="Title 1"/>
+          <p:cNvSpPr>
+            <a:spLocks noGrp="1"/>
+          </p:cNvSpPr>
+          <p:nvPr>
+            <p:ph type="title"/>
+          </p:nvPr>
+        </p:nvSpPr>
+        <p:spPr/>
+        <p:txBody>
+          <a:bodyPr/>
+          <a:lstStyle/>
+          <a:p>
+            <a:r>
+              <a:rPr lang="pt-BR" dirty="0" err="1" smtClean="0"/>
+              <a:t>Metamodelo</a:t>
+            </a:r>
+            <a:r>
+              <a:rPr lang="pt-BR" dirty="0" smtClean="0"/>
+              <a:t> do Intermediador de Serviços</a:t>
+            </a:r>
+            <a:endParaRPr lang="pt-BR" dirty="0"/>
+          </a:p>
+        </p:txBody>
+      </p:sp>
+      <p:sp>
+        <p:nvSpPr>
+          <p:cNvPr id="3" name="Content Placeholder 2"/>
+          <p:cNvSpPr>
+            <a:spLocks noGrp="1"/>
+          </p:cNvSpPr>
+          <p:nvPr>
+            <p:ph idx="4294967295"/>
+          </p:nvPr>
+        </p:nvSpPr>
+        <p:spPr>
+          <a:xfrm>
+            <a:off x="-3352800" y="1752600"/>
+            <a:ext cx="8207375" cy="4270375"/>
+          </a:xfrm>
+        </p:spPr>
+        <p:txBody>
+          <a:bodyPr/>
+          <a:lstStyle/>
+          <a:p>
+            <a:endParaRPr lang="pt-BR" dirty="0" smtClean="0"/>
+          </a:p>
+          <a:p>
+            <a:r>
+              <a:rPr lang="pt-BR" dirty="0" smtClean="0"/>
+              <a:t>Intera</a:t>
+            </a:r>
+            <a:r>
+              <a:rPr lang="pt-BR" dirty="0" smtClean="0"/>
+              <a:t>ção do intermediador com a camada superior e com os recursos </a:t>
+            </a:r>
+            <a:r>
+              <a:rPr lang="pt-BR" dirty="0" smtClean="0"/>
+              <a:t>ocorre por meio de </a:t>
+            </a:r>
+            <a:r>
+              <a:rPr lang="pt-BR" b="1" dirty="0" smtClean="0"/>
+              <a:t>chamadas </a:t>
+            </a:r>
+            <a:r>
+              <a:rPr lang="pt-BR" dirty="0" smtClean="0"/>
+              <a:t>e </a:t>
+            </a:r>
+            <a:r>
+              <a:rPr lang="pt-BR" b="1" dirty="0" smtClean="0"/>
+              <a:t>eventos</a:t>
+            </a:r>
+          </a:p>
+          <a:p>
+            <a:endParaRPr lang="pt-BR" b="1" dirty="0" smtClean="0"/>
+          </a:p>
+        </p:txBody>
+      </p:sp>
+    </p:spTree>
+  </p:cSld>
+  <p:clrMapOvr>
+    <a:masterClrMapping/>
+  </p:clrMapOvr>
+  <p:timing>
+    <p:tnLst>
+      <p:par>
+        <p:cTn id="1" dur="indefinite" restart="never" nodeType="tmRoot"/>
+      </p:par>
+    </p:tnLst>
+  </p:timing>
+</p:sld>
+</file>
+
+<file path=ppt/slides/slide26.xml><?xml version="1.0" encoding="utf-8"?>
+<p:sld xmlns:a="http://schemas.openxmlformats.org/drawingml/2006/main" xmlns:r="http://schemas.openxmlformats.org/officeDocument/2006/relationships" xmlns:mc="http://schemas.openxmlformats.org/markup-compatibility/2006" xmlns:mv="urn:schemas-microsoft-com:mac:vml" xmlns:p="http://schemas.openxmlformats.org/presentationml/2006/main" mc:Ignorable="mv" mc:PreserveAttributes="mv:*">
+  <p:cSld>
+    <p:spTree>
+      <p:nvGrpSpPr>
+        <p:cNvPr id="1" name=""/>
+        <p:cNvGrpSpPr/>
+        <p:nvPr/>
+      </p:nvGrpSpPr>
+      <p:grpSpPr>
+        <a:xfrm>
+          <a:off x="0" y="0"/>
+          <a:ext cx="0" cy="0"/>
+          <a:chOff x="0" y="0"/>
+          <a:chExt cx="0" cy="0"/>
+        </a:xfrm>
+      </p:grpSpPr>
+      <p:sp>
+        <p:nvSpPr>
+          <p:cNvPr id="2" name="Title 1"/>
+          <p:cNvSpPr>
+            <a:spLocks noGrp="1"/>
+          </p:cNvSpPr>
+          <p:nvPr>
+            <p:ph type="title"/>
+          </p:nvPr>
+        </p:nvSpPr>
+        <p:spPr/>
+        <p:txBody>
+          <a:bodyPr/>
+          <a:lstStyle/>
+          <a:p>
+            <a:r>
+              <a:rPr lang="pt-BR" dirty="0" err="1" smtClean="0"/>
+              <a:t>Metamodelo</a:t>
+            </a:r>
+            <a:r>
+              <a:rPr lang="pt-BR" dirty="0" smtClean="0"/>
+              <a:t> do Intermediador de Serviços</a:t>
+            </a:r>
+            <a:endParaRPr lang="pt-BR" dirty="0"/>
+          </a:p>
+        </p:txBody>
+      </p:sp>
+      <p:sp>
+        <p:nvSpPr>
+          <p:cNvPr id="3" name="Content Placeholder 2"/>
+          <p:cNvSpPr>
+            <a:spLocks noGrp="1"/>
+          </p:cNvSpPr>
+          <p:nvPr>
+            <p:ph idx="4294967295"/>
+          </p:nvPr>
+        </p:nvSpPr>
+        <p:spPr>
+          <a:xfrm>
+            <a:off x="-3352800" y="1752600"/>
+            <a:ext cx="8207375" cy="4270375"/>
+          </a:xfrm>
+        </p:spPr>
+        <p:txBody>
+          <a:bodyPr/>
+          <a:lstStyle/>
+          <a:p>
+            <a:endParaRPr lang="pt-BR" dirty="0" smtClean="0"/>
+          </a:p>
+          <a:p>
+            <a:r>
+              <a:rPr lang="pt-BR" dirty="0" smtClean="0"/>
+              <a:t>Comportamento da camada </a:t>
+            </a:r>
+            <a:r>
+              <a:rPr lang="pt-BR" dirty="0" smtClean="0"/>
+              <a:t>é descrito pela forma como reage à</a:t>
+            </a:r>
+          </a:p>
+          <a:p>
+            <a:pPr>
+              <a:buFont typeface="Arial"/>
+              <a:buChar char="•"/>
+            </a:pPr>
+            <a:r>
+              <a:rPr lang="pt-BR" dirty="0" smtClean="0"/>
+              <a:t>chamadas recebidas da camada superior</a:t>
+            </a:r>
+          </a:p>
+          <a:p>
+            <a:pPr>
+              <a:buFont typeface="Arial"/>
+              <a:buChar char="•"/>
+            </a:pPr>
+            <a:r>
+              <a:rPr lang="pt-BR" dirty="0" smtClean="0"/>
+              <a:t>eventos recebidos dos recursos gerenciados</a:t>
+            </a:r>
+          </a:p>
+        </p:txBody>
+      </p:sp>
+    </p:spTree>
+  </p:cSld>
+  <p:clrMapOvr>
+    <a:masterClrMapping/>
+  </p:clrMapOvr>
+  <p:timing>
+    <p:tnLst>
+      <p:par>
+        <p:cTn id="1" dur="indefinite" restart="never" nodeType="tmRoot"/>
+      </p:par>
+    </p:tnLst>
+  </p:timing>
+</p:sld>
+</file>
+
+<file path=ppt/slides/slide27.xml><?xml version="1.0" encoding="utf-8"?>
+<p:sld xmlns:a="http://schemas.openxmlformats.org/drawingml/2006/main" xmlns:r="http://schemas.openxmlformats.org/officeDocument/2006/relationships" xmlns:mc="http://schemas.openxmlformats.org/markup-compatibility/2006" xmlns:mv="urn:schemas-microsoft-com:mac:vml" xmlns:p="http://schemas.openxmlformats.org/presentationml/2006/main" mc:Ignorable="mv" mc:PreserveAttributes="mv:*">
+  <p:cSld>
+    <p:spTree>
+      <p:nvGrpSpPr>
+        <p:cNvPr id="1" name=""/>
+        <p:cNvGrpSpPr/>
+        <p:nvPr/>
+      </p:nvGrpSpPr>
+      <p:grpSpPr>
+        <a:xfrm>
+          <a:off x="0" y="0"/>
+          <a:ext cx="0" cy="0"/>
+          <a:chOff x="0" y="0"/>
+          <a:chExt cx="0" cy="0"/>
+        </a:xfrm>
+      </p:grpSpPr>
+      <p:sp>
+        <p:nvSpPr>
+          <p:cNvPr id="2" name="Title 1"/>
+          <p:cNvSpPr>
+            <a:spLocks noGrp="1"/>
+          </p:cNvSpPr>
+          <p:nvPr>
+            <p:ph type="title"/>
+          </p:nvPr>
+        </p:nvSpPr>
+        <p:spPr/>
+        <p:txBody>
+          <a:bodyPr/>
+          <a:lstStyle/>
+          <a:p>
+            <a:r>
+              <a:rPr lang="pt-BR" dirty="0" err="1" smtClean="0"/>
+              <a:t>Metamodelo</a:t>
+            </a:r>
+            <a:r>
+              <a:rPr lang="pt-BR" dirty="0" smtClean="0"/>
+              <a:t> do Intermediador de Serviços</a:t>
+            </a:r>
+            <a:endParaRPr lang="pt-BR" dirty="0"/>
+          </a:p>
+        </p:txBody>
+      </p:sp>
+      <p:sp>
+        <p:nvSpPr>
+          <p:cNvPr id="3" name="Content Placeholder 2"/>
+          <p:cNvSpPr>
+            <a:spLocks noGrp="1"/>
+          </p:cNvSpPr>
+          <p:nvPr>
+            <p:ph idx="4294967295"/>
+          </p:nvPr>
+        </p:nvSpPr>
+        <p:spPr>
+          <a:xfrm>
+            <a:off x="-3352800" y="1752600"/>
+            <a:ext cx="8207375" cy="4270375"/>
+          </a:xfrm>
+        </p:spPr>
+        <p:txBody>
+          <a:bodyPr/>
+          <a:lstStyle/>
+          <a:p>
+            <a:r>
+              <a:rPr lang="pt-BR" b="1" dirty="0" smtClean="0"/>
+              <a:t>Recursos</a:t>
+            </a:r>
+          </a:p>
+          <a:p>
+            <a:r>
+              <a:rPr lang="pt-BR" dirty="0" smtClean="0"/>
+              <a:t>	Recursos a serem gerenciados</a:t>
+            </a:r>
+            <a:r>
+              <a:rPr lang="pt-BR" dirty="0" smtClean="0"/>
+              <a:t> pela camada e suas interfaces</a:t>
+            </a:r>
+          </a:p>
+          <a:p>
+            <a:endParaRPr lang="pt-BR" dirty="0" smtClean="0"/>
+          </a:p>
+          <a:p>
+            <a:r>
+              <a:rPr lang="pt-BR" b="1" dirty="0" smtClean="0"/>
+              <a:t>Estado</a:t>
+            </a:r>
+          </a:p>
+          <a:p>
+            <a:r>
+              <a:rPr lang="pt-BR" dirty="0" smtClean="0"/>
+              <a:t>	T</a:t>
+            </a:r>
+            <a:r>
+              <a:rPr lang="pt-BR" dirty="0" smtClean="0"/>
+              <a:t>ipos de dados devem ser mantidos pela camada em tempo de execu</a:t>
+            </a:r>
+            <a:r>
+              <a:rPr lang="pt-BR" dirty="0" smtClean="0"/>
+              <a:t>ção</a:t>
+            </a:r>
+            <a:endParaRPr lang="pt-BR" b="1" dirty="0" smtClean="0"/>
+          </a:p>
+        </p:txBody>
+      </p:sp>
+    </p:spTree>
+  </p:cSld>
+  <p:clrMapOvr>
+    <a:masterClrMapping/>
+  </p:clrMapOvr>
+  <p:timing>
+    <p:tnLst>
+      <p:par>
+        <p:cTn id="1" dur="indefinite" restart="never" nodeType="tmRoot"/>
+      </p:par>
+    </p:tnLst>
+  </p:timing>
+</p:sld>
+</file>
+
+<file path=ppt/slides/slide28.xml><?xml version="1.0" encoding="utf-8"?>
+<p:sld xmlns:a="http://schemas.openxmlformats.org/drawingml/2006/main" xmlns:r="http://schemas.openxmlformats.org/officeDocument/2006/relationships" xmlns:mc="http://schemas.openxmlformats.org/markup-compatibility/2006" xmlns:mv="urn:schemas-microsoft-com:mac:vml" xmlns:p="http://schemas.openxmlformats.org/presentationml/2006/main" mc:Ignorable="mv" mc:PreserveAttributes="mv:*">
+  <p:cSld>
+    <p:spTree>
+      <p:nvGrpSpPr>
+        <p:cNvPr id="1" name=""/>
+        <p:cNvGrpSpPr/>
+        <p:nvPr/>
+      </p:nvGrpSpPr>
+      <p:grpSpPr>
+        <a:xfrm>
+          <a:off x="0" y="0"/>
+          <a:ext cx="0" cy="0"/>
+          <a:chOff x="0" y="0"/>
+          <a:chExt cx="0" cy="0"/>
+        </a:xfrm>
+      </p:grpSpPr>
+      <p:sp>
+        <p:nvSpPr>
+          <p:cNvPr id="2" name="Title 1"/>
+          <p:cNvSpPr>
+            <a:spLocks noGrp="1"/>
+          </p:cNvSpPr>
+          <p:nvPr>
+            <p:ph type="title"/>
+          </p:nvPr>
+        </p:nvSpPr>
+        <p:spPr/>
+        <p:txBody>
+          <a:bodyPr/>
+          <a:lstStyle/>
+          <a:p>
+            <a:r>
+              <a:rPr lang="pt-BR" dirty="0" err="1" smtClean="0"/>
+              <a:t>Metamodelo</a:t>
+            </a:r>
+            <a:r>
+              <a:rPr lang="pt-BR" dirty="0" smtClean="0"/>
+              <a:t> do Intermediador de Serviços</a:t>
+            </a:r>
+            <a:endParaRPr lang="pt-BR" dirty="0"/>
+          </a:p>
+        </p:txBody>
+      </p:sp>
+      <p:sp>
+        <p:nvSpPr>
+          <p:cNvPr id="3" name="Content Placeholder 2"/>
+          <p:cNvSpPr>
+            <a:spLocks noGrp="1"/>
+          </p:cNvSpPr>
+          <p:nvPr>
+            <p:ph idx="4294967295"/>
+          </p:nvPr>
+        </p:nvSpPr>
+        <p:spPr>
+          <a:xfrm>
+            <a:off x="-3352800" y="1752600"/>
+            <a:ext cx="8207375" cy="4270375"/>
+          </a:xfrm>
+        </p:spPr>
+        <p:txBody>
+          <a:bodyPr/>
+          <a:lstStyle/>
+          <a:p>
+            <a:r>
+              <a:rPr lang="pt-BR" b="1" dirty="0" smtClean="0"/>
+              <a:t>Auto-gerenciamento</a:t>
+            </a:r>
+          </a:p>
+          <a:p>
+            <a:r>
+              <a:rPr lang="pt-BR" dirty="0" smtClean="0"/>
+              <a:t>	Monitoramento dos recursos e estado da camada</a:t>
+            </a:r>
+          </a:p>
+          <a:p>
+            <a:r>
+              <a:rPr lang="pt-BR" dirty="0" smtClean="0"/>
+              <a:t>	Políticas que determinam a seleção de recursos</a:t>
+            </a:r>
+          </a:p>
+        </p:txBody>
+      </p:sp>
+    </p:spTree>
+  </p:cSld>
+  <p:clrMapOvr>
+    <a:masterClrMapping/>
+  </p:clrMapOvr>
+  <p:timing>
+    <p:tnLst>
+      <p:par>
+        <p:cTn id="1" dur="indefinite" restart="never" nodeType="tmRoot"/>
+      </p:par>
+    </p:tnLst>
+  </p:timing>
+</p:sld>
+</file>
+
+<file path=ppt/slides/slide29.xml><?xml version="1.0" encoding="utf-8"?>
+<p:sld xmlns:a="http://schemas.openxmlformats.org/drawingml/2006/main" xmlns:r="http://schemas.openxmlformats.org/officeDocument/2006/relationships" xmlns:mc="http://schemas.openxmlformats.org/markup-compatibility/2006" xmlns:mv="urn:schemas-microsoft-com:mac:vml" xmlns:p="http://schemas.openxmlformats.org/presentationml/2006/main" mc:Ignorable="mv" mc:PreserveAttributes="mv:*">
+  <p:cSld>
+    <p:spTree>
+      <p:nvGrpSpPr>
+        <p:cNvPr id="1" name=""/>
+        <p:cNvGrpSpPr/>
+        <p:nvPr/>
+      </p:nvGrpSpPr>
+      <p:grpSpPr>
+        <a:xfrm>
+          <a:off x="0" y="0"/>
+          <a:ext cx="0" cy="0"/>
+          <a:chOff x="0" y="0"/>
+          <a:chExt cx="0" cy="0"/>
+        </a:xfrm>
+      </p:grpSpPr>
+      <p:sp>
+        <p:nvSpPr>
+          <p:cNvPr id="2" name="Title 1"/>
+          <p:cNvSpPr>
+            <a:spLocks noGrp="1"/>
+          </p:cNvSpPr>
+          <p:nvPr>
+            <p:ph type="title"/>
+          </p:nvPr>
+        </p:nvSpPr>
+        <p:spPr/>
+        <p:txBody>
+          <a:bodyPr/>
+          <a:lstStyle/>
+          <a:p>
+            <a:r>
+              <a:rPr lang="pt-BR" dirty="0" err="1" smtClean="0"/>
+              <a:t>Metamodelo</a:t>
+            </a:r>
+            <a:r>
+              <a:rPr lang="pt-BR" dirty="0" smtClean="0"/>
+              <a:t> do Intermediador de Serviços</a:t>
+            </a:r>
+            <a:endParaRPr lang="pt-BR" dirty="0"/>
+          </a:p>
+        </p:txBody>
+      </p:sp>
+      <p:pic>
+        <p:nvPicPr>
+          <p:cNvPr id="5" name="Content Placeholder 4" descr="manager2.pdf"/>
+          <p:cNvPicPr>
+            <a:picLocks noGrp="1" noChangeAspect="1"/>
+          </p:cNvPicPr>
+          <p:nvPr>
+            <p:ph idx="4294967295"/>
+          </p:nvPr>
+        </p:nvPicPr>
+        <mc:AlternateContent>
+          <mc:Choice xmlns:ma="http://schemas.microsoft.com/office/mac/drawingml/2008/main" Requires="ma">
+            <p:blipFill>
+              <a:blip r:embed="rId2"/>
+              <a:stretch>
+                <a:fillRect/>
+              </a:stretch>
+            </p:blipFill>
+          </mc:Choice>
+          <mc:Fallback>
+            <p:blipFill>
+              <a:blip r:embed="rId3"/>
+              <a:stretch>
+                <a:fillRect/>
+              </a:stretch>
+            </p:blipFill>
+          </mc:Fallback>
+        </mc:AlternateContent>
+        <p:spPr>
+          <a:xfrm>
+            <a:off x="914400" y="2057400"/>
+            <a:ext cx="7411453" cy="3657600"/>
+          </a:xfrm>
+        </p:spPr>
+      </p:pic>
+    </p:spTree>
+  </p:cSld>
+  <p:clrMapOvr>
+    <a:masterClrMapping/>
+  </p:clrMapOvr>
+  <p:timing>
+    <p:tnLst>
+      <p:par>
+        <p:cTn id="1" dur="indefinite" restart="never" nodeType="tmRoot"/>
+      </p:par>
+    </p:tnLst>
+  </p:timing>
 </p:sld>
 </file>
 
@@ -7040,12 +8765,8 @@
           <a:lstStyle/>
           <a:p>
             <a:r>
-              <a:rPr lang="pt-BR" dirty="0" smtClean="0"/>
-              <a:t>Motiva</a:t>
-            </a:r>
-            <a:r>
-              <a:rPr lang="pt-BR" dirty="0" smtClean="0"/>
-              <a:t>ção</a:t>
+              <a:rPr lang="pt-BR" smtClean="0"/>
+              <a:t>Motivação</a:t>
             </a:r>
             <a:endParaRPr lang="pt-BR" dirty="0"/>
           </a:p>
@@ -7058,61 +8779,52 @@
             <a:spLocks noGrp="1"/>
           </p:cNvSpPr>
           <p:nvPr>
-            <p:ph idx="1"/>
-          </p:nvPr>
-        </p:nvSpPr>
-        <p:spPr/>
+            <p:ph idx="4294967295"/>
+          </p:nvPr>
+        </p:nvSpPr>
+        <p:spPr>
+          <a:xfrm>
+            <a:off x="-3352800" y="1752600"/>
+            <a:ext cx="8207375" cy="4270375"/>
+          </a:xfrm>
+        </p:spPr>
         <p:txBody>
           <a:bodyPr/>
           <a:lstStyle/>
           <a:p>
             <a:r>
-              <a:rPr lang="pt-BR" dirty="0" err="1" smtClean="0"/>
-              <a:t>Model-Driven</a:t>
-            </a:r>
-            <a:r>
-              <a:rPr lang="pt-BR" dirty="0" smtClean="0"/>
-              <a:t> </a:t>
-            </a:r>
-            <a:r>
-              <a:rPr lang="pt-BR" dirty="0" err="1" smtClean="0"/>
-              <a:t>Engineering</a:t>
+              <a:rPr lang="pt-BR" smtClean="0"/>
+              <a:t>Complexidade no desenvolvimento de aplicações atuais</a:t>
+            </a:r>
+          </a:p>
+          <a:p>
+            <a:pPr lvl="1"/>
+            <a:r>
+              <a:rPr lang="pt-BR" smtClean="0"/>
+              <a:t>Ambientes distribuídos, dispositivos diversos, mobilidade, adaptabilidade, confiabilidade</a:t>
+            </a:r>
+          </a:p>
+          <a:p>
+            <a:pPr lvl="1"/>
+            <a:r>
+              <a:rPr lang="pt-BR" smtClean="0"/>
+              <a:t>Linguagens de programação oferecem abstrações do ambiente computacional</a:t>
+            </a:r>
+          </a:p>
+          <a:p>
+            <a:pPr lvl="1"/>
+            <a:r>
+              <a:rPr lang="pt-BR" smtClean="0"/>
+              <a:t>Distância entre o mundo do problema e o da solução</a:t>
+            </a:r>
+          </a:p>
+          <a:p>
+            <a:pPr lvl="2"/>
+            <a:r>
+              <a:rPr lang="pt-BR" smtClean="0"/>
+              <a:t>Complexidades acidentais</a:t>
             </a:r>
             <a:endParaRPr lang="pt-BR" dirty="0" smtClean="0"/>
-          </a:p>
-          <a:p>
-            <a:pPr lvl="1"/>
-            <a:r>
-              <a:rPr lang="pt-BR" dirty="0" smtClean="0"/>
-              <a:t>Busca reduzir a lacuna entre problema e solu</a:t>
-            </a:r>
-            <a:r>
-              <a:rPr lang="pt-BR" dirty="0" smtClean="0"/>
-              <a:t>ção</a:t>
-            </a:r>
-          </a:p>
-          <a:p>
-            <a:pPr lvl="1"/>
-            <a:r>
-              <a:rPr lang="pt-BR" dirty="0" smtClean="0"/>
-              <a:t>Modelos baseados em </a:t>
-            </a:r>
-            <a:r>
-              <a:rPr lang="pt-BR" b="1" dirty="0" smtClean="0"/>
-              <a:t>abstrações próximas ao problema</a:t>
-            </a:r>
-          </a:p>
-          <a:p>
-            <a:pPr lvl="1"/>
-            <a:r>
-              <a:rPr lang="pt-BR" dirty="0" smtClean="0"/>
-              <a:t>Transformação automatizada dos modelos em </a:t>
-            </a:r>
-            <a:r>
-              <a:rPr lang="pt-BR" b="1" dirty="0" smtClean="0"/>
-              <a:t>abstrações da plataforma de implementação</a:t>
-            </a:r>
-            <a:endParaRPr lang="pt-BR" b="1" dirty="0"/>
           </a:p>
         </p:txBody>
       </p:sp>
@@ -7121,6 +8833,1063 @@
   <p:clrMapOvr>
     <a:masterClrMapping/>
   </p:clrMapOvr>
+  <p:timing>
+    <p:tnLst>
+      <p:par>
+        <p:cTn id="1" dur="indefinite" restart="never" nodeType="tmRoot"/>
+      </p:par>
+    </p:tnLst>
+  </p:timing>
+</p:sld>
+</file>
+
+<file path=ppt/slides/slide30.xml><?xml version="1.0" encoding="utf-8"?>
+<p:sld xmlns:a="http://schemas.openxmlformats.org/drawingml/2006/main" xmlns:r="http://schemas.openxmlformats.org/officeDocument/2006/relationships" xmlns:mc="http://schemas.openxmlformats.org/markup-compatibility/2006" xmlns:mv="urn:schemas-microsoft-com:mac:vml" xmlns:p="http://schemas.openxmlformats.org/presentationml/2006/main" mc:Ignorable="mv" mc:PreserveAttributes="mv:*">
+  <p:cSld>
+    <p:spTree>
+      <p:nvGrpSpPr>
+        <p:cNvPr id="1" name=""/>
+        <p:cNvGrpSpPr/>
+        <p:nvPr/>
+      </p:nvGrpSpPr>
+      <p:grpSpPr>
+        <a:xfrm>
+          <a:off x="0" y="0"/>
+          <a:ext cx="0" cy="0"/>
+          <a:chOff x="0" y="0"/>
+          <a:chExt cx="0" cy="0"/>
+        </a:xfrm>
+      </p:grpSpPr>
+      <p:sp>
+        <p:nvSpPr>
+          <p:cNvPr id="2" name="Title 1"/>
+          <p:cNvSpPr>
+            <a:spLocks noGrp="1"/>
+          </p:cNvSpPr>
+          <p:nvPr>
+            <p:ph type="title"/>
+          </p:nvPr>
+        </p:nvSpPr>
+        <p:spPr/>
+        <p:txBody>
+          <a:bodyPr/>
+          <a:lstStyle/>
+          <a:p>
+            <a:r>
+              <a:rPr lang="pt-BR" smtClean="0"/>
+              <a:t>Manager</a:t>
+            </a:r>
+            <a:endParaRPr lang="pt-BR" dirty="0"/>
+          </a:p>
+        </p:txBody>
+      </p:sp>
+      <p:sp>
+        <p:nvSpPr>
+          <p:cNvPr id="3" name="Content Placeholder 2"/>
+          <p:cNvSpPr>
+            <a:spLocks noGrp="1"/>
+          </p:cNvSpPr>
+          <p:nvPr>
+            <p:ph idx="10"/>
+          </p:nvPr>
+        </p:nvSpPr>
+        <p:spPr/>
+        <p:txBody>
+          <a:bodyPr/>
+          <a:lstStyle/>
+          <a:p>
+            <a:r>
+              <a:rPr lang="pt-BR" dirty="0" smtClean="0"/>
+              <a:t>Gerenciador de intermediação</a:t>
+            </a:r>
+          </a:p>
+          <a:p>
+            <a:endParaRPr lang="pt-BR" dirty="0" smtClean="0"/>
+          </a:p>
+          <a:p>
+            <a:r>
+              <a:rPr lang="pt-BR" dirty="0" smtClean="0"/>
+              <a:t>Define um contexto de gerenciamento de recursos</a:t>
+            </a:r>
+          </a:p>
+          <a:p>
+            <a:endParaRPr lang="pt-BR" dirty="0" smtClean="0"/>
+          </a:p>
+          <a:p>
+            <a:r>
+              <a:rPr lang="pt-BR" dirty="0" smtClean="0"/>
+              <a:t>Pode atuar como um recurso para outro gerenciador</a:t>
+            </a:r>
+          </a:p>
+          <a:p>
+            <a:pPr lvl="1"/>
+            <a:r>
+              <a:rPr lang="pt-BR" dirty="0" smtClean="0"/>
+              <a:t>Hierarquias de gerenciadores</a:t>
+            </a:r>
+          </a:p>
+          <a:p>
+            <a:pPr lvl="1"/>
+            <a:endParaRPr lang="pt-BR" dirty="0" smtClean="0"/>
+          </a:p>
+          <a:p>
+            <a:r>
+              <a:rPr lang="pt-BR" dirty="0" smtClean="0"/>
+              <a:t>	</a:t>
+            </a:r>
+          </a:p>
+        </p:txBody>
+      </p:sp>
+    </p:spTree>
+  </p:cSld>
+  <p:clrMapOvr>
+    <a:masterClrMapping/>
+  </p:clrMapOvr>
+  <p:timing>
+    <p:tnLst>
+      <p:par>
+        <p:cTn id="1" dur="indefinite" restart="never" nodeType="tmRoot"/>
+      </p:par>
+    </p:tnLst>
+  </p:timing>
+</p:sld>
+</file>
+
+<file path=ppt/slides/slide31.xml><?xml version="1.0" encoding="utf-8"?>
+<p:sld xmlns:a="http://schemas.openxmlformats.org/drawingml/2006/main" xmlns:r="http://schemas.openxmlformats.org/officeDocument/2006/relationships" xmlns:mc="http://schemas.openxmlformats.org/markup-compatibility/2006" xmlns:mv="urn:schemas-microsoft-com:mac:vml" xmlns:p="http://schemas.openxmlformats.org/presentationml/2006/main" mc:Ignorable="mv" mc:PreserveAttributes="mv:*">
+  <p:cSld>
+    <p:spTree>
+      <p:nvGrpSpPr>
+        <p:cNvPr id="1" name=""/>
+        <p:cNvGrpSpPr/>
+        <p:nvPr/>
+      </p:nvGrpSpPr>
+      <p:grpSpPr>
+        <a:xfrm>
+          <a:off x="0" y="0"/>
+          <a:ext cx="0" cy="0"/>
+          <a:chOff x="0" y="0"/>
+          <a:chExt cx="0" cy="0"/>
+        </a:xfrm>
+      </p:grpSpPr>
+      <p:sp>
+        <p:nvSpPr>
+          <p:cNvPr id="2" name="Title 1"/>
+          <p:cNvSpPr>
+            <a:spLocks noGrp="1"/>
+          </p:cNvSpPr>
+          <p:nvPr>
+            <p:ph type="title"/>
+          </p:nvPr>
+        </p:nvSpPr>
+        <p:spPr/>
+        <p:txBody>
+          <a:bodyPr/>
+          <a:lstStyle/>
+          <a:p>
+            <a:r>
+              <a:rPr lang="pt-BR" dirty="0" smtClean="0"/>
+              <a:t>Interface</a:t>
+            </a:r>
+            <a:endParaRPr lang="pt-BR" dirty="0"/>
+          </a:p>
+        </p:txBody>
+      </p:sp>
+      <p:sp>
+        <p:nvSpPr>
+          <p:cNvPr id="3" name="Content Placeholder 2"/>
+          <p:cNvSpPr>
+            <a:spLocks noGrp="1"/>
+          </p:cNvSpPr>
+          <p:nvPr>
+            <p:ph idx="4294967295"/>
+          </p:nvPr>
+        </p:nvSpPr>
+        <p:spPr>
+          <a:xfrm>
+            <a:off x="-3352800" y="1752600"/>
+            <a:ext cx="8207375" cy="4270375"/>
+          </a:xfrm>
+        </p:spPr>
+        <p:txBody>
+          <a:bodyPr/>
+          <a:lstStyle/>
+          <a:p>
+            <a:endParaRPr lang="pt-BR" dirty="0" smtClean="0"/>
+          </a:p>
+        </p:txBody>
+      </p:sp>
+    </p:spTree>
+  </p:cSld>
+  <p:clrMapOvr>
+    <a:masterClrMapping/>
+  </p:clrMapOvr>
+  <p:timing>
+    <p:tnLst>
+      <p:par>
+        <p:cTn id="1" dur="indefinite" restart="never" nodeType="tmRoot"/>
+      </p:par>
+    </p:tnLst>
+  </p:timing>
+</p:sld>
+</file>
+
+<file path=ppt/slides/slide32.xml><?xml version="1.0" encoding="utf-8"?>
+<p:sld xmlns:a="http://schemas.openxmlformats.org/drawingml/2006/main" xmlns:r="http://schemas.openxmlformats.org/officeDocument/2006/relationships" xmlns:mc="http://schemas.openxmlformats.org/markup-compatibility/2006" xmlns:mv="urn:schemas-microsoft-com:mac:vml" xmlns:p="http://schemas.openxmlformats.org/presentationml/2006/main" mc:Ignorable="mv" mc:PreserveAttributes="mv:*">
+  <p:cSld>
+    <p:spTree>
+      <p:nvGrpSpPr>
+        <p:cNvPr id="1" name=""/>
+        <p:cNvGrpSpPr/>
+        <p:nvPr/>
+      </p:nvGrpSpPr>
+      <p:grpSpPr>
+        <a:xfrm>
+          <a:off x="0" y="0"/>
+          <a:ext cx="0" cy="0"/>
+          <a:chOff x="0" y="0"/>
+          <a:chExt cx="0" cy="0"/>
+        </a:xfrm>
+      </p:grpSpPr>
+      <p:sp>
+        <p:nvSpPr>
+          <p:cNvPr id="2" name="Title 1"/>
+          <p:cNvSpPr>
+            <a:spLocks noGrp="1"/>
+          </p:cNvSpPr>
+          <p:nvPr>
+            <p:ph type="title"/>
+          </p:nvPr>
+        </p:nvSpPr>
+        <p:spPr/>
+        <p:txBody>
+          <a:bodyPr/>
+          <a:lstStyle/>
+          <a:p>
+            <a:r>
+              <a:rPr lang="pt-BR" dirty="0" smtClean="0"/>
+              <a:t>Recursos</a:t>
+            </a:r>
+            <a:endParaRPr lang="pt-BR" dirty="0"/>
+          </a:p>
+        </p:txBody>
+      </p:sp>
+      <p:sp>
+        <p:nvSpPr>
+          <p:cNvPr id="3" name="Content Placeholder 2"/>
+          <p:cNvSpPr>
+            <a:spLocks noGrp="1"/>
+          </p:cNvSpPr>
+          <p:nvPr>
+            <p:ph idx="4294967295"/>
+          </p:nvPr>
+        </p:nvSpPr>
+        <p:spPr>
+          <a:xfrm>
+            <a:off x="-3352800" y="1752600"/>
+            <a:ext cx="8207375" cy="4270375"/>
+          </a:xfrm>
+        </p:spPr>
+        <p:txBody>
+          <a:bodyPr/>
+          <a:lstStyle/>
+          <a:p>
+            <a:r>
+              <a:rPr lang="pt-BR" dirty="0" smtClean="0"/>
+              <a:t>Interface com a camada superior por meio de </a:t>
+            </a:r>
+            <a:r>
+              <a:rPr lang="pt-BR" b="1" dirty="0" smtClean="0"/>
+              <a:t>chamadas </a:t>
+            </a:r>
+            <a:r>
+              <a:rPr lang="pt-BR" dirty="0" smtClean="0"/>
+              <a:t>e </a:t>
+            </a:r>
+            <a:r>
+              <a:rPr lang="pt-BR" b="1" dirty="0" smtClean="0"/>
+              <a:t>eventos</a:t>
+            </a:r>
+          </a:p>
+        </p:txBody>
+      </p:sp>
+    </p:spTree>
+  </p:cSld>
+  <p:clrMapOvr>
+    <a:masterClrMapping/>
+  </p:clrMapOvr>
+  <p:timing>
+    <p:tnLst>
+      <p:par>
+        <p:cTn id="1" dur="indefinite" restart="never" nodeType="tmRoot"/>
+      </p:par>
+    </p:tnLst>
+  </p:timing>
+</p:sld>
+</file>
+
+<file path=ppt/slides/slide33.xml><?xml version="1.0" encoding="utf-8"?>
+<p:sld xmlns:a="http://schemas.openxmlformats.org/drawingml/2006/main" xmlns:r="http://schemas.openxmlformats.org/officeDocument/2006/relationships" xmlns:mc="http://schemas.openxmlformats.org/markup-compatibility/2006" xmlns:mv="urn:schemas-microsoft-com:mac:vml" xmlns:p="http://schemas.openxmlformats.org/presentationml/2006/main" mc:Ignorable="mv" mc:PreserveAttributes="mv:*">
+  <p:cSld>
+    <p:spTree>
+      <p:nvGrpSpPr>
+        <p:cNvPr id="1" name=""/>
+        <p:cNvGrpSpPr/>
+        <p:nvPr/>
+      </p:nvGrpSpPr>
+      <p:grpSpPr>
+        <a:xfrm>
+          <a:off x="0" y="0"/>
+          <a:ext cx="0" cy="0"/>
+          <a:chOff x="0" y="0"/>
+          <a:chExt cx="0" cy="0"/>
+        </a:xfrm>
+      </p:grpSpPr>
+      <p:sp>
+        <p:nvSpPr>
+          <p:cNvPr id="2" name="Title 1"/>
+          <p:cNvSpPr>
+            <a:spLocks noGrp="1"/>
+          </p:cNvSpPr>
+          <p:nvPr>
+            <p:ph type="title"/>
+          </p:nvPr>
+        </p:nvSpPr>
+        <p:spPr/>
+        <p:txBody>
+          <a:bodyPr/>
+          <a:lstStyle/>
+          <a:p>
+            <a:r>
+              <a:rPr lang="pt-BR" dirty="0" smtClean="0"/>
+              <a:t>Estado</a:t>
+            </a:r>
+            <a:endParaRPr lang="pt-BR" dirty="0"/>
+          </a:p>
+        </p:txBody>
+      </p:sp>
+      <p:sp>
+        <p:nvSpPr>
+          <p:cNvPr id="3" name="Content Placeholder 2"/>
+          <p:cNvSpPr>
+            <a:spLocks noGrp="1"/>
+          </p:cNvSpPr>
+          <p:nvPr>
+            <p:ph idx="4294967295"/>
+          </p:nvPr>
+        </p:nvSpPr>
+        <p:spPr>
+          <a:xfrm>
+            <a:off x="-3352800" y="1752600"/>
+            <a:ext cx="8207375" cy="4270375"/>
+          </a:xfrm>
+        </p:spPr>
+        <p:txBody>
+          <a:bodyPr/>
+          <a:lstStyle/>
+          <a:p>
+            <a:endParaRPr lang="pt-BR" dirty="0" smtClean="0"/>
+          </a:p>
+        </p:txBody>
+      </p:sp>
+    </p:spTree>
+  </p:cSld>
+  <p:clrMapOvr>
+    <a:masterClrMapping/>
+  </p:clrMapOvr>
+  <p:timing>
+    <p:tnLst>
+      <p:par>
+        <p:cTn id="1" dur="indefinite" restart="never" nodeType="tmRoot"/>
+      </p:par>
+    </p:tnLst>
+  </p:timing>
+</p:sld>
+</file>
+
+<file path=ppt/slides/slide34.xml><?xml version="1.0" encoding="utf-8"?>
+<p:sld xmlns:a="http://schemas.openxmlformats.org/drawingml/2006/main" xmlns:r="http://schemas.openxmlformats.org/officeDocument/2006/relationships" xmlns:mc="http://schemas.openxmlformats.org/markup-compatibility/2006" xmlns:mv="urn:schemas-microsoft-com:mac:vml" xmlns:p="http://schemas.openxmlformats.org/presentationml/2006/main" mc:Ignorable="mv" mc:PreserveAttributes="mv:*">
+  <p:cSld>
+    <p:spTree>
+      <p:nvGrpSpPr>
+        <p:cNvPr id="1" name=""/>
+        <p:cNvGrpSpPr/>
+        <p:nvPr/>
+      </p:nvGrpSpPr>
+      <p:grpSpPr>
+        <a:xfrm>
+          <a:off x="0" y="0"/>
+          <a:ext cx="0" cy="0"/>
+          <a:chOff x="0" y="0"/>
+          <a:chExt cx="0" cy="0"/>
+        </a:xfrm>
+      </p:grpSpPr>
+      <p:sp>
+        <p:nvSpPr>
+          <p:cNvPr id="2" name="Title 1"/>
+          <p:cNvSpPr>
+            <a:spLocks noGrp="1"/>
+          </p:cNvSpPr>
+          <p:nvPr>
+            <p:ph type="title"/>
+          </p:nvPr>
+        </p:nvSpPr>
+        <p:spPr/>
+        <p:txBody>
+          <a:bodyPr/>
+          <a:lstStyle/>
+          <a:p>
+            <a:r>
+              <a:rPr lang="pt-BR" smtClean="0"/>
+              <a:t>Tratadores e ações</a:t>
+            </a:r>
+            <a:endParaRPr lang="pt-BR" dirty="0"/>
+          </a:p>
+        </p:txBody>
+      </p:sp>
+      <p:sp>
+        <p:nvSpPr>
+          <p:cNvPr id="5" name="Content Placeholder 4"/>
+          <p:cNvSpPr>
+            <a:spLocks noGrp="1"/>
+          </p:cNvSpPr>
+          <p:nvPr>
+            <p:ph sz="quarter" idx="10"/>
+          </p:nvPr>
+        </p:nvSpPr>
+        <p:spPr/>
+        <p:txBody>
+          <a:bodyPr/>
+          <a:lstStyle/>
+          <a:p>
+            <a:endParaRPr lang="pt-BR"/>
+          </a:p>
+        </p:txBody>
+      </p:sp>
+    </p:spTree>
+  </p:cSld>
+  <p:clrMapOvr>
+    <a:masterClrMapping/>
+  </p:clrMapOvr>
+  <p:timing>
+    <p:tnLst>
+      <p:par>
+        <p:cTn id="1" dur="indefinite" restart="never" nodeType="tmRoot"/>
+      </p:par>
+    </p:tnLst>
+  </p:timing>
+</p:sld>
+</file>
+
+<file path=ppt/slides/slide35.xml><?xml version="1.0" encoding="utf-8"?>
+<p:sld xmlns:a="http://schemas.openxmlformats.org/drawingml/2006/main" xmlns:r="http://schemas.openxmlformats.org/officeDocument/2006/relationships" xmlns:mc="http://schemas.openxmlformats.org/markup-compatibility/2006" xmlns:mv="urn:schemas-microsoft-com:mac:vml" xmlns:p="http://schemas.openxmlformats.org/presentationml/2006/main" mc:Ignorable="mv" mc:PreserveAttributes="mv:*">
+  <p:cSld>
+    <p:spTree>
+      <p:nvGrpSpPr>
+        <p:cNvPr id="1" name=""/>
+        <p:cNvGrpSpPr/>
+        <p:nvPr/>
+      </p:nvGrpSpPr>
+      <p:grpSpPr>
+        <a:xfrm>
+          <a:off x="0" y="0"/>
+          <a:ext cx="0" cy="0"/>
+          <a:chOff x="0" y="0"/>
+          <a:chExt cx="0" cy="0"/>
+        </a:xfrm>
+      </p:grpSpPr>
+      <p:sp>
+        <p:nvSpPr>
+          <p:cNvPr id="2" name="Title 1"/>
+          <p:cNvSpPr>
+            <a:spLocks noGrp="1"/>
+          </p:cNvSpPr>
+          <p:nvPr>
+            <p:ph type="title"/>
+          </p:nvPr>
+        </p:nvSpPr>
+        <p:spPr/>
+        <p:txBody>
+          <a:bodyPr/>
+          <a:lstStyle/>
+          <a:p>
+            <a:r>
+              <a:rPr lang="pt-BR" dirty="0" smtClean="0"/>
+              <a:t>Computa</a:t>
+            </a:r>
+            <a:r>
+              <a:rPr lang="pt-BR" dirty="0" smtClean="0"/>
+              <a:t>ção autônoma</a:t>
+            </a:r>
+            <a:endParaRPr lang="pt-BR" dirty="0"/>
+          </a:p>
+        </p:txBody>
+      </p:sp>
+      <p:sp>
+        <p:nvSpPr>
+          <p:cNvPr id="3" name="Content Placeholder 2"/>
+          <p:cNvSpPr>
+            <a:spLocks noGrp="1"/>
+          </p:cNvSpPr>
+          <p:nvPr>
+            <p:ph idx="4294967295"/>
+          </p:nvPr>
+        </p:nvSpPr>
+        <p:spPr>
+          <a:xfrm>
+            <a:off x="-3352800" y="1752600"/>
+            <a:ext cx="8207375" cy="4270375"/>
+          </a:xfrm>
+        </p:spPr>
+        <p:txBody>
+          <a:bodyPr/>
+          <a:lstStyle/>
+          <a:p>
+            <a:endParaRPr lang="pt-BR" dirty="0" smtClean="0"/>
+          </a:p>
+        </p:txBody>
+      </p:sp>
+    </p:spTree>
+  </p:cSld>
+  <p:clrMapOvr>
+    <a:masterClrMapping/>
+  </p:clrMapOvr>
+  <p:timing>
+    <p:tnLst>
+      <p:par>
+        <p:cTn id="1" dur="indefinite" restart="never" nodeType="tmRoot"/>
+      </p:par>
+    </p:tnLst>
+  </p:timing>
+</p:sld>
+</file>
+
+<file path=ppt/slides/slide36.xml><?xml version="1.0" encoding="utf-8"?>
+<p:sld xmlns:a="http://schemas.openxmlformats.org/drawingml/2006/main" xmlns:r="http://schemas.openxmlformats.org/officeDocument/2006/relationships" xmlns:mc="http://schemas.openxmlformats.org/markup-compatibility/2006" xmlns:mv="urn:schemas-microsoft-com:mac:vml" xmlns:p="http://schemas.openxmlformats.org/presentationml/2006/main" mc:Ignorable="mv" mc:PreserveAttributes="mv:*">
+  <p:cSld>
+    <p:spTree>
+      <p:nvGrpSpPr>
+        <p:cNvPr id="1" name=""/>
+        <p:cNvGrpSpPr/>
+        <p:nvPr/>
+      </p:nvGrpSpPr>
+      <p:grpSpPr>
+        <a:xfrm>
+          <a:off x="0" y="0"/>
+          <a:ext cx="0" cy="0"/>
+          <a:chOff x="0" y="0"/>
+          <a:chExt cx="0" cy="0"/>
+        </a:xfrm>
+      </p:grpSpPr>
+      <p:sp>
+        <p:nvSpPr>
+          <p:cNvPr id="2" name="Title 1"/>
+          <p:cNvSpPr>
+            <a:spLocks noGrp="1"/>
+          </p:cNvSpPr>
+          <p:nvPr>
+            <p:ph type="title"/>
+          </p:nvPr>
+        </p:nvSpPr>
+        <p:spPr/>
+        <p:txBody>
+          <a:bodyPr/>
+          <a:lstStyle/>
+          <a:p>
+            <a:r>
+              <a:rPr lang="pt-BR" dirty="0" smtClean="0"/>
+              <a:t>Pol</a:t>
+            </a:r>
+            <a:r>
+              <a:rPr lang="pt-BR" dirty="0" smtClean="0"/>
+              <a:t>íticas</a:t>
+            </a:r>
+            <a:endParaRPr lang="pt-BR" dirty="0"/>
+          </a:p>
+        </p:txBody>
+      </p:sp>
+      <p:sp>
+        <p:nvSpPr>
+          <p:cNvPr id="3" name="Content Placeholder 2"/>
+          <p:cNvSpPr>
+            <a:spLocks noGrp="1"/>
+          </p:cNvSpPr>
+          <p:nvPr>
+            <p:ph idx="4294967295"/>
+          </p:nvPr>
+        </p:nvSpPr>
+        <p:spPr>
+          <a:xfrm>
+            <a:off x="-3352800" y="1752600"/>
+            <a:ext cx="8207375" cy="4270375"/>
+          </a:xfrm>
+        </p:spPr>
+        <p:txBody>
+          <a:bodyPr/>
+          <a:lstStyle/>
+          <a:p>
+            <a:endParaRPr lang="pt-BR" dirty="0" smtClean="0"/>
+          </a:p>
+        </p:txBody>
+      </p:sp>
+    </p:spTree>
+  </p:cSld>
+  <p:clrMapOvr>
+    <a:masterClrMapping/>
+  </p:clrMapOvr>
+  <p:timing>
+    <p:tnLst>
+      <p:par>
+        <p:cTn id="1" dur="indefinite" restart="never" nodeType="tmRoot"/>
+      </p:par>
+    </p:tnLst>
+  </p:timing>
+</p:sld>
+</file>
+
+<file path=ppt/slides/slide37.xml><?xml version="1.0" encoding="utf-8"?>
+<p:sld xmlns:a="http://schemas.openxmlformats.org/drawingml/2006/main" xmlns:r="http://schemas.openxmlformats.org/officeDocument/2006/relationships" xmlns:mc="http://schemas.openxmlformats.org/markup-compatibility/2006" xmlns:mv="urn:schemas-microsoft-com:mac:vml" xmlns:p="http://schemas.openxmlformats.org/presentationml/2006/main" mc:Ignorable="mv" mc:PreserveAttributes="mv:*">
+  <p:cSld>
+    <p:spTree>
+      <p:nvGrpSpPr>
+        <p:cNvPr id="1" name=""/>
+        <p:cNvGrpSpPr/>
+        <p:nvPr/>
+      </p:nvGrpSpPr>
+      <p:grpSpPr>
+        <a:xfrm>
+          <a:off x="0" y="0"/>
+          <a:ext cx="0" cy="0"/>
+          <a:chOff x="0" y="0"/>
+          <a:chExt cx="0" cy="0"/>
+        </a:xfrm>
+      </p:grpSpPr>
+      <p:sp>
+        <p:nvSpPr>
+          <p:cNvPr id="2" name="Title 1"/>
+          <p:cNvSpPr>
+            <a:spLocks noGrp="1"/>
+          </p:cNvSpPr>
+          <p:nvPr>
+            <p:ph type="title"/>
+          </p:nvPr>
+        </p:nvSpPr>
+        <p:spPr/>
+        <p:txBody>
+          <a:bodyPr/>
+          <a:lstStyle/>
+          <a:p>
+            <a:r>
+              <a:rPr lang="pt-BR" dirty="0" smtClean="0"/>
+              <a:t>Intermediador de Servi</a:t>
+            </a:r>
+            <a:r>
+              <a:rPr lang="pt-BR" dirty="0" smtClean="0"/>
+              <a:t>ços</a:t>
+            </a:r>
+            <a:endParaRPr lang="pt-BR" dirty="0"/>
+          </a:p>
+        </p:txBody>
+      </p:sp>
+      <p:sp>
+        <p:nvSpPr>
+          <p:cNvPr id="3" name="Content Placeholder 2"/>
+          <p:cNvSpPr>
+            <a:spLocks noGrp="1"/>
+          </p:cNvSpPr>
+          <p:nvPr>
+            <p:ph idx="4294967295"/>
+          </p:nvPr>
+        </p:nvSpPr>
+        <p:spPr>
+          <a:xfrm>
+            <a:off x="-3352800" y="1752600"/>
+            <a:ext cx="8207375" cy="4270375"/>
+          </a:xfrm>
+        </p:spPr>
+        <p:txBody>
+          <a:bodyPr/>
+          <a:lstStyle/>
+          <a:p>
+            <a:r>
+              <a:rPr lang="pt-BR" dirty="0" smtClean="0"/>
+              <a:t>Gerenciamento de recursos</a:t>
+            </a:r>
+          </a:p>
+          <a:p>
+            <a:r>
+              <a:rPr lang="pt-BR" dirty="0"/>
+              <a:t>	</a:t>
+            </a:r>
+            <a:r>
+              <a:rPr lang="pt-BR" dirty="0" smtClean="0"/>
+              <a:t>intercepta</a:t>
+            </a:r>
+            <a:r>
+              <a:rPr lang="pt-BR" dirty="0" smtClean="0"/>
+              <a:t>ção dos</a:t>
+            </a:r>
+            <a:r>
+              <a:rPr lang="pt-BR" dirty="0" smtClean="0"/>
+              <a:t> eventos gerados</a:t>
+            </a:r>
+          </a:p>
+          <a:p>
+            <a:r>
+              <a:rPr lang="pt-BR" dirty="0"/>
+              <a:t>	</a:t>
+            </a:r>
+            <a:r>
+              <a:rPr lang="pt-BR" dirty="0" smtClean="0"/>
+              <a:t>controle do acesso aos recursos</a:t>
+            </a:r>
+            <a:endParaRPr lang="pt-BR" dirty="0" smtClean="0"/>
+          </a:p>
+        </p:txBody>
+      </p:sp>
+    </p:spTree>
+  </p:cSld>
+  <p:clrMapOvr>
+    <a:masterClrMapping/>
+  </p:clrMapOvr>
+  <p:timing>
+    <p:tnLst>
+      <p:par>
+        <p:cTn id="1" dur="indefinite" restart="never" nodeType="tmRoot"/>
+      </p:par>
+    </p:tnLst>
+  </p:timing>
+</p:sld>
+</file>
+
+<file path=ppt/slides/slide38.xml><?xml version="1.0" encoding="utf-8"?>
+<p:sld xmlns:a="http://schemas.openxmlformats.org/drawingml/2006/main" xmlns:r="http://schemas.openxmlformats.org/officeDocument/2006/relationships" xmlns:mc="http://schemas.openxmlformats.org/markup-compatibility/2006" xmlns:mv="urn:schemas-microsoft-com:mac:vml" xmlns:p="http://schemas.openxmlformats.org/presentationml/2006/main" mc:Ignorable="mv" mc:PreserveAttributes="mv:*">
+  <p:cSld>
+    <p:spTree>
+      <p:nvGrpSpPr>
+        <p:cNvPr id="1" name=""/>
+        <p:cNvGrpSpPr/>
+        <p:nvPr/>
+      </p:nvGrpSpPr>
+      <p:grpSpPr>
+        <a:xfrm>
+          <a:off x="0" y="0"/>
+          <a:ext cx="0" cy="0"/>
+          <a:chOff x="0" y="0"/>
+          <a:chExt cx="0" cy="0"/>
+        </a:xfrm>
+      </p:grpSpPr>
+      <p:sp>
+        <p:nvSpPr>
+          <p:cNvPr id="2" name="Title 1"/>
+          <p:cNvSpPr>
+            <a:spLocks noGrp="1"/>
+          </p:cNvSpPr>
+          <p:nvPr>
+            <p:ph type="title"/>
+          </p:nvPr>
+        </p:nvSpPr>
+        <p:spPr/>
+        <p:txBody>
+          <a:bodyPr/>
+          <a:lstStyle/>
+          <a:p>
+            <a:r>
+              <a:rPr lang="pt-BR" dirty="0" smtClean="0"/>
+              <a:t>Intermediador de servi</a:t>
+            </a:r>
+            <a:r>
+              <a:rPr lang="pt-BR" dirty="0" smtClean="0"/>
+              <a:t>ços</a:t>
+            </a:r>
+            <a:endParaRPr lang="pt-BR" dirty="0"/>
+          </a:p>
+        </p:txBody>
+      </p:sp>
+      <p:sp>
+        <p:nvSpPr>
+          <p:cNvPr id="5" name="Content Placeholder 4"/>
+          <p:cNvSpPr>
+            <a:spLocks noGrp="1"/>
+          </p:cNvSpPr>
+          <p:nvPr>
+            <p:ph idx="4294967295"/>
+          </p:nvPr>
+        </p:nvSpPr>
+        <p:spPr>
+          <a:xfrm>
+            <a:off x="3048000" y="1752600"/>
+            <a:ext cx="5627687" cy="4270375"/>
+          </a:xfrm>
+        </p:spPr>
+        <p:txBody>
+          <a:bodyPr/>
+          <a:lstStyle/>
+          <a:p>
+            <a:pPr marL="0" indent="0">
+              <a:spcBef>
+                <a:spcPts val="0"/>
+              </a:spcBef>
+              <a:spcAft>
+                <a:spcPts val="1800"/>
+              </a:spcAft>
+            </a:pPr>
+            <a:r>
+              <a:rPr lang="pt-BR" sz="2400" dirty="0" smtClean="0"/>
+              <a:t>Interface com a camada M por meio de </a:t>
+            </a:r>
+            <a:r>
+              <a:rPr lang="pt-BR" sz="2400" b="1" dirty="0" smtClean="0"/>
+              <a:t>chamadas</a:t>
+            </a:r>
+            <a:r>
+              <a:rPr lang="pt-BR" sz="2400" dirty="0" smtClean="0"/>
+              <a:t> e </a:t>
+            </a:r>
+            <a:r>
+              <a:rPr lang="pt-BR" sz="2400" b="1" dirty="0" smtClean="0"/>
+              <a:t>eventos</a:t>
+            </a:r>
+          </a:p>
+          <a:p>
+            <a:pPr marL="0" indent="0">
+              <a:spcBef>
+                <a:spcPts val="0"/>
+              </a:spcBef>
+              <a:spcAft>
+                <a:spcPts val="1800"/>
+              </a:spcAft>
+            </a:pPr>
+            <a:r>
+              <a:rPr lang="pt-BR" sz="2400" dirty="0" smtClean="0"/>
+              <a:t>Gerenciamento de recursos: intercepta eventos gerados; controla o acesso aos recursos</a:t>
+            </a:r>
+          </a:p>
+          <a:p>
+            <a:pPr marL="0" indent="0">
+              <a:spcBef>
+                <a:spcPts val="0"/>
+              </a:spcBef>
+              <a:spcAft>
+                <a:spcPts val="1800"/>
+              </a:spcAft>
+            </a:pPr>
+            <a:r>
+              <a:rPr lang="pt-BR" sz="2400" dirty="0" smtClean="0"/>
+              <a:t>Gerenciamento de estado: </a:t>
+            </a:r>
+            <a:r>
+              <a:rPr lang="pt-BR" sz="2400" dirty="0" smtClean="0"/>
+              <a:t>mantém em tempo de execução dados associados aos serviços fornecidos</a:t>
+            </a:r>
+          </a:p>
+          <a:p>
+            <a:pPr marL="0" indent="0">
+              <a:spcBef>
+                <a:spcPts val="0"/>
+              </a:spcBef>
+              <a:spcAft>
+                <a:spcPts val="1800"/>
+              </a:spcAft>
+            </a:pPr>
+            <a:r>
+              <a:rPr lang="pt-BR" sz="2400" dirty="0" smtClean="0"/>
+              <a:t>Auto-gerenciamento:  </a:t>
+            </a:r>
+          </a:p>
+        </p:txBody>
+      </p:sp>
+      <p:pic>
+        <p:nvPicPr>
+          <p:cNvPr id="6" name="Picture 5" descr="Untitled.png"/>
+          <p:cNvPicPr>
+            <a:picLocks noChangeAspect="1"/>
+          </p:cNvPicPr>
+          <p:nvPr/>
+        </p:nvPicPr>
+        <p:blipFill>
+          <a:blip r:embed="rId2"/>
+          <a:stretch>
+            <a:fillRect/>
+          </a:stretch>
+        </p:blipFill>
+        <p:spPr>
+          <a:xfrm>
+            <a:off x="533400" y="1752600"/>
+            <a:ext cx="2286000" cy="4381500"/>
+          </a:xfrm>
+          <a:prstGeom prst="rect">
+            <a:avLst/>
+          </a:prstGeom>
+        </p:spPr>
+      </p:pic>
+    </p:spTree>
+  </p:cSld>
+  <p:clrMapOvr>
+    <a:masterClrMapping/>
+  </p:clrMapOvr>
+  <p:timing>
+    <p:tnLst>
+      <p:par>
+        <p:cTn id="1" dur="indefinite" restart="never" nodeType="tmRoot"/>
+      </p:par>
+    </p:tnLst>
+  </p:timing>
+</p:sld>
+</file>
+
+<file path=ppt/slides/slide39.xml><?xml version="1.0" encoding="utf-8"?>
+<p:sld xmlns:a="http://schemas.openxmlformats.org/drawingml/2006/main" xmlns:r="http://schemas.openxmlformats.org/officeDocument/2006/relationships" xmlns:mc="http://schemas.openxmlformats.org/markup-compatibility/2006" xmlns:mv="urn:schemas-microsoft-com:mac:vml" xmlns:p="http://schemas.openxmlformats.org/presentationml/2006/main" mc:Ignorable="mv" mc:PreserveAttributes="mv:*">
+  <p:cSld>
+    <p:spTree>
+      <p:nvGrpSpPr>
+        <p:cNvPr id="1" name=""/>
+        <p:cNvGrpSpPr/>
+        <p:nvPr/>
+      </p:nvGrpSpPr>
+      <p:grpSpPr>
+        <a:xfrm>
+          <a:off x="0" y="0"/>
+          <a:ext cx="0" cy="0"/>
+          <a:chOff x="0" y="0"/>
+          <a:chExt cx="0" cy="0"/>
+        </a:xfrm>
+      </p:grpSpPr>
+      <p:sp>
+        <p:nvSpPr>
+          <p:cNvPr id="2" name="Title 1"/>
+          <p:cNvSpPr>
+            <a:spLocks noGrp="1"/>
+          </p:cNvSpPr>
+          <p:nvPr>
+            <p:ph type="title"/>
+          </p:nvPr>
+        </p:nvSpPr>
+        <p:spPr/>
+        <p:txBody>
+          <a:bodyPr/>
+          <a:lstStyle/>
+          <a:p>
+            <a:r>
+              <a:rPr lang="pt-BR" dirty="0" smtClean="0"/>
+              <a:t>Recursos</a:t>
+            </a:r>
+            <a:endParaRPr lang="pt-BR" dirty="0"/>
+          </a:p>
+        </p:txBody>
+      </p:sp>
+      <p:sp>
+        <p:nvSpPr>
+          <p:cNvPr id="3" name="Content Placeholder 2"/>
+          <p:cNvSpPr>
+            <a:spLocks noGrp="1"/>
+          </p:cNvSpPr>
+          <p:nvPr>
+            <p:ph idx="4294967295"/>
+          </p:nvPr>
+        </p:nvSpPr>
+        <p:spPr>
+          <a:xfrm>
+            <a:off x="-3352800" y="1752600"/>
+            <a:ext cx="8207375" cy="4270375"/>
+          </a:xfrm>
+        </p:spPr>
+        <p:txBody>
+          <a:bodyPr/>
+          <a:lstStyle/>
+          <a:p>
+            <a:r>
+              <a:rPr lang="pt-BR" dirty="0" smtClean="0"/>
+              <a:t>Componente de software ou hardware que fornece algum servi</a:t>
+            </a:r>
+            <a:r>
+              <a:rPr lang="pt-BR" dirty="0" smtClean="0"/>
+              <a:t>ço ou funcionalidade</a:t>
+            </a:r>
+          </a:p>
+          <a:p>
+            <a:pPr lvl="1">
+              <a:buFont typeface="Arial"/>
+              <a:buChar char="•"/>
+            </a:pPr>
+            <a:r>
+              <a:rPr lang="pt-BR" dirty="0" smtClean="0"/>
+              <a:t>Aplicações</a:t>
+            </a:r>
+          </a:p>
+          <a:p>
+            <a:pPr lvl="1">
+              <a:buFont typeface="Arial"/>
+              <a:buChar char="•"/>
+            </a:pPr>
+            <a:r>
+              <a:rPr lang="pt-BR" dirty="0"/>
+              <a:t>B</a:t>
+            </a:r>
+            <a:r>
+              <a:rPr lang="pt-BR" dirty="0" smtClean="0"/>
+              <a:t>ancos de dados</a:t>
+            </a:r>
+          </a:p>
+          <a:p>
+            <a:pPr lvl="1">
+              <a:buFont typeface="Arial"/>
+              <a:buChar char="•"/>
+            </a:pPr>
+            <a:r>
+              <a:rPr lang="pt-BR" dirty="0" smtClean="0"/>
+              <a:t>Controladores de hardware</a:t>
+            </a:r>
+          </a:p>
+          <a:p>
+            <a:pPr lvl="1">
+              <a:buFont typeface="Arial"/>
+              <a:buChar char="•"/>
+            </a:pPr>
+            <a:r>
+              <a:rPr lang="pt-BR" dirty="0" smtClean="0"/>
+              <a:t>Componentes de software</a:t>
+            </a:r>
+          </a:p>
+          <a:p>
+            <a:pPr lvl="1">
+              <a:buFont typeface="Arial"/>
+              <a:buChar char="•"/>
+            </a:pPr>
+            <a:r>
+              <a:rPr lang="pt-BR" dirty="0"/>
+              <a:t>S</a:t>
+            </a:r>
+            <a:r>
+              <a:rPr lang="pt-BR" dirty="0" smtClean="0"/>
+              <a:t>ervidores de aplicação</a:t>
+            </a:r>
+          </a:p>
+          <a:p>
+            <a:pPr lvl="1">
+              <a:buFont typeface="Arial"/>
+              <a:buChar char="•"/>
+            </a:pPr>
+            <a:r>
+              <a:rPr lang="pt-BR" dirty="0" err="1" smtClean="0"/>
+              <a:t>etc</a:t>
+            </a:r>
+            <a:endParaRPr lang="pt-BR" dirty="0" smtClean="0"/>
+          </a:p>
+        </p:txBody>
+      </p:sp>
+    </p:spTree>
+  </p:cSld>
+  <p:clrMapOvr>
+    <a:masterClrMapping/>
+  </p:clrMapOvr>
+  <p:timing>
+    <p:tnLst>
+      <p:par>
+        <p:cTn id="1" dur="indefinite" restart="never" nodeType="tmRoot"/>
+      </p:par>
+    </p:tnLst>
+  </p:timing>
 </p:sld>
 </file>
 
@@ -7157,12 +9926,8 @@
           <a:lstStyle/>
           <a:p>
             <a:r>
-              <a:rPr lang="pt-BR" dirty="0" smtClean="0"/>
-              <a:t>Motiva</a:t>
-            </a:r>
-            <a:r>
-              <a:rPr lang="pt-BR" dirty="0" smtClean="0"/>
-              <a:t>ção</a:t>
+              <a:rPr lang="pt-BR" smtClean="0"/>
+              <a:t>Motivação</a:t>
             </a:r>
             <a:endParaRPr lang="pt-BR" dirty="0"/>
           </a:p>
@@ -7175,30 +9940,43 @@
             <a:spLocks noGrp="1"/>
           </p:cNvSpPr>
           <p:nvPr>
-            <p:ph idx="1"/>
-          </p:nvPr>
-        </p:nvSpPr>
-        <p:spPr/>
+            <p:ph idx="4294967295"/>
+          </p:nvPr>
+        </p:nvSpPr>
+        <p:spPr>
+          <a:xfrm>
+            <a:off x="-3352800" y="1752600"/>
+            <a:ext cx="8207375" cy="4270375"/>
+          </a:xfrm>
+        </p:spPr>
         <p:txBody>
           <a:bodyPr/>
           <a:lstStyle/>
           <a:p>
             <a:r>
-              <a:rPr lang="pt-BR" dirty="0" smtClean="0"/>
-              <a:t>Abstra</a:t>
-            </a:r>
-            <a:r>
-              <a:rPr lang="pt-BR" dirty="0" smtClean="0"/>
-              <a:t>ções e notações de alto-nível permitem que usuários construam aplicações complexas</a:t>
-            </a:r>
-          </a:p>
-          <a:p>
-            <a:endParaRPr lang="pt-BR" dirty="0" smtClean="0"/>
-          </a:p>
-          <a:p>
-            <a:r>
-              <a:rPr lang="pt-BR" dirty="0" smtClean="0"/>
-              <a:t>Interpretadores de modelos possibilitam o uso de modelos em tempo de execução</a:t>
+              <a:rPr lang="pt-BR" smtClean="0"/>
+              <a:t>Model-Driven Engineering</a:t>
+            </a:r>
+          </a:p>
+          <a:p>
+            <a:pPr lvl="1"/>
+            <a:r>
+              <a:rPr lang="pt-BR" smtClean="0"/>
+              <a:t>Busca reduzir a lacuna entre problema e solução</a:t>
+            </a:r>
+          </a:p>
+          <a:p>
+            <a:pPr lvl="1"/>
+            <a:r>
+              <a:rPr lang="pt-BR" smtClean="0"/>
+              <a:t>Modelos baseados em abstrações próximas ao problema</a:t>
+            </a:r>
+          </a:p>
+          <a:p>
+            <a:pPr lvl="1"/>
+            <a:r>
+              <a:rPr lang="pt-BR" smtClean="0"/>
+              <a:t>Transformação automatizada dos modelos em abstrações da plataforma de implementação</a:t>
             </a:r>
             <a:endParaRPr lang="pt-BR" dirty="0"/>
           </a:p>
@@ -7209,6 +9987,13 @@
   <p:clrMapOvr>
     <a:masterClrMapping/>
   </p:clrMapOvr>
+  <p:timing>
+    <p:tnLst>
+      <p:par>
+        <p:cTn id="1" dur="indefinite" restart="never" nodeType="tmRoot"/>
+      </p:par>
+    </p:tnLst>
+  </p:timing>
 </p:sld>
 </file>
 
@@ -7245,12 +10030,8 @@
           <a:lstStyle/>
           <a:p>
             <a:r>
-              <a:rPr lang="pt-BR" dirty="0" smtClean="0"/>
-              <a:t>Motiva</a:t>
-            </a:r>
-            <a:r>
-              <a:rPr lang="pt-BR" dirty="0" smtClean="0"/>
-              <a:t>ção</a:t>
+              <a:rPr lang="pt-BR" smtClean="0"/>
+              <a:t>Motivação</a:t>
             </a:r>
             <a:endParaRPr lang="pt-BR" dirty="0"/>
           </a:p>
@@ -7263,32 +10044,33 @@
             <a:spLocks noGrp="1"/>
           </p:cNvSpPr>
           <p:nvPr>
-            <p:ph idx="1"/>
-          </p:nvPr>
-        </p:nvSpPr>
-        <p:spPr/>
+            <p:ph idx="4294967295"/>
+          </p:nvPr>
+        </p:nvSpPr>
+        <p:spPr>
+          <a:xfrm>
+            <a:off x="-3352800" y="1752600"/>
+            <a:ext cx="8207375" cy="4270375"/>
+          </a:xfrm>
+        </p:spPr>
         <p:txBody>
           <a:bodyPr/>
           <a:lstStyle/>
           <a:p>
             <a:r>
-              <a:rPr lang="pt-BR" dirty="0" smtClean="0"/>
-              <a:t>Communication Virtual Machine (CVM)</a:t>
-            </a:r>
-          </a:p>
-          <a:p>
-            <a:pPr lvl="1"/>
-            <a:r>
-              <a:rPr lang="pt-BR" dirty="0" smtClean="0"/>
-              <a:t>Diagrama CML</a:t>
-            </a:r>
-          </a:p>
-          <a:p>
-            <a:pPr lvl="1"/>
-            <a:r>
-              <a:rPr lang="pt-BR" dirty="0" smtClean="0"/>
-              <a:t>Arquitetura</a:t>
-            </a:r>
+              <a:rPr lang="pt-BR" smtClean="0"/>
+              <a:t>Abstrações e notações de alto-nível permitem que usuários construam aplicações complexas</a:t>
+            </a:r>
+          </a:p>
+          <a:p>
+            <a:endParaRPr lang="pt-BR" smtClean="0"/>
+          </a:p>
+          <a:p>
+            <a:r>
+              <a:rPr lang="pt-BR" smtClean="0"/>
+              <a:t>Interpretadores de modelos possibilitam o uso de modelos em tempo de execução</a:t>
+            </a:r>
+            <a:endParaRPr lang="pt-BR" dirty="0"/>
           </a:p>
         </p:txBody>
       </p:sp>
@@ -7297,6 +10079,13 @@
   <p:clrMapOvr>
     <a:masterClrMapping/>
   </p:clrMapOvr>
+  <p:timing>
+    <p:tnLst>
+      <p:par>
+        <p:cTn id="1" dur="indefinite" restart="never" nodeType="tmRoot"/>
+      </p:par>
+    </p:tnLst>
+  </p:timing>
 </p:sld>
 </file>
 
@@ -7333,12 +10122,8 @@
           <a:lstStyle/>
           <a:p>
             <a:r>
-              <a:rPr lang="pt-BR" dirty="0" smtClean="0"/>
-              <a:t>Motiva</a:t>
-            </a:r>
-            <a:r>
-              <a:rPr lang="pt-BR" dirty="0" smtClean="0"/>
-              <a:t>ção</a:t>
+              <a:rPr lang="pt-BR" smtClean="0"/>
+              <a:t>Motivação</a:t>
             </a:r>
             <a:endParaRPr lang="pt-BR" dirty="0"/>
           </a:p>
@@ -7351,49 +10136,38 @@
             <a:spLocks noGrp="1"/>
           </p:cNvSpPr>
           <p:nvPr>
-            <p:ph idx="1"/>
-          </p:nvPr>
-        </p:nvSpPr>
-        <p:spPr/>
+            <p:ph idx="4294967295"/>
+          </p:nvPr>
+        </p:nvSpPr>
+        <p:spPr>
+          <a:xfrm>
+            <a:off x="-3352800" y="1752600"/>
+            <a:ext cx="8207375" cy="4270375"/>
+          </a:xfrm>
+        </p:spPr>
         <p:txBody>
           <a:bodyPr/>
           <a:lstStyle/>
           <a:p>
             <a:r>
-              <a:rPr lang="pt-BR" dirty="0" err="1" smtClean="0"/>
-              <a:t>Microgrid</a:t>
-            </a:r>
-            <a:r>
-              <a:rPr lang="pt-BR" dirty="0" smtClean="0"/>
-              <a:t> Virtual Machine (</a:t>
-            </a:r>
-            <a:r>
-              <a:rPr lang="pt-BR" dirty="0" err="1" smtClean="0"/>
-              <a:t>MGridVM</a:t>
-            </a:r>
-            <a:r>
-              <a:rPr lang="pt-BR" dirty="0" smtClean="0"/>
-              <a:t>)</a:t>
+              <a:rPr lang="pt-BR" smtClean="0"/>
+              <a:t>Communication Virtual Machine (CVM)</a:t>
             </a:r>
           </a:p>
           <a:p>
             <a:pPr lvl="1"/>
             <a:r>
-              <a:rPr lang="pt-BR" dirty="0" smtClean="0"/>
-              <a:t>Diagrama </a:t>
-            </a:r>
-            <a:r>
-              <a:rPr lang="pt-BR" dirty="0" err="1" smtClean="0"/>
-              <a:t>MGridML</a:t>
+              <a:rPr lang="pt-BR" smtClean="0"/>
+              <a:t>Diagrama CML</a:t>
+            </a:r>
+          </a:p>
+          <a:p>
+            <a:pPr lvl="1"/>
+            <a:r>
+              <a:rPr lang="pt-BR" smtClean="0"/>
+              <a:t>Arquitetura</a:t>
             </a:r>
             <a:endParaRPr lang="pt-BR" dirty="0" smtClean="0"/>
-          </a:p>
-          <a:p>
-            <a:pPr lvl="1"/>
-            <a:r>
-              <a:rPr lang="pt-BR" dirty="0" smtClean="0"/>
-              <a:t>Arquitetura</a:t>
-            </a:r>
           </a:p>
         </p:txBody>
       </p:sp>
@@ -7438,12 +10212,8 @@
           <a:lstStyle/>
           <a:p>
             <a:r>
-              <a:rPr lang="pt-BR" dirty="0" smtClean="0"/>
-              <a:t>Motiva</a:t>
-            </a:r>
-            <a:r>
-              <a:rPr lang="pt-BR" dirty="0" smtClean="0"/>
-              <a:t>ção</a:t>
+              <a:rPr lang="pt-BR" smtClean="0"/>
+              <a:t>Motivação</a:t>
             </a:r>
             <a:endParaRPr lang="pt-BR" dirty="0"/>
           </a:p>
@@ -7456,49 +10226,38 @@
             <a:spLocks noGrp="1"/>
           </p:cNvSpPr>
           <p:nvPr>
-            <p:ph idx="1"/>
-          </p:nvPr>
-        </p:nvSpPr>
-        <p:spPr/>
+            <p:ph idx="4294967295"/>
+          </p:nvPr>
+        </p:nvSpPr>
+        <p:spPr>
+          <a:xfrm>
+            <a:off x="-3352800" y="1752600"/>
+            <a:ext cx="8207375" cy="4270375"/>
+          </a:xfrm>
+        </p:spPr>
         <p:txBody>
           <a:bodyPr/>
           <a:lstStyle/>
           <a:p>
             <a:r>
-              <a:rPr lang="pt-BR" dirty="0" smtClean="0"/>
-              <a:t>Constru</a:t>
-            </a:r>
-            <a:r>
-              <a:rPr lang="pt-BR" dirty="0" smtClean="0"/>
-              <a:t>ção da CVM e </a:t>
-            </a:r>
-            <a:r>
-              <a:rPr lang="pt-BR" dirty="0" err="1" smtClean="0"/>
-              <a:t>MGridVM</a:t>
-            </a:r>
-            <a:r>
-              <a:rPr lang="pt-BR" dirty="0" smtClean="0"/>
-              <a:t> também é complexa</a:t>
-            </a:r>
-          </a:p>
-          <a:p>
+              <a:rPr lang="pt-BR" smtClean="0"/>
+              <a:t>Microgrid Virtual Machine (MGridVM)</a:t>
+            </a:r>
+          </a:p>
+          <a:p>
+            <a:pPr lvl="1"/>
+            <a:r>
+              <a:rPr lang="pt-BR" smtClean="0"/>
+              <a:t>Diagrama MGridML</a:t>
+            </a:r>
+          </a:p>
+          <a:p>
+            <a:pPr lvl="1"/>
+            <a:r>
+              <a:rPr lang="pt-BR" smtClean="0"/>
+              <a:t>Arquitetura</a:t>
+            </a:r>
             <a:endParaRPr lang="pt-BR" dirty="0" smtClean="0"/>
-          </a:p>
-          <a:p>
-            <a:r>
-              <a:rPr lang="pt-BR" dirty="0" smtClean="0"/>
-              <a:t>Apesar dos domínios diferentes, compartilham várias características comuns</a:t>
-            </a:r>
-          </a:p>
-          <a:p>
-            <a:endParaRPr lang="pt-BR" dirty="0" smtClean="0"/>
-          </a:p>
-          <a:p>
-            <a:r>
-              <a:rPr lang="pt-BR" dirty="0" smtClean="0"/>
-              <a:t>Poderia utilizar abordagens dirigidas por modelos?</a:t>
-            </a:r>
-            <a:endParaRPr lang="pt-BR" dirty="0"/>
           </a:p>
         </p:txBody>
       </p:sp>
@@ -7543,8 +10302,8 @@
           <a:lstStyle/>
           <a:p>
             <a:r>
-              <a:rPr lang="pt-BR" dirty="0" smtClean="0"/>
-              <a:t>Objetivo Geral</a:t>
+              <a:rPr lang="pt-BR" smtClean="0"/>
+              <a:t>Motivação</a:t>
             </a:r>
             <a:endParaRPr lang="pt-BR" dirty="0"/>
           </a:p>
@@ -7557,44 +10316,42 @@
             <a:spLocks noGrp="1"/>
           </p:cNvSpPr>
           <p:nvPr>
-            <p:ph idx="1"/>
-          </p:nvPr>
-        </p:nvSpPr>
-        <p:spPr/>
+            <p:ph idx="4294967295"/>
+          </p:nvPr>
+        </p:nvSpPr>
+        <p:spPr>
+          <a:xfrm>
+            <a:off x="-3352800" y="1752600"/>
+            <a:ext cx="8207375" cy="4270375"/>
+          </a:xfrm>
+        </p:spPr>
         <p:txBody>
           <a:bodyPr/>
           <a:lstStyle/>
           <a:p>
             <a:r>
-              <a:rPr lang="pt-BR" dirty="0" smtClean="0"/>
-              <a:t>Abordagem dirigida por modelos para constru</a:t>
-            </a:r>
-            <a:r>
-              <a:rPr lang="pt-BR" dirty="0" smtClean="0"/>
-              <a:t>ção de máquinas de execução</a:t>
-            </a:r>
-          </a:p>
-          <a:p>
-            <a:pPr lvl="1"/>
-            <a:r>
-              <a:rPr lang="pt-BR" dirty="0"/>
-              <a:t>d</a:t>
-            </a:r>
-            <a:r>
-              <a:rPr lang="pt-BR" dirty="0" smtClean="0"/>
-              <a:t>e modelos que podem ser criados ou modificados em tempo de execução</a:t>
-            </a:r>
-          </a:p>
-          <a:p>
-            <a:pPr lvl="1"/>
-            <a:r>
-              <a:rPr lang="pt-BR" dirty="0" smtClean="0"/>
-              <a:t>que descrevem serviços de alto-nível providos a partir de um conjunto heterogêneo de recursos</a:t>
-            </a:r>
-          </a:p>
-          <a:p>
-            <a:pPr lvl="1"/>
-            <a:endParaRPr lang="pt-BR" dirty="0"/>
+              <a:rPr lang="pt-BR" smtClean="0"/>
+              <a:t>Construção da CVM e MGridVM também é complexa</a:t>
+            </a:r>
+          </a:p>
+          <a:p>
+            <a:endParaRPr lang="pt-BR" smtClean="0"/>
+          </a:p>
+          <a:p>
+            <a:r>
+              <a:rPr lang="pt-BR" smtClean="0"/>
+              <a:t>Apesar dos domínios diferentes, compartilham várias características comuns</a:t>
+            </a:r>
+          </a:p>
+          <a:p>
+            <a:endParaRPr lang="pt-BR" smtClean="0"/>
+          </a:p>
+          <a:p>
+            <a:r>
+              <a:rPr lang="pt-BR" smtClean="0"/>
+              <a:t>Poderia utilizar abordagens dirigidas por modelos?</a:t>
+            </a:r>
+            <a:endParaRPr lang="pt-BR" dirty="0" smtClean="0"/>
           </a:p>
         </p:txBody>
       </p:sp>
@@ -7640,11 +10397,7 @@
           <a:p>
             <a:r>
               <a:rPr lang="pt-BR" dirty="0" smtClean="0"/>
-              <a:t>Objetivos espec</a:t>
-            </a:r>
-            <a:r>
-              <a:rPr lang="pt-BR" dirty="0" smtClean="0"/>
-              <a:t>íficos</a:t>
+              <a:t>Objetivo Geral</a:t>
             </a:r>
             <a:endParaRPr lang="pt-BR" dirty="0"/>
           </a:p>
@@ -7657,35 +10410,45 @@
             <a:spLocks noGrp="1"/>
           </p:cNvSpPr>
           <p:nvPr>
-            <p:ph idx="1"/>
-          </p:nvPr>
-        </p:nvSpPr>
-        <p:spPr/>
+            <p:ph idx="4294967295"/>
+          </p:nvPr>
+        </p:nvSpPr>
+        <p:spPr>
+          <a:xfrm>
+            <a:off x="-3352800" y="1752600"/>
+            <a:ext cx="8207375" cy="4270375"/>
+          </a:xfrm>
+        </p:spPr>
         <p:txBody>
           <a:bodyPr/>
           <a:lstStyle/>
           <a:p>
             <a:r>
               <a:rPr lang="pt-BR" dirty="0" smtClean="0"/>
-              <a:t>Arquitetura gen</a:t>
+              <a:t>Abordagem dirigida por modelos para construção de máquinas de execução</a:t>
+            </a:r>
+          </a:p>
+          <a:p>
+            <a:pPr lvl="1"/>
+            <a:r>
+              <a:rPr lang="pt-BR" dirty="0"/>
+              <a:t>d</a:t>
             </a:r>
             <a:r>
               <a:rPr lang="pt-BR" dirty="0" smtClean="0"/>
-              <a:t>érica para máquinas de execução de modelos</a:t>
-            </a:r>
-          </a:p>
-          <a:p>
-            <a:r>
-              <a:rPr lang="pt-BR" dirty="0" err="1" smtClean="0"/>
-              <a:t>Metamodelo</a:t>
-            </a:r>
+              <a:t>e modelos que podem ser criados ou modificados em tempo de execução</a:t>
+            </a:r>
+          </a:p>
+          <a:p>
+            <a:pPr lvl="1"/>
             <a:r>
               <a:rPr lang="pt-BR" dirty="0" smtClean="0"/>
-              <a:t> que permita descrever intermediadores de serviços</a:t>
-            </a:r>
-          </a:p>
-          <a:p>
-            <a:endParaRPr lang="pt-BR" dirty="0" smtClean="0"/>
+              <a:t>que descrevem serviços de alto-nível providos a partir de um conjunto heterogêneo de recursos</a:t>
+            </a:r>
+          </a:p>
+          <a:p>
+            <a:pPr lvl="1"/>
+            <a:endParaRPr lang="pt-BR" dirty="0"/>
           </a:p>
         </p:txBody>
       </p:sp>
@@ -7698,114 +10461,56 @@
 </file>
 
 <file path=ppt/theme/theme1.xml><?xml version="1.0" encoding="utf-8"?>
-<a:theme xmlns:a="http://schemas.openxmlformats.org/drawingml/2006/main" name="Office Theme">
+<a:theme xmlns:a="http://schemas.openxmlformats.org/drawingml/2006/main" name="Design padrão">
   <a:themeElements>
-    <a:clrScheme name="Office">
+    <a:clrScheme name="Design padrão 1">
       <a:dk1>
-        <a:sysClr val="windowText" lastClr="000000"/>
+        <a:srgbClr val="000000"/>
       </a:dk1>
       <a:lt1>
-        <a:sysClr val="window" lastClr="FFFFFF"/>
+        <a:srgbClr val="FFFFFF"/>
       </a:lt1>
       <a:dk2>
-        <a:srgbClr val="1F497D"/>
+        <a:srgbClr val="000000"/>
       </a:dk2>
       <a:lt2>
-        <a:srgbClr val="EEECE1"/>
+        <a:srgbClr val="808080"/>
       </a:lt2>
       <a:accent1>
-        <a:srgbClr val="4F81BD"/>
+        <a:srgbClr val="BBE0E3"/>
       </a:accent1>
       <a:accent2>
-        <a:srgbClr val="C0504D"/>
+        <a:srgbClr val="333399"/>
       </a:accent2>
       <a:accent3>
-        <a:srgbClr val="9BBB59"/>
+        <a:srgbClr val="FFFFFF"/>
       </a:accent3>
       <a:accent4>
-        <a:srgbClr val="8064A2"/>
+        <a:srgbClr val="000000"/>
       </a:accent4>
       <a:accent5>
-        <a:srgbClr val="4BACC6"/>
+        <a:srgbClr val="DAEDEF"/>
       </a:accent5>
       <a:accent6>
-        <a:srgbClr val="F79646"/>
+        <a:srgbClr val="2D2D8A"/>
       </a:accent6>
       <a:hlink>
-        <a:srgbClr val="0000FF"/>
+        <a:srgbClr val="009999"/>
       </a:hlink>
       <a:folHlink>
-        <a:srgbClr val="800080"/>
+        <a:srgbClr val="99CC00"/>
       </a:folHlink>
     </a:clrScheme>
-    <a:fontScheme name="Office">
+    <a:fontScheme name="Design padrão">
       <a:majorFont>
-        <a:latin typeface="Calibri"/>
+        <a:latin typeface="Arial"/>
         <a:ea typeface=""/>
         <a:cs typeface=""/>
-        <a:font script="Jpan" typeface="ＭＳ Ｐゴシック"/>
-        <a:font script="Hang" typeface="맑은 고딕"/>
-        <a:font script="Hans" typeface="宋体"/>
-        <a:font script="Hant" typeface="新細明體"/>
-        <a:font script="Arab" typeface="Times New Roman"/>
-        <a:font script="Hebr" typeface="Times New Roman"/>
-        <a:font script="Thai" typeface="Angsana New"/>
-        <a:font script="Ethi" typeface="Nyala"/>
-        <a:font script="Beng" typeface="Vrinda"/>
-        <a:font script="Gujr" typeface="Shruti"/>
-        <a:font script="Khmr" typeface="MoolBoran"/>
-        <a:font script="Knda" typeface="Tunga"/>
-        <a:font script="Guru" typeface="Raavi"/>
-        <a:font script="Cans" typeface="Euphemia"/>
-        <a:font script="Cher" typeface="Plantagenet Cherokee"/>
-        <a:font script="Yiii" typeface="Microsoft Yi Baiti"/>
-        <a:font script="Tibt" typeface="Microsoft Himalaya"/>
-        <a:font script="Thaa" typeface="MV Boli"/>
-        <a:font script="Deva" typeface="Mangal"/>
-        <a:font script="Telu" typeface="Gautami"/>
-        <a:font script="Taml" typeface="Latha"/>
-        <a:font script="Syrc" typeface="Estrangelo Edessa"/>
-        <a:font script="Orya" typeface="Kalinga"/>
-        <a:font script="Mlym" typeface="Kartika"/>
-        <a:font script="Laoo" typeface="DokChampa"/>
-        <a:font script="Sinh" typeface="Iskoola Pota"/>
-        <a:font script="Mong" typeface="Mongolian Baiti"/>
-        <a:font script="Viet" typeface="Times New Roman"/>
-        <a:font script="Uigh" typeface="Microsoft Uighur"/>
       </a:majorFont>
       <a:minorFont>
-        <a:latin typeface="Calibri"/>
+        <a:latin typeface="Arial"/>
         <a:ea typeface=""/>
         <a:cs typeface=""/>
-        <a:font script="Jpan" typeface="ＭＳ Ｐゴシック"/>
-        <a:font script="Hang" typeface="맑은 고딕"/>
-        <a:font script="Hans" typeface="宋体"/>
-        <a:font script="Hant" typeface="新細明體"/>
-        <a:font script="Arab" typeface="Arial"/>
-        <a:font script="Hebr" typeface="Arial"/>
-        <a:font script="Thai" typeface="Cordia New"/>
-        <a:font script="Ethi" typeface="Nyala"/>
-        <a:font script="Beng" typeface="Vrinda"/>
-        <a:font script="Gujr" typeface="Shruti"/>
-        <a:font script="Khmr" typeface="DaunPenh"/>
-        <a:font script="Knda" typeface="Tunga"/>
-        <a:font script="Guru" typeface="Raavi"/>
-        <a:font script="Cans" typeface="Euphemia"/>
-        <a:font script="Cher" typeface="Plantagenet Cherokee"/>
-        <a:font script="Yiii" typeface="Microsoft Yi Baiti"/>
-        <a:font script="Tibt" typeface="Microsoft Himalaya"/>
-        <a:font script="Thaa" typeface="MV Boli"/>
-        <a:font script="Deva" typeface="Mangal"/>
-        <a:font script="Telu" typeface="Gautami"/>
-        <a:font script="Taml" typeface="Latha"/>
-        <a:font script="Syrc" typeface="Estrangelo Edessa"/>
-        <a:font script="Orya" typeface="Kalinga"/>
-        <a:font script="Mlym" typeface="Kartika"/>
-        <a:font script="Laoo" typeface="DokChampa"/>
-        <a:font script="Sinh" typeface="Iskoola Pota"/>
-        <a:font script="Mong" typeface="Mongolian Baiti"/>
-        <a:font script="Viet" typeface="Arial"/>
-        <a:font script="Uigh" typeface="Microsoft Uighur"/>
       </a:minorFont>
     </a:fontScheme>
     <a:fmtScheme name="Office">
@@ -8011,7 +10716,500 @@
       </a:style>
     </a:lnDef>
   </a:objectDefaults>
-  <a:extraClrSchemeLst/>
+  <a:extraClrSchemeLst>
+    <a:extraClrScheme>
+      <a:clrScheme name="Design padrão 1">
+        <a:dk1>
+          <a:srgbClr val="000000"/>
+        </a:dk1>
+        <a:lt1>
+          <a:srgbClr val="FFFFFF"/>
+        </a:lt1>
+        <a:dk2>
+          <a:srgbClr val="000000"/>
+        </a:dk2>
+        <a:lt2>
+          <a:srgbClr val="808080"/>
+        </a:lt2>
+        <a:accent1>
+          <a:srgbClr val="BBE0E3"/>
+        </a:accent1>
+        <a:accent2>
+          <a:srgbClr val="333399"/>
+        </a:accent2>
+        <a:accent3>
+          <a:srgbClr val="FFFFFF"/>
+        </a:accent3>
+        <a:accent4>
+          <a:srgbClr val="000000"/>
+        </a:accent4>
+        <a:accent5>
+          <a:srgbClr val="DAEDEF"/>
+        </a:accent5>
+        <a:accent6>
+          <a:srgbClr val="2D2D8A"/>
+        </a:accent6>
+        <a:hlink>
+          <a:srgbClr val="009999"/>
+        </a:hlink>
+        <a:folHlink>
+          <a:srgbClr val="99CC00"/>
+        </a:folHlink>
+      </a:clrScheme>
+      <a:clrMap bg1="lt1" tx1="dk1" bg2="lt2" tx2="dk2" accent1="accent1" accent2="accent2" accent3="accent3" accent4="accent4" accent5="accent5" accent6="accent6" hlink="hlink" folHlink="folHlink"/>
+    </a:extraClrScheme>
+    <a:extraClrScheme>
+      <a:clrScheme name="Design padrão 2">
+        <a:dk1>
+          <a:srgbClr val="000000"/>
+        </a:dk1>
+        <a:lt1>
+          <a:srgbClr val="FFFFFF"/>
+        </a:lt1>
+        <a:dk2>
+          <a:srgbClr val="000000"/>
+        </a:dk2>
+        <a:lt2>
+          <a:srgbClr val="969696"/>
+        </a:lt2>
+        <a:accent1>
+          <a:srgbClr val="FBDF53"/>
+        </a:accent1>
+        <a:accent2>
+          <a:srgbClr val="FF9966"/>
+        </a:accent2>
+        <a:accent3>
+          <a:srgbClr val="FFFFFF"/>
+        </a:accent3>
+        <a:accent4>
+          <a:srgbClr val="000000"/>
+        </a:accent4>
+        <a:accent5>
+          <a:srgbClr val="FDECB3"/>
+        </a:accent5>
+        <a:accent6>
+          <a:srgbClr val="E78A5C"/>
+        </a:accent6>
+        <a:hlink>
+          <a:srgbClr val="CC3300"/>
+        </a:hlink>
+        <a:folHlink>
+          <a:srgbClr val="996600"/>
+        </a:folHlink>
+      </a:clrScheme>
+      <a:clrMap bg1="lt1" tx1="dk1" bg2="lt2" tx2="dk2" accent1="accent1" accent2="accent2" accent3="accent3" accent4="accent4" accent5="accent5" accent6="accent6" hlink="hlink" folHlink="folHlink"/>
+    </a:extraClrScheme>
+    <a:extraClrScheme>
+      <a:clrScheme name="Design padrão 3">
+        <a:dk1>
+          <a:srgbClr val="000000"/>
+        </a:dk1>
+        <a:lt1>
+          <a:srgbClr val="FFFFFF"/>
+        </a:lt1>
+        <a:dk2>
+          <a:srgbClr val="000000"/>
+        </a:dk2>
+        <a:lt2>
+          <a:srgbClr val="808080"/>
+        </a:lt2>
+        <a:accent1>
+          <a:srgbClr val="99CCFF"/>
+        </a:accent1>
+        <a:accent2>
+          <a:srgbClr val="CCCCFF"/>
+        </a:accent2>
+        <a:accent3>
+          <a:srgbClr val="FFFFFF"/>
+        </a:accent3>
+        <a:accent4>
+          <a:srgbClr val="000000"/>
+        </a:accent4>
+        <a:accent5>
+          <a:srgbClr val="CAE2FF"/>
+        </a:accent5>
+        <a:accent6>
+          <a:srgbClr val="B9B9E7"/>
+        </a:accent6>
+        <a:hlink>
+          <a:srgbClr val="3333CC"/>
+        </a:hlink>
+        <a:folHlink>
+          <a:srgbClr val="AF67FF"/>
+        </a:folHlink>
+      </a:clrScheme>
+      <a:clrMap bg1="lt1" tx1="dk1" bg2="lt2" tx2="dk2" accent1="accent1" accent2="accent2" accent3="accent3" accent4="accent4" accent5="accent5" accent6="accent6" hlink="hlink" folHlink="folHlink"/>
+    </a:extraClrScheme>
+    <a:extraClrScheme>
+      <a:clrScheme name="Design padrão 4">
+        <a:dk1>
+          <a:srgbClr val="000000"/>
+        </a:dk1>
+        <a:lt1>
+          <a:srgbClr val="DEF6F1"/>
+        </a:lt1>
+        <a:dk2>
+          <a:srgbClr val="000000"/>
+        </a:dk2>
+        <a:lt2>
+          <a:srgbClr val="969696"/>
+        </a:lt2>
+        <a:accent1>
+          <a:srgbClr val="FFFFFF"/>
+        </a:accent1>
+        <a:accent2>
+          <a:srgbClr val="8DC6FF"/>
+        </a:accent2>
+        <a:accent3>
+          <a:srgbClr val="ECFAF7"/>
+        </a:accent3>
+        <a:accent4>
+          <a:srgbClr val="000000"/>
+        </a:accent4>
+        <a:accent5>
+          <a:srgbClr val="FFFFFF"/>
+        </a:accent5>
+        <a:accent6>
+          <a:srgbClr val="7FB3E7"/>
+        </a:accent6>
+        <a:hlink>
+          <a:srgbClr val="0066CC"/>
+        </a:hlink>
+        <a:folHlink>
+          <a:srgbClr val="00A800"/>
+        </a:folHlink>
+      </a:clrScheme>
+      <a:clrMap bg1="lt1" tx1="dk1" bg2="lt2" tx2="dk2" accent1="accent1" accent2="accent2" accent3="accent3" accent4="accent4" accent5="accent5" accent6="accent6" hlink="hlink" folHlink="folHlink"/>
+    </a:extraClrScheme>
+    <a:extraClrScheme>
+      <a:clrScheme name="Design padrão 5">
+        <a:dk1>
+          <a:srgbClr val="000000"/>
+        </a:dk1>
+        <a:lt1>
+          <a:srgbClr val="FFFFD9"/>
+        </a:lt1>
+        <a:dk2>
+          <a:srgbClr val="000000"/>
+        </a:dk2>
+        <a:lt2>
+          <a:srgbClr val="777777"/>
+        </a:lt2>
+        <a:accent1>
+          <a:srgbClr val="FFFFF7"/>
+        </a:accent1>
+        <a:accent2>
+          <a:srgbClr val="33CCCC"/>
+        </a:accent2>
+        <a:accent3>
+          <a:srgbClr val="FFFFE9"/>
+        </a:accent3>
+        <a:accent4>
+          <a:srgbClr val="000000"/>
+        </a:accent4>
+        <a:accent5>
+          <a:srgbClr val="FFFFFA"/>
+        </a:accent5>
+        <a:accent6>
+          <a:srgbClr val="2DB9B9"/>
+        </a:accent6>
+        <a:hlink>
+          <a:srgbClr val="FF5050"/>
+        </a:hlink>
+        <a:folHlink>
+          <a:srgbClr val="FF9900"/>
+        </a:folHlink>
+      </a:clrScheme>
+      <a:clrMap bg1="lt1" tx1="dk1" bg2="lt2" tx2="dk2" accent1="accent1" accent2="accent2" accent3="accent3" accent4="accent4" accent5="accent5" accent6="accent6" hlink="hlink" folHlink="folHlink"/>
+    </a:extraClrScheme>
+    <a:extraClrScheme>
+      <a:clrScheme name="Design padrão 6">
+        <a:dk1>
+          <a:srgbClr val="005A58"/>
+        </a:dk1>
+        <a:lt1>
+          <a:srgbClr val="FFFFFF"/>
+        </a:lt1>
+        <a:dk2>
+          <a:srgbClr val="008080"/>
+        </a:dk2>
+        <a:lt2>
+          <a:srgbClr val="FFFF99"/>
+        </a:lt2>
+        <a:accent1>
+          <a:srgbClr val="006462"/>
+        </a:accent1>
+        <a:accent2>
+          <a:srgbClr val="6D6FC7"/>
+        </a:accent2>
+        <a:accent3>
+          <a:srgbClr val="AAC0C0"/>
+        </a:accent3>
+        <a:accent4>
+          <a:srgbClr val="DADADA"/>
+        </a:accent4>
+        <a:accent5>
+          <a:srgbClr val="AAB8B7"/>
+        </a:accent5>
+        <a:accent6>
+          <a:srgbClr val="6264B4"/>
+        </a:accent6>
+        <a:hlink>
+          <a:srgbClr val="00FFFF"/>
+        </a:hlink>
+        <a:folHlink>
+          <a:srgbClr val="00FF00"/>
+        </a:folHlink>
+      </a:clrScheme>
+      <a:clrMap bg1="dk2" tx1="lt1" bg2="dk1" tx2="lt2" accent1="accent1" accent2="accent2" accent3="accent3" accent4="accent4" accent5="accent5" accent6="accent6" hlink="hlink" folHlink="folHlink"/>
+    </a:extraClrScheme>
+    <a:extraClrScheme>
+      <a:clrScheme name="Design padrão 7">
+        <a:dk1>
+          <a:srgbClr val="5C1F00"/>
+        </a:dk1>
+        <a:lt1>
+          <a:srgbClr val="FFFFFF"/>
+        </a:lt1>
+        <a:dk2>
+          <a:srgbClr val="800000"/>
+        </a:dk2>
+        <a:lt2>
+          <a:srgbClr val="DFD293"/>
+        </a:lt2>
+        <a:accent1>
+          <a:srgbClr val="CC3300"/>
+        </a:accent1>
+        <a:accent2>
+          <a:srgbClr val="BE7960"/>
+        </a:accent2>
+        <a:accent3>
+          <a:srgbClr val="C0AAAA"/>
+        </a:accent3>
+        <a:accent4>
+          <a:srgbClr val="DADADA"/>
+        </a:accent4>
+        <a:accent5>
+          <a:srgbClr val="E2ADAA"/>
+        </a:accent5>
+        <a:accent6>
+          <a:srgbClr val="AC6D56"/>
+        </a:accent6>
+        <a:hlink>
+          <a:srgbClr val="FFFF99"/>
+        </a:hlink>
+        <a:folHlink>
+          <a:srgbClr val="D3A219"/>
+        </a:folHlink>
+      </a:clrScheme>
+      <a:clrMap bg1="dk2" tx1="lt1" bg2="dk1" tx2="lt2" accent1="accent1" accent2="accent2" accent3="accent3" accent4="accent4" accent5="accent5" accent6="accent6" hlink="hlink" folHlink="folHlink"/>
+    </a:extraClrScheme>
+    <a:extraClrScheme>
+      <a:clrScheme name="Design padrão 8">
+        <a:dk1>
+          <a:srgbClr val="003366"/>
+        </a:dk1>
+        <a:lt1>
+          <a:srgbClr val="FFFFFF"/>
+        </a:lt1>
+        <a:dk2>
+          <a:srgbClr val="000099"/>
+        </a:dk2>
+        <a:lt2>
+          <a:srgbClr val="CCFFFF"/>
+        </a:lt2>
+        <a:accent1>
+          <a:srgbClr val="3366CC"/>
+        </a:accent1>
+        <a:accent2>
+          <a:srgbClr val="00B000"/>
+        </a:accent2>
+        <a:accent3>
+          <a:srgbClr val="AAAACA"/>
+        </a:accent3>
+        <a:accent4>
+          <a:srgbClr val="DADADA"/>
+        </a:accent4>
+        <a:accent5>
+          <a:srgbClr val="ADB8E2"/>
+        </a:accent5>
+        <a:accent6>
+          <a:srgbClr val="009F00"/>
+        </a:accent6>
+        <a:hlink>
+          <a:srgbClr val="66CCFF"/>
+        </a:hlink>
+        <a:folHlink>
+          <a:srgbClr val="FFE701"/>
+        </a:folHlink>
+      </a:clrScheme>
+      <a:clrMap bg1="dk2" tx1="lt1" bg2="dk1" tx2="lt2" accent1="accent1" accent2="accent2" accent3="accent3" accent4="accent4" accent5="accent5" accent6="accent6" hlink="hlink" folHlink="folHlink"/>
+    </a:extraClrScheme>
+    <a:extraClrScheme>
+      <a:clrScheme name="Design padrão 9">
+        <a:dk1>
+          <a:srgbClr val="336699"/>
+        </a:dk1>
+        <a:lt1>
+          <a:srgbClr val="FFFFFF"/>
+        </a:lt1>
+        <a:dk2>
+          <a:srgbClr val="000000"/>
+        </a:dk2>
+        <a:lt2>
+          <a:srgbClr val="E3EBF1"/>
+        </a:lt2>
+        <a:accent1>
+          <a:srgbClr val="003399"/>
+        </a:accent1>
+        <a:accent2>
+          <a:srgbClr val="468A4B"/>
+        </a:accent2>
+        <a:accent3>
+          <a:srgbClr val="AAAAAA"/>
+        </a:accent3>
+        <a:accent4>
+          <a:srgbClr val="DADADA"/>
+        </a:accent4>
+        <a:accent5>
+          <a:srgbClr val="AAADCA"/>
+        </a:accent5>
+        <a:accent6>
+          <a:srgbClr val="3F7D43"/>
+        </a:accent6>
+        <a:hlink>
+          <a:srgbClr val="66CCFF"/>
+        </a:hlink>
+        <a:folHlink>
+          <a:srgbClr val="F0E500"/>
+        </a:folHlink>
+      </a:clrScheme>
+      <a:clrMap bg1="dk2" tx1="lt1" bg2="dk1" tx2="lt2" accent1="accent1" accent2="accent2" accent3="accent3" accent4="accent4" accent5="accent5" accent6="accent6" hlink="hlink" folHlink="folHlink"/>
+    </a:extraClrScheme>
+    <a:extraClrScheme>
+      <a:clrScheme name="Design padrão 10">
+        <a:dk1>
+          <a:srgbClr val="777777"/>
+        </a:dk1>
+        <a:lt1>
+          <a:srgbClr val="FFFFFF"/>
+        </a:lt1>
+        <a:dk2>
+          <a:srgbClr val="686B5D"/>
+        </a:dk2>
+        <a:lt2>
+          <a:srgbClr val="D1D1CB"/>
+        </a:lt2>
+        <a:accent1>
+          <a:srgbClr val="909082"/>
+        </a:accent1>
+        <a:accent2>
+          <a:srgbClr val="809EA8"/>
+        </a:accent2>
+        <a:accent3>
+          <a:srgbClr val="B9BAB6"/>
+        </a:accent3>
+        <a:accent4>
+          <a:srgbClr val="DADADA"/>
+        </a:accent4>
+        <a:accent5>
+          <a:srgbClr val="C6C6C1"/>
+        </a:accent5>
+        <a:accent6>
+          <a:srgbClr val="738F98"/>
+        </a:accent6>
+        <a:hlink>
+          <a:srgbClr val="FFCC66"/>
+        </a:hlink>
+        <a:folHlink>
+          <a:srgbClr val="E9DCB9"/>
+        </a:folHlink>
+      </a:clrScheme>
+      <a:clrMap bg1="dk2" tx1="lt1" bg2="dk1" tx2="lt2" accent1="accent1" accent2="accent2" accent3="accent3" accent4="accent4" accent5="accent5" accent6="accent6" hlink="hlink" folHlink="folHlink"/>
+    </a:extraClrScheme>
+    <a:extraClrScheme>
+      <a:clrScheme name="Design padrão 11">
+        <a:dk1>
+          <a:srgbClr val="3E3E5C"/>
+        </a:dk1>
+        <a:lt1>
+          <a:srgbClr val="FFFFFF"/>
+        </a:lt1>
+        <a:dk2>
+          <a:srgbClr val="666699"/>
+        </a:dk2>
+        <a:lt2>
+          <a:srgbClr val="FFFFFF"/>
+        </a:lt2>
+        <a:accent1>
+          <a:srgbClr val="60597B"/>
+        </a:accent1>
+        <a:accent2>
+          <a:srgbClr val="6666FF"/>
+        </a:accent2>
+        <a:accent3>
+          <a:srgbClr val="B8B8CA"/>
+        </a:accent3>
+        <a:accent4>
+          <a:srgbClr val="DADADA"/>
+        </a:accent4>
+        <a:accent5>
+          <a:srgbClr val="B6B5BF"/>
+        </a:accent5>
+        <a:accent6>
+          <a:srgbClr val="5C5CE7"/>
+        </a:accent6>
+        <a:hlink>
+          <a:srgbClr val="99CCFF"/>
+        </a:hlink>
+        <a:folHlink>
+          <a:srgbClr val="FFFF99"/>
+        </a:folHlink>
+      </a:clrScheme>
+      <a:clrMap bg1="dk2" tx1="lt1" bg2="dk1" tx2="lt2" accent1="accent1" accent2="accent2" accent3="accent3" accent4="accent4" accent5="accent5" accent6="accent6" hlink="hlink" folHlink="folHlink"/>
+    </a:extraClrScheme>
+    <a:extraClrScheme>
+      <a:clrScheme name="Design padrão 12">
+        <a:dk1>
+          <a:srgbClr val="2D2015"/>
+        </a:dk1>
+        <a:lt1>
+          <a:srgbClr val="FFFFFF"/>
+        </a:lt1>
+        <a:dk2>
+          <a:srgbClr val="523E26"/>
+        </a:dk2>
+        <a:lt2>
+          <a:srgbClr val="DFC08D"/>
+        </a:lt2>
+        <a:accent1>
+          <a:srgbClr val="8C7B70"/>
+        </a:accent1>
+        <a:accent2>
+          <a:srgbClr val="8F5F2F"/>
+        </a:accent2>
+        <a:accent3>
+          <a:srgbClr val="B3AFAC"/>
+        </a:accent3>
+        <a:accent4>
+          <a:srgbClr val="DADADA"/>
+        </a:accent4>
+        <a:accent5>
+          <a:srgbClr val="C5BFBB"/>
+        </a:accent5>
+        <a:accent6>
+          <a:srgbClr val="81552A"/>
+        </a:accent6>
+        <a:hlink>
+          <a:srgbClr val="CCB400"/>
+        </a:hlink>
+        <a:folHlink>
+          <a:srgbClr val="8C9EA0"/>
+        </a:folHlink>
+      </a:clrScheme>
+      <a:clrMap bg1="dk2" tx1="lt1" bg2="dk1" tx2="lt2" accent1="accent1" accent2="accent2" accent3="accent3" accent4="accent4" accent5="accent5" accent6="accent6" hlink="hlink" folHlink="folHlink"/>
+    </a:extraClrScheme>
+  </a:extraClrSchemeLst>
 </a:theme>
 </file>
 
@@ -8331,4 +11529,322 @@
   </a:objectDefaults>
   <a:extraClrSchemeLst/>
 </a:theme>
+</file>
+
+<file path=ppt/theme/theme3.xml><?xml version="1.0" encoding="utf-8"?>
+<a:theme xmlns:a="http://schemas.openxmlformats.org/drawingml/2006/main" name="Office Theme">
+  <a:themeElements>
+    <a:clrScheme name="Office">
+      <a:dk1>
+        <a:sysClr val="windowText" lastClr="000000"/>
+      </a:dk1>
+      <a:lt1>
+        <a:sysClr val="window" lastClr="FFFFFF"/>
+      </a:lt1>
+      <a:dk2>
+        <a:srgbClr val="1F497D"/>
+      </a:dk2>
+      <a:lt2>
+        <a:srgbClr val="EEECE1"/>
+      </a:lt2>
+      <a:accent1>
+        <a:srgbClr val="4F81BD"/>
+      </a:accent1>
+      <a:accent2>
+        <a:srgbClr val="C0504D"/>
+      </a:accent2>
+      <a:accent3>
+        <a:srgbClr val="9BBB59"/>
+      </a:accent3>
+      <a:accent4>
+        <a:srgbClr val="8064A2"/>
+      </a:accent4>
+      <a:accent5>
+        <a:srgbClr val="4BACC6"/>
+      </a:accent5>
+      <a:accent6>
+        <a:srgbClr val="F79646"/>
+      </a:accent6>
+      <a:hlink>
+        <a:srgbClr val="0000FF"/>
+      </a:hlink>
+      <a:folHlink>
+        <a:srgbClr val="800080"/>
+      </a:folHlink>
+    </a:clrScheme>
+    <a:fontScheme name="Office">
+      <a:majorFont>
+        <a:latin typeface="Calibri"/>
+        <a:ea typeface=""/>
+        <a:cs typeface=""/>
+        <a:font script="Jpan" typeface="ＭＳ Ｐゴシック"/>
+        <a:font script="Hang" typeface="맑은 고딕"/>
+        <a:font script="Hans" typeface="宋体"/>
+        <a:font script="Hant" typeface="新細明體"/>
+        <a:font script="Arab" typeface="Times New Roman"/>
+        <a:font script="Hebr" typeface="Times New Roman"/>
+        <a:font script="Thai" typeface="Angsana New"/>
+        <a:font script="Ethi" typeface="Nyala"/>
+        <a:font script="Beng" typeface="Vrinda"/>
+        <a:font script="Gujr" typeface="Shruti"/>
+        <a:font script="Khmr" typeface="MoolBoran"/>
+        <a:font script="Knda" typeface="Tunga"/>
+        <a:font script="Guru" typeface="Raavi"/>
+        <a:font script="Cans" typeface="Euphemia"/>
+        <a:font script="Cher" typeface="Plantagenet Cherokee"/>
+        <a:font script="Yiii" typeface="Microsoft Yi Baiti"/>
+        <a:font script="Tibt" typeface="Microsoft Himalaya"/>
+        <a:font script="Thaa" typeface="MV Boli"/>
+        <a:font script="Deva" typeface="Mangal"/>
+        <a:font script="Telu" typeface="Gautami"/>
+        <a:font script="Taml" typeface="Latha"/>
+        <a:font script="Syrc" typeface="Estrangelo Edessa"/>
+        <a:font script="Orya" typeface="Kalinga"/>
+        <a:font script="Mlym" typeface="Kartika"/>
+        <a:font script="Laoo" typeface="DokChampa"/>
+        <a:font script="Sinh" typeface="Iskoola Pota"/>
+        <a:font script="Mong" typeface="Mongolian Baiti"/>
+        <a:font script="Viet" typeface="Times New Roman"/>
+        <a:font script="Uigh" typeface="Microsoft Uighur"/>
+      </a:majorFont>
+      <a:minorFont>
+        <a:latin typeface="Calibri"/>
+        <a:ea typeface=""/>
+        <a:cs typeface=""/>
+        <a:font script="Jpan" typeface="ＭＳ Ｐゴシック"/>
+        <a:font script="Hang" typeface="맑은 고딕"/>
+        <a:font script="Hans" typeface="宋体"/>
+        <a:font script="Hant" typeface="新細明體"/>
+        <a:font script="Arab" typeface="Arial"/>
+        <a:font script="Hebr" typeface="Arial"/>
+        <a:font script="Thai" typeface="Cordia New"/>
+        <a:font script="Ethi" typeface="Nyala"/>
+        <a:font script="Beng" typeface="Vrinda"/>
+        <a:font script="Gujr" typeface="Shruti"/>
+        <a:font script="Khmr" typeface="DaunPenh"/>
+        <a:font script="Knda" typeface="Tunga"/>
+        <a:font script="Guru" typeface="Raavi"/>
+        <a:font script="Cans" typeface="Euphemia"/>
+        <a:font script="Cher" typeface="Plantagenet Cherokee"/>
+        <a:font script="Yiii" typeface="Microsoft Yi Baiti"/>
+        <a:font script="Tibt" typeface="Microsoft Himalaya"/>
+        <a:font script="Thaa" typeface="MV Boli"/>
+        <a:font script="Deva" typeface="Mangal"/>
+        <a:font script="Telu" typeface="Gautami"/>
+        <a:font script="Taml" typeface="Latha"/>
+        <a:font script="Syrc" typeface="Estrangelo Edessa"/>
+        <a:font script="Orya" typeface="Kalinga"/>
+        <a:font script="Mlym" typeface="Kartika"/>
+        <a:font script="Laoo" typeface="DokChampa"/>
+        <a:font script="Sinh" typeface="Iskoola Pota"/>
+        <a:font script="Mong" typeface="Mongolian Baiti"/>
+        <a:font script="Viet" typeface="Arial"/>
+        <a:font script="Uigh" typeface="Microsoft Uighur"/>
+      </a:minorFont>
+    </a:fontScheme>
+    <a:fmtScheme name="Office">
+      <a:fillStyleLst>
+        <a:solidFill>
+          <a:schemeClr val="phClr"/>
+        </a:solidFill>
+        <a:gradFill rotWithShape="1">
+          <a:gsLst>
+            <a:gs pos="0">
+              <a:schemeClr val="phClr">
+                <a:tint val="50000"/>
+                <a:satMod val="300000"/>
+              </a:schemeClr>
+            </a:gs>
+            <a:gs pos="35000">
+              <a:schemeClr val="phClr">
+                <a:tint val="37000"/>
+                <a:satMod val="300000"/>
+              </a:schemeClr>
+            </a:gs>
+            <a:gs pos="100000">
+              <a:schemeClr val="phClr">
+                <a:tint val="15000"/>
+                <a:satMod val="350000"/>
+              </a:schemeClr>
+            </a:gs>
+          </a:gsLst>
+          <a:lin ang="16200000" scaled="1"/>
+        </a:gradFill>
+        <a:gradFill rotWithShape="1">
+          <a:gsLst>
+            <a:gs pos="0">
+              <a:schemeClr val="phClr">
+                <a:tint val="100000"/>
+                <a:shade val="100000"/>
+                <a:satMod val="130000"/>
+              </a:schemeClr>
+            </a:gs>
+            <a:gs pos="100000">
+              <a:schemeClr val="phClr">
+                <a:tint val="50000"/>
+                <a:shade val="100000"/>
+                <a:satMod val="350000"/>
+              </a:schemeClr>
+            </a:gs>
+          </a:gsLst>
+          <a:lin ang="16200000" scaled="0"/>
+        </a:gradFill>
+      </a:fillStyleLst>
+      <a:lnStyleLst>
+        <a:ln w="9525" cap="flat" cmpd="sng" algn="ctr">
+          <a:solidFill>
+            <a:schemeClr val="phClr">
+              <a:shade val="95000"/>
+              <a:satMod val="105000"/>
+            </a:schemeClr>
+          </a:solidFill>
+          <a:prstDash val="solid"/>
+        </a:ln>
+        <a:ln w="25400" cap="flat" cmpd="sng" algn="ctr">
+          <a:solidFill>
+            <a:schemeClr val="phClr"/>
+          </a:solidFill>
+          <a:prstDash val="solid"/>
+        </a:ln>
+        <a:ln w="38100" cap="flat" cmpd="sng" algn="ctr">
+          <a:solidFill>
+            <a:schemeClr val="phClr"/>
+          </a:solidFill>
+          <a:prstDash val="solid"/>
+        </a:ln>
+      </a:lnStyleLst>
+      <a:effectStyleLst>
+        <a:effectStyle>
+          <a:effectLst>
+            <a:outerShdw blurRad="40000" dist="20000" dir="5400000" rotWithShape="0">
+              <a:srgbClr val="000000">
+                <a:alpha val="38000"/>
+              </a:srgbClr>
+            </a:outerShdw>
+          </a:effectLst>
+        </a:effectStyle>
+        <a:effectStyle>
+          <a:effectLst>
+            <a:outerShdw blurRad="40000" dist="23000" dir="5400000" rotWithShape="0">
+              <a:srgbClr val="000000">
+                <a:alpha val="35000"/>
+              </a:srgbClr>
+            </a:outerShdw>
+          </a:effectLst>
+        </a:effectStyle>
+        <a:effectStyle>
+          <a:effectLst>
+            <a:outerShdw blurRad="40000" dist="23000" dir="5400000" rotWithShape="0">
+              <a:srgbClr val="000000">
+                <a:alpha val="35000"/>
+              </a:srgbClr>
+            </a:outerShdw>
+          </a:effectLst>
+          <a:scene3d>
+            <a:camera prst="orthographicFront">
+              <a:rot lat="0" lon="0" rev="0"/>
+            </a:camera>
+            <a:lightRig rig="threePt" dir="t">
+              <a:rot lat="0" lon="0" rev="1200000"/>
+            </a:lightRig>
+          </a:scene3d>
+          <a:sp3d>
+            <a:bevelT w="63500" h="25400"/>
+          </a:sp3d>
+        </a:effectStyle>
+      </a:effectStyleLst>
+      <a:bgFillStyleLst>
+        <a:solidFill>
+          <a:schemeClr val="phClr"/>
+        </a:solidFill>
+        <a:gradFill rotWithShape="1">
+          <a:gsLst>
+            <a:gs pos="0">
+              <a:schemeClr val="phClr">
+                <a:tint val="40000"/>
+                <a:satMod val="350000"/>
+              </a:schemeClr>
+            </a:gs>
+            <a:gs pos="40000">
+              <a:schemeClr val="phClr">
+                <a:tint val="45000"/>
+                <a:shade val="99000"/>
+                <a:satMod val="350000"/>
+              </a:schemeClr>
+            </a:gs>
+            <a:gs pos="100000">
+              <a:schemeClr val="phClr">
+                <a:shade val="20000"/>
+                <a:satMod val="255000"/>
+              </a:schemeClr>
+            </a:gs>
+          </a:gsLst>
+          <a:path path="circle">
+            <a:fillToRect l="50000" t="-80000" r="50000" b="180000"/>
+          </a:path>
+        </a:gradFill>
+        <a:gradFill rotWithShape="1">
+          <a:gsLst>
+            <a:gs pos="0">
+              <a:schemeClr val="phClr">
+                <a:tint val="80000"/>
+                <a:satMod val="300000"/>
+              </a:schemeClr>
+            </a:gs>
+            <a:gs pos="100000">
+              <a:schemeClr val="phClr">
+                <a:shade val="30000"/>
+                <a:satMod val="200000"/>
+              </a:schemeClr>
+            </a:gs>
+          </a:gsLst>
+          <a:path path="circle">
+            <a:fillToRect l="50000" t="50000" r="50000" b="50000"/>
+          </a:path>
+        </a:gradFill>
+      </a:bgFillStyleLst>
+    </a:fmtScheme>
+  </a:themeElements>
+  <a:objectDefaults>
+    <a:spDef>
+      <a:spPr/>
+      <a:bodyPr/>
+      <a:lstStyle/>
+      <a:style>
+        <a:lnRef idx="1">
+          <a:schemeClr val="accent1"/>
+        </a:lnRef>
+        <a:fillRef idx="3">
+          <a:schemeClr val="accent1"/>
+        </a:fillRef>
+        <a:effectRef idx="2">
+          <a:schemeClr val="accent1"/>
+        </a:effectRef>
+        <a:fontRef idx="minor">
+          <a:schemeClr val="lt1"/>
+        </a:fontRef>
+      </a:style>
+    </a:spDef>
+    <a:lnDef>
+      <a:spPr/>
+      <a:bodyPr/>
+      <a:lstStyle/>
+      <a:style>
+        <a:lnRef idx="2">
+          <a:schemeClr val="accent1"/>
+        </a:lnRef>
+        <a:fillRef idx="0">
+          <a:schemeClr val="accent1"/>
+        </a:fillRef>
+        <a:effectRef idx="1">
+          <a:schemeClr val="accent1"/>
+        </a:effectRef>
+        <a:fontRef idx="minor">
+          <a:schemeClr val="tx1"/>
+        </a:fontRef>
+      </a:style>
+    </a:lnDef>
+  </a:objectDefaults>
+  <a:extraClrSchemeLst/>
+</a:theme>
 </file>